--- a/changgyu_참고자료/networks.pptx
+++ b/changgyu_참고자료/networks.pptx
@@ -5,11 +5,10 @@
     <p:sldMasterId id="2147483648" r:id="rId1"/>
   </p:sldMasterIdLst>
   <p:notesMasterIdLst>
-    <p:notesMasterId r:id="rId4"/>
+    <p:notesMasterId r:id="rId3"/>
   </p:notesMasterIdLst>
   <p:sldIdLst>
-    <p:sldId id="373" r:id="rId2"/>
-    <p:sldId id="376" r:id="rId3"/>
+    <p:sldId id="376" r:id="rId2"/>
   </p:sldIdLst>
   <p:sldSz cx="12192000" cy="6858000"/>
   <p:notesSz cx="6858000" cy="9144000"/>
@@ -209,7 +208,7 @@
           <a:p>
             <a:fld id="{0FC3CEB9-D30E-4ED6-B8B4-6AAB7A515EE9}" type="datetimeFigureOut">
               <a:rPr lang="ko-KR" altLang="en-US" smtClean="0"/>
-              <a:t>2018-10-31</a:t>
+              <a:t>2019-01-03</a:t>
             </a:fld>
             <a:endParaRPr lang="ko-KR" altLang="en-US"/>
           </a:p>
@@ -477,133 +476,6 @@
 </p:notesMaster>
 </file>
 
-<file path=ppt/notesSlides/notesSlide1.xml><?xml version="1.0" encoding="utf-8"?>
-<p:notes xmlns:a="http://schemas.openxmlformats.org/drawingml/2006/main" xmlns:r="http://schemas.openxmlformats.org/officeDocument/2006/relationships" xmlns:p="http://schemas.openxmlformats.org/presentationml/2006/main">
-  <p:cSld>
-    <p:spTree>
-      <p:nvGrpSpPr>
-        <p:cNvPr id="1" name=""/>
-        <p:cNvGrpSpPr/>
-        <p:nvPr/>
-      </p:nvGrpSpPr>
-      <p:grpSpPr>
-        <a:xfrm>
-          <a:off x="0" y="0"/>
-          <a:ext cx="0" cy="0"/>
-          <a:chOff x="0" y="0"/>
-          <a:chExt cx="0" cy="0"/>
-        </a:xfrm>
-      </p:grpSpPr>
-      <p:sp>
-        <p:nvSpPr>
-          <p:cNvPr id="2" name="슬라이드 이미지 개체 틀 1"/>
-          <p:cNvSpPr>
-            <a:spLocks noGrp="1" noRot="1" noChangeAspect="1"/>
-          </p:cNvSpPr>
-          <p:nvPr>
-            <p:ph type="sldImg"/>
-          </p:nvPr>
-        </p:nvSpPr>
-        <p:spPr/>
-      </p:sp>
-      <p:sp>
-        <p:nvSpPr>
-          <p:cNvPr id="3" name="슬라이드 노트 개체 틀 2"/>
-          <p:cNvSpPr>
-            <a:spLocks noGrp="1"/>
-          </p:cNvSpPr>
-          <p:nvPr>
-            <p:ph type="body" idx="1"/>
-          </p:nvPr>
-        </p:nvSpPr>
-        <p:spPr/>
-        <p:txBody>
-          <a:bodyPr/>
-          <a:lstStyle/>
-          <a:p>
-            <a:r>
-              <a:rPr lang="en-US" altLang="ko-KR" dirty="0" smtClean="0"/>
-              <a:t>Until</a:t>
-            </a:r>
-            <a:r>
-              <a:rPr lang="en-US" altLang="ko-KR" baseline="0" dirty="0" smtClean="0"/>
-              <a:t> now, other presenter explain about SLAM, especially RO-SLAM, and basic deep learning architecture. I’ll explain our attention based LSTM architecture.</a:t>
-            </a:r>
-            <a:endParaRPr lang="en-US" altLang="ko-KR" dirty="0" smtClean="0"/>
-          </a:p>
-          <a:p>
-            <a:r>
-              <a:rPr lang="en-US" altLang="ko-KR" dirty="0" smtClean="0"/>
-              <a:t>As I</a:t>
-            </a:r>
-            <a:r>
-              <a:rPr lang="en-US" altLang="ko-KR" baseline="0" dirty="0" smtClean="0"/>
-              <a:t> mentioned before</a:t>
-            </a:r>
-            <a:r>
-              <a:rPr lang="en-US" altLang="ko-KR" dirty="0" smtClean="0"/>
-              <a:t>, procedure</a:t>
-            </a:r>
-            <a:r>
-              <a:rPr lang="en-US" altLang="ko-KR" baseline="0" dirty="0" smtClean="0"/>
-              <a:t> of </a:t>
-            </a:r>
-            <a:r>
-              <a:rPr lang="en-US" altLang="ko-KR" dirty="0" smtClean="0"/>
-              <a:t>traditional</a:t>
-            </a:r>
-            <a:r>
-              <a:rPr lang="en-US" altLang="ko-KR" baseline="0" dirty="0" smtClean="0"/>
-              <a:t> RO SLAM has several steps as shown this figure. Commonly, RO SLAM needs calibration before filtering, and then, range measurement undergoes outlier rejection / prediction / and correction processes. So, what we </a:t>
-            </a:r>
-            <a:r>
-              <a:rPr lang="en-US" altLang="ko-KR" baseline="0" dirty="0" err="1" smtClean="0"/>
-              <a:t>gonna</a:t>
-            </a:r>
-            <a:r>
-              <a:rPr lang="en-US" altLang="ko-KR" baseline="0" dirty="0" smtClean="0"/>
-              <a:t> do is that we’ll replace this traditional method with </a:t>
-            </a:r>
-            <a:endParaRPr lang="ko-KR" altLang="en-US" dirty="0"/>
-          </a:p>
-        </p:txBody>
-      </p:sp>
-      <p:sp>
-        <p:nvSpPr>
-          <p:cNvPr id="4" name="슬라이드 번호 개체 틀 3"/>
-          <p:cNvSpPr>
-            <a:spLocks noGrp="1"/>
-          </p:cNvSpPr>
-          <p:nvPr>
-            <p:ph type="sldNum" sz="quarter" idx="10"/>
-          </p:nvPr>
-        </p:nvSpPr>
-        <p:spPr/>
-        <p:txBody>
-          <a:bodyPr/>
-          <a:lstStyle/>
-          <a:p>
-            <a:fld id="{C9F17CD4-965A-4704-BF1E-8975349CF1EF}" type="slidenum">
-              <a:rPr lang="ko-KR" altLang="en-US" smtClean="0"/>
-              <a:t>1</a:t>
-            </a:fld>
-            <a:endParaRPr lang="ko-KR" altLang="en-US"/>
-          </a:p>
-        </p:txBody>
-      </p:sp>
-    </p:spTree>
-    <p:extLst>
-      <p:ext uri="{BB962C8B-B14F-4D97-AF65-F5344CB8AC3E}">
-        <p14:creationId xmlns:p14="http://schemas.microsoft.com/office/powerpoint/2010/main" val="2148827534"/>
-      </p:ext>
-    </p:extLst>
-  </p:cSld>
-  <p:clrMapOvr>
-    <a:masterClrMapping/>
-  </p:clrMapOvr>
-</p:notes>
-</file>
-
 <file path=ppt/slideLayouts/slideLayout1.xml><?xml version="1.0" encoding="utf-8"?>
 <p:sldLayout xmlns:a="http://schemas.openxmlformats.org/drawingml/2006/main" xmlns:r="http://schemas.openxmlformats.org/officeDocument/2006/relationships" xmlns:p="http://schemas.openxmlformats.org/presentationml/2006/main" type="title" preserve="1">
   <p:cSld name="제목 슬라이드">
@@ -735,7 +607,7 @@
           <a:p>
             <a:fld id="{A9B2214B-C433-4996-9B6C-9DD3E164BB43}" type="datetimeFigureOut">
               <a:rPr lang="ko-KR" altLang="en-US" smtClean="0"/>
-              <a:t>2018-10-31</a:t>
+              <a:t>2019-01-03</a:t>
             </a:fld>
             <a:endParaRPr lang="ko-KR" altLang="en-US"/>
           </a:p>
@@ -917,7 +789,7 @@
           <a:p>
             <a:fld id="{A9B2214B-C433-4996-9B6C-9DD3E164BB43}" type="datetimeFigureOut">
               <a:rPr lang="ko-KR" altLang="en-US" smtClean="0"/>
-              <a:t>2018-10-31</a:t>
+              <a:t>2019-01-03</a:t>
             </a:fld>
             <a:endParaRPr lang="ko-KR" altLang="en-US"/>
           </a:p>
@@ -1109,7 +981,7 @@
           <a:p>
             <a:fld id="{A9B2214B-C433-4996-9B6C-9DD3E164BB43}" type="datetimeFigureOut">
               <a:rPr lang="ko-KR" altLang="en-US" smtClean="0"/>
-              <a:t>2018-10-31</a:t>
+              <a:t>2019-01-03</a:t>
             </a:fld>
             <a:endParaRPr lang="ko-KR" altLang="en-US"/>
           </a:p>
@@ -1291,7 +1163,7 @@
           <a:p>
             <a:fld id="{A9B2214B-C433-4996-9B6C-9DD3E164BB43}" type="datetimeFigureOut">
               <a:rPr lang="ko-KR" altLang="en-US" smtClean="0"/>
-              <a:t>2018-10-31</a:t>
+              <a:t>2019-01-03</a:t>
             </a:fld>
             <a:endParaRPr lang="ko-KR" altLang="en-US"/>
           </a:p>
@@ -1549,7 +1421,7 @@
           <a:p>
             <a:fld id="{A9B2214B-C433-4996-9B6C-9DD3E164BB43}" type="datetimeFigureOut">
               <a:rPr lang="ko-KR" altLang="en-US" smtClean="0"/>
-              <a:t>2018-10-31</a:t>
+              <a:t>2019-01-03</a:t>
             </a:fld>
             <a:endParaRPr lang="ko-KR" altLang="en-US"/>
           </a:p>
@@ -1793,7 +1665,7 @@
           <a:p>
             <a:fld id="{A9B2214B-C433-4996-9B6C-9DD3E164BB43}" type="datetimeFigureOut">
               <a:rPr lang="ko-KR" altLang="en-US" smtClean="0"/>
-              <a:t>2018-10-31</a:t>
+              <a:t>2019-01-03</a:t>
             </a:fld>
             <a:endParaRPr lang="ko-KR" altLang="en-US"/>
           </a:p>
@@ -2172,7 +2044,7 @@
           <a:p>
             <a:fld id="{A9B2214B-C433-4996-9B6C-9DD3E164BB43}" type="datetimeFigureOut">
               <a:rPr lang="ko-KR" altLang="en-US" smtClean="0"/>
-              <a:t>2018-10-31</a:t>
+              <a:t>2019-01-03</a:t>
             </a:fld>
             <a:endParaRPr lang="ko-KR" altLang="en-US"/>
           </a:p>
@@ -2302,7 +2174,7 @@
           <a:p>
             <a:fld id="{A9B2214B-C433-4996-9B6C-9DD3E164BB43}" type="datetimeFigureOut">
               <a:rPr lang="ko-KR" altLang="en-US" smtClean="0"/>
-              <a:t>2018-10-31</a:t>
+              <a:t>2019-01-03</a:t>
             </a:fld>
             <a:endParaRPr lang="ko-KR" altLang="en-US"/>
           </a:p>
@@ -2409,7 +2281,7 @@
           <a:p>
             <a:fld id="{A9B2214B-C433-4996-9B6C-9DD3E164BB43}" type="datetimeFigureOut">
               <a:rPr lang="ko-KR" altLang="en-US" smtClean="0"/>
-              <a:t>2018-10-31</a:t>
+              <a:t>2019-01-03</a:t>
             </a:fld>
             <a:endParaRPr lang="ko-KR" altLang="en-US"/>
           </a:p>
@@ -2698,7 +2570,7 @@
           <a:p>
             <a:fld id="{A9B2214B-C433-4996-9B6C-9DD3E164BB43}" type="datetimeFigureOut">
               <a:rPr lang="ko-KR" altLang="en-US" smtClean="0"/>
-              <a:t>2018-10-31</a:t>
+              <a:t>2019-01-03</a:t>
             </a:fld>
             <a:endParaRPr lang="ko-KR" altLang="en-US"/>
           </a:p>
@@ -2963,7 +2835,7 @@
           <a:p>
             <a:fld id="{A9B2214B-C433-4996-9B6C-9DD3E164BB43}" type="datetimeFigureOut">
               <a:rPr lang="ko-KR" altLang="en-US" smtClean="0"/>
-              <a:t>2018-10-31</a:t>
+              <a:t>2019-01-03</a:t>
             </a:fld>
             <a:endParaRPr lang="ko-KR" altLang="en-US"/>
           </a:p>
@@ -3191,7 +3063,7 @@
           <a:p>
             <a:fld id="{A9B2214B-C433-4996-9B6C-9DD3E164BB43}" type="datetimeFigureOut">
               <a:rPr lang="ko-KR" altLang="en-US" smtClean="0"/>
-              <a:t>2018-10-31</a:t>
+              <a:t>2019-01-03</a:t>
             </a:fld>
             <a:endParaRPr lang="ko-KR" altLang="en-US"/>
           </a:p>
@@ -3610,1910 +3482,6 @@
       </p:grpSpPr>
       <p:sp>
         <p:nvSpPr>
-          <p:cNvPr id="16" name="TextBox 15"/>
-          <p:cNvSpPr txBox="1"/>
-          <p:nvPr/>
-        </p:nvSpPr>
-        <p:spPr>
-          <a:xfrm>
-            <a:off x="23150" y="1691315"/>
-            <a:ext cx="2531534" cy="369332"/>
-          </a:xfrm>
-          <a:prstGeom prst="rect">
-            <a:avLst/>
-          </a:prstGeom>
-          <a:noFill/>
-        </p:spPr>
-        <p:txBody>
-          <a:bodyPr wrap="square" rtlCol="0">
-            <a:spAutoFit/>
-          </a:bodyPr>
-          <a:lstStyle/>
-          <a:p>
-            <a:pPr algn="ctr"/>
-            <a:r>
-              <a:rPr lang="en-US" altLang="ko-KR" dirty="0" smtClean="0">
-                <a:latin typeface="배달의민족 주아" panose="02020603020101020101" pitchFamily="18" charset="-127"/>
-                <a:ea typeface="배달의민족 주아" panose="02020603020101020101" pitchFamily="18" charset="-127"/>
-              </a:rPr>
-              <a:t>Range measurements</a:t>
-            </a:r>
-            <a:endParaRPr lang="ko-KR" altLang="en-US" dirty="0">
-              <a:latin typeface="배달의민족 주아" panose="02020603020101020101" pitchFamily="18" charset="-127"/>
-              <a:ea typeface="배달의민족 주아" panose="02020603020101020101" pitchFamily="18" charset="-127"/>
-            </a:endParaRPr>
-          </a:p>
-        </p:txBody>
-      </p:sp>
-      <p:pic>
-        <p:nvPicPr>
-          <p:cNvPr id="21" name="그림 20"/>
-          <p:cNvPicPr>
-            <a:picLocks noChangeAspect="1"/>
-          </p:cNvPicPr>
-          <p:nvPr/>
-        </p:nvPicPr>
-        <p:blipFill>
-          <a:blip r:embed="rId3"/>
-          <a:stretch>
-            <a:fillRect/>
-          </a:stretch>
-        </p:blipFill>
-        <p:spPr>
-          <a:xfrm>
-            <a:off x="390400" y="1985232"/>
-            <a:ext cx="1729060" cy="620290"/>
-          </a:xfrm>
-          <a:prstGeom prst="rect">
-            <a:avLst/>
-          </a:prstGeom>
-        </p:spPr>
-      </p:pic>
-      <p:sp>
-        <p:nvSpPr>
-          <p:cNvPr id="10" name="순서도: 판단 9"/>
-          <p:cNvSpPr/>
-          <p:nvPr/>
-        </p:nvSpPr>
-        <p:spPr>
-          <a:xfrm>
-            <a:off x="4095263" y="1915659"/>
-            <a:ext cx="1431983" cy="779929"/>
-          </a:xfrm>
-          <a:prstGeom prst="flowChartDecision">
-            <a:avLst/>
-          </a:prstGeom>
-          <a:solidFill>
-            <a:srgbClr val="F0F1D5"/>
-          </a:solidFill>
-          <a:ln w="19050">
-            <a:solidFill>
-              <a:schemeClr val="tx1"/>
-            </a:solidFill>
-          </a:ln>
-          <a:effectLst>
-            <a:outerShdw blurRad="50800" dist="38100" dir="2700000" algn="tl" rotWithShape="0">
-              <a:prstClr val="black">
-                <a:alpha val="40000"/>
-              </a:prstClr>
-            </a:outerShdw>
-          </a:effectLst>
-        </p:spPr>
-        <p:style>
-          <a:lnRef idx="2">
-            <a:schemeClr val="accent1">
-              <a:shade val="50000"/>
-            </a:schemeClr>
-          </a:lnRef>
-          <a:fillRef idx="1">
-            <a:schemeClr val="accent1"/>
-          </a:fillRef>
-          <a:effectRef idx="0">
-            <a:schemeClr val="accent1"/>
-          </a:effectRef>
-          <a:fontRef idx="minor">
-            <a:schemeClr val="lt1"/>
-          </a:fontRef>
-        </p:style>
-        <p:txBody>
-          <a:bodyPr rtlCol="0" anchor="ctr"/>
-          <a:lstStyle/>
-          <a:p>
-            <a:pPr algn="ctr"/>
-            <a:r>
-              <a:rPr lang="en-US" altLang="ko-KR" sz="1600" dirty="0" smtClean="0">
-                <a:solidFill>
-                  <a:schemeClr val="tx1"/>
-                </a:solidFill>
-                <a:latin typeface="배달의민족 주아" panose="02020603020101020101" pitchFamily="18" charset="-127"/>
-                <a:ea typeface="배달의민족 주아" panose="02020603020101020101" pitchFamily="18" charset="-127"/>
-              </a:rPr>
-              <a:t>Initial</a:t>
-            </a:r>
-          </a:p>
-          <a:p>
-            <a:pPr algn="ctr"/>
-            <a:r>
-              <a:rPr lang="en-US" altLang="ko-KR" sz="1600" dirty="0" smtClean="0">
-                <a:solidFill>
-                  <a:schemeClr val="tx1"/>
-                </a:solidFill>
-                <a:latin typeface="배달의민족 주아" panose="02020603020101020101" pitchFamily="18" charset="-127"/>
-                <a:ea typeface="배달의민족 주아" panose="02020603020101020101" pitchFamily="18" charset="-127"/>
-              </a:rPr>
-              <a:t>State?</a:t>
-            </a:r>
-            <a:endParaRPr lang="ko-KR" altLang="en-US" sz="1600" dirty="0">
-              <a:solidFill>
-                <a:schemeClr val="tx1"/>
-              </a:solidFill>
-              <a:latin typeface="배달의민족 주아" panose="02020603020101020101" pitchFamily="18" charset="-127"/>
-              <a:ea typeface="배달의민족 주아" panose="02020603020101020101" pitchFamily="18" charset="-127"/>
-            </a:endParaRPr>
-          </a:p>
-        </p:txBody>
-      </p:sp>
-      <p:sp>
-        <p:nvSpPr>
-          <p:cNvPr id="11" name="순서도: 처리 10"/>
-          <p:cNvSpPr/>
-          <p:nvPr/>
-        </p:nvSpPr>
-        <p:spPr>
-          <a:xfrm>
-            <a:off x="2587654" y="1915961"/>
-            <a:ext cx="1174248" cy="764976"/>
-          </a:xfrm>
-          <a:prstGeom prst="flowChartProcess">
-            <a:avLst/>
-          </a:prstGeom>
-          <a:solidFill>
-            <a:srgbClr val="F0F1D5"/>
-          </a:solidFill>
-          <a:ln w="19050">
-            <a:solidFill>
-              <a:schemeClr val="tx1"/>
-            </a:solidFill>
-          </a:ln>
-          <a:effectLst>
-            <a:outerShdw blurRad="50800" dist="38100" dir="2700000" algn="tl" rotWithShape="0">
-              <a:prstClr val="black">
-                <a:alpha val="40000"/>
-              </a:prstClr>
-            </a:outerShdw>
-          </a:effectLst>
-        </p:spPr>
-        <p:style>
-          <a:lnRef idx="2">
-            <a:schemeClr val="accent1">
-              <a:shade val="50000"/>
-            </a:schemeClr>
-          </a:lnRef>
-          <a:fillRef idx="1">
-            <a:schemeClr val="accent1"/>
-          </a:fillRef>
-          <a:effectRef idx="0">
-            <a:schemeClr val="accent1"/>
-          </a:effectRef>
-          <a:fontRef idx="minor">
-            <a:schemeClr val="lt1"/>
-          </a:fontRef>
-        </p:style>
-        <p:txBody>
-          <a:bodyPr rtlCol="0" anchor="ctr"/>
-          <a:lstStyle/>
-          <a:p>
-            <a:pPr algn="ctr"/>
-            <a:r>
-              <a:rPr lang="en-US" altLang="ko-KR" sz="1600" dirty="0" smtClean="0">
-                <a:solidFill>
-                  <a:schemeClr val="tx1"/>
-                </a:solidFill>
-                <a:latin typeface="배달의민족 주아" panose="02020603020101020101" pitchFamily="18" charset="-127"/>
-                <a:ea typeface="배달의민족 주아" panose="02020603020101020101" pitchFamily="18" charset="-127"/>
-              </a:rPr>
-              <a:t>Sensor</a:t>
-            </a:r>
-          </a:p>
-          <a:p>
-            <a:pPr algn="ctr"/>
-            <a:r>
-              <a:rPr lang="en-US" altLang="ko-KR" sz="1600" dirty="0" smtClean="0">
-                <a:solidFill>
-                  <a:schemeClr val="tx1"/>
-                </a:solidFill>
-                <a:latin typeface="배달의민족 주아" panose="02020603020101020101" pitchFamily="18" charset="-127"/>
-                <a:ea typeface="배달의민족 주아" panose="02020603020101020101" pitchFamily="18" charset="-127"/>
-              </a:rPr>
-              <a:t>Calibration</a:t>
-            </a:r>
-            <a:endParaRPr lang="ko-KR" altLang="en-US" sz="1600" dirty="0">
-              <a:solidFill>
-                <a:schemeClr val="tx1"/>
-              </a:solidFill>
-              <a:latin typeface="배달의민족 주아" panose="02020603020101020101" pitchFamily="18" charset="-127"/>
-              <a:ea typeface="배달의민족 주아" panose="02020603020101020101" pitchFamily="18" charset="-127"/>
-            </a:endParaRPr>
-          </a:p>
-        </p:txBody>
-      </p:sp>
-      <p:sp>
-        <p:nvSpPr>
-          <p:cNvPr id="25" name="순서도: 처리 24"/>
-          <p:cNvSpPr/>
-          <p:nvPr/>
-        </p:nvSpPr>
-        <p:spPr>
-          <a:xfrm>
-            <a:off x="4959172" y="761808"/>
-            <a:ext cx="1571870" cy="764976"/>
-          </a:xfrm>
-          <a:prstGeom prst="flowChartProcess">
-            <a:avLst/>
-          </a:prstGeom>
-          <a:solidFill>
-            <a:srgbClr val="F0F1D5"/>
-          </a:solidFill>
-          <a:ln w="19050">
-            <a:solidFill>
-              <a:schemeClr val="tx1"/>
-            </a:solidFill>
-          </a:ln>
-          <a:effectLst>
-            <a:outerShdw blurRad="50800" dist="38100" dir="2700000" algn="tl" rotWithShape="0">
-              <a:prstClr val="black">
-                <a:alpha val="40000"/>
-              </a:prstClr>
-            </a:outerShdw>
-          </a:effectLst>
-        </p:spPr>
-        <p:style>
-          <a:lnRef idx="2">
-            <a:schemeClr val="accent1">
-              <a:shade val="50000"/>
-            </a:schemeClr>
-          </a:lnRef>
-          <a:fillRef idx="1">
-            <a:schemeClr val="accent1"/>
-          </a:fillRef>
-          <a:effectRef idx="0">
-            <a:schemeClr val="accent1"/>
-          </a:effectRef>
-          <a:fontRef idx="minor">
-            <a:schemeClr val="lt1"/>
-          </a:fontRef>
-        </p:style>
-        <p:txBody>
-          <a:bodyPr rtlCol="0" anchor="ctr"/>
-          <a:lstStyle/>
-          <a:p>
-            <a:pPr algn="ctr"/>
-            <a:r>
-              <a:rPr lang="en-US" altLang="ko-KR" sz="1600" dirty="0" smtClean="0">
-                <a:solidFill>
-                  <a:schemeClr val="tx1"/>
-                </a:solidFill>
-                <a:latin typeface="배달의민족 주아" panose="02020603020101020101" pitchFamily="18" charset="-127"/>
-                <a:ea typeface="배달의민족 주아" panose="02020603020101020101" pitchFamily="18" charset="-127"/>
-              </a:rPr>
-              <a:t>State vector/</a:t>
-            </a:r>
-          </a:p>
-          <a:p>
-            <a:pPr algn="ctr"/>
-            <a:r>
-              <a:rPr lang="en-US" altLang="ko-KR" sz="1600" dirty="0" smtClean="0">
-                <a:solidFill>
-                  <a:schemeClr val="tx1"/>
-                </a:solidFill>
-                <a:latin typeface="배달의민족 주아" panose="02020603020101020101" pitchFamily="18" charset="-127"/>
-                <a:ea typeface="배달의민족 주아" panose="02020603020101020101" pitchFamily="18" charset="-127"/>
-              </a:rPr>
-              <a:t>Covariance</a:t>
-            </a:r>
-          </a:p>
-          <a:p>
-            <a:pPr algn="ctr"/>
-            <a:r>
-              <a:rPr lang="en-US" altLang="ko-KR" sz="1600" dirty="0" smtClean="0">
-                <a:solidFill>
-                  <a:schemeClr val="tx1"/>
-                </a:solidFill>
-                <a:latin typeface="배달의민족 주아" panose="02020603020101020101" pitchFamily="18" charset="-127"/>
-                <a:ea typeface="배달의민족 주아" panose="02020603020101020101" pitchFamily="18" charset="-127"/>
-              </a:rPr>
-              <a:t>Initialization</a:t>
-            </a:r>
-            <a:endParaRPr lang="ko-KR" altLang="en-US" sz="1600" dirty="0">
-              <a:solidFill>
-                <a:schemeClr val="tx1"/>
-              </a:solidFill>
-              <a:latin typeface="배달의민족 주아" panose="02020603020101020101" pitchFamily="18" charset="-127"/>
-              <a:ea typeface="배달의민족 주아" panose="02020603020101020101" pitchFamily="18" charset="-127"/>
-            </a:endParaRPr>
-          </a:p>
-        </p:txBody>
-      </p:sp>
-      <p:sp>
-        <p:nvSpPr>
-          <p:cNvPr id="26" name="순서도: 처리 25"/>
-          <p:cNvSpPr/>
-          <p:nvPr/>
-        </p:nvSpPr>
-        <p:spPr>
-          <a:xfrm>
-            <a:off x="5879073" y="1930612"/>
-            <a:ext cx="1086021" cy="764976"/>
-          </a:xfrm>
-          <a:prstGeom prst="flowChartProcess">
-            <a:avLst/>
-          </a:prstGeom>
-          <a:solidFill>
-            <a:srgbClr val="F0F1D5"/>
-          </a:solidFill>
-          <a:ln w="19050">
-            <a:solidFill>
-              <a:schemeClr val="tx1"/>
-            </a:solidFill>
-          </a:ln>
-          <a:effectLst>
-            <a:outerShdw blurRad="50800" dist="38100" dir="2700000" algn="tl" rotWithShape="0">
-              <a:prstClr val="black">
-                <a:alpha val="40000"/>
-              </a:prstClr>
-            </a:outerShdw>
-          </a:effectLst>
-        </p:spPr>
-        <p:style>
-          <a:lnRef idx="2">
-            <a:schemeClr val="accent1">
-              <a:shade val="50000"/>
-            </a:schemeClr>
-          </a:lnRef>
-          <a:fillRef idx="1">
-            <a:schemeClr val="accent1"/>
-          </a:fillRef>
-          <a:effectRef idx="0">
-            <a:schemeClr val="accent1"/>
-          </a:effectRef>
-          <a:fontRef idx="minor">
-            <a:schemeClr val="lt1"/>
-          </a:fontRef>
-        </p:style>
-        <p:txBody>
-          <a:bodyPr rtlCol="0" anchor="ctr"/>
-          <a:lstStyle/>
-          <a:p>
-            <a:pPr algn="ctr"/>
-            <a:r>
-              <a:rPr lang="en-US" altLang="ko-KR" sz="1600" dirty="0" smtClean="0">
-                <a:solidFill>
-                  <a:schemeClr val="tx1"/>
-                </a:solidFill>
-                <a:latin typeface="배달의민족 주아" panose="02020603020101020101" pitchFamily="18" charset="-127"/>
-                <a:ea typeface="배달의민족 주아" panose="02020603020101020101" pitchFamily="18" charset="-127"/>
-              </a:rPr>
-              <a:t>Outlier</a:t>
-            </a:r>
-          </a:p>
-          <a:p>
-            <a:pPr algn="ctr"/>
-            <a:r>
-              <a:rPr lang="en-US" altLang="ko-KR" sz="1600" dirty="0" smtClean="0">
-                <a:solidFill>
-                  <a:schemeClr val="tx1"/>
-                </a:solidFill>
-                <a:latin typeface="배달의민족 주아" panose="02020603020101020101" pitchFamily="18" charset="-127"/>
-                <a:ea typeface="배달의민족 주아" panose="02020603020101020101" pitchFamily="18" charset="-127"/>
-              </a:rPr>
-              <a:t>Rejection</a:t>
-            </a:r>
-            <a:endParaRPr lang="ko-KR" altLang="en-US" sz="1600" dirty="0">
-              <a:solidFill>
-                <a:schemeClr val="tx1"/>
-              </a:solidFill>
-              <a:latin typeface="배달의민족 주아" panose="02020603020101020101" pitchFamily="18" charset="-127"/>
-              <a:ea typeface="배달의민족 주아" panose="02020603020101020101" pitchFamily="18" charset="-127"/>
-            </a:endParaRPr>
-          </a:p>
-        </p:txBody>
-      </p:sp>
-      <p:sp>
-        <p:nvSpPr>
-          <p:cNvPr id="27" name="순서도: 처리 26"/>
-          <p:cNvSpPr/>
-          <p:nvPr/>
-        </p:nvSpPr>
-        <p:spPr>
-          <a:xfrm>
-            <a:off x="7412236" y="1929106"/>
-            <a:ext cx="1086021" cy="764976"/>
-          </a:xfrm>
-          <a:prstGeom prst="flowChartProcess">
-            <a:avLst/>
-          </a:prstGeom>
-          <a:solidFill>
-            <a:srgbClr val="F0F1D5"/>
-          </a:solidFill>
-          <a:ln w="19050">
-            <a:solidFill>
-              <a:schemeClr val="tx1"/>
-            </a:solidFill>
-          </a:ln>
-          <a:effectLst>
-            <a:outerShdw blurRad="50800" dist="38100" dir="2700000" algn="tl" rotWithShape="0">
-              <a:prstClr val="black">
-                <a:alpha val="40000"/>
-              </a:prstClr>
-            </a:outerShdw>
-          </a:effectLst>
-        </p:spPr>
-        <p:style>
-          <a:lnRef idx="2">
-            <a:schemeClr val="accent1">
-              <a:shade val="50000"/>
-            </a:schemeClr>
-          </a:lnRef>
-          <a:fillRef idx="1">
-            <a:schemeClr val="accent1"/>
-          </a:fillRef>
-          <a:effectRef idx="0">
-            <a:schemeClr val="accent1"/>
-          </a:effectRef>
-          <a:fontRef idx="minor">
-            <a:schemeClr val="lt1"/>
-          </a:fontRef>
-        </p:style>
-        <p:txBody>
-          <a:bodyPr rtlCol="0" anchor="ctr"/>
-          <a:lstStyle/>
-          <a:p>
-            <a:pPr algn="ctr"/>
-            <a:r>
-              <a:rPr lang="en-US" altLang="ko-KR" sz="1600" dirty="0" smtClean="0">
-                <a:solidFill>
-                  <a:schemeClr val="tx1"/>
-                </a:solidFill>
-                <a:latin typeface="배달의민족 주아" panose="02020603020101020101" pitchFamily="18" charset="-127"/>
-                <a:ea typeface="배달의민족 주아" panose="02020603020101020101" pitchFamily="18" charset="-127"/>
-              </a:rPr>
-              <a:t>State</a:t>
-            </a:r>
-          </a:p>
-          <a:p>
-            <a:pPr algn="ctr"/>
-            <a:r>
-              <a:rPr lang="en-US" altLang="ko-KR" sz="1600" dirty="0" smtClean="0">
-                <a:solidFill>
-                  <a:schemeClr val="tx1"/>
-                </a:solidFill>
-                <a:latin typeface="배달의민족 주아" panose="02020603020101020101" pitchFamily="18" charset="-127"/>
-                <a:ea typeface="배달의민족 주아" panose="02020603020101020101" pitchFamily="18" charset="-127"/>
-              </a:rPr>
-              <a:t>Prediction</a:t>
-            </a:r>
-            <a:endParaRPr lang="ko-KR" altLang="en-US" sz="1600" dirty="0">
-              <a:solidFill>
-                <a:schemeClr val="tx1"/>
-              </a:solidFill>
-              <a:latin typeface="배달의민족 주아" panose="02020603020101020101" pitchFamily="18" charset="-127"/>
-              <a:ea typeface="배달의민족 주아" panose="02020603020101020101" pitchFamily="18" charset="-127"/>
-            </a:endParaRPr>
-          </a:p>
-        </p:txBody>
-      </p:sp>
-      <p:sp>
-        <p:nvSpPr>
-          <p:cNvPr id="28" name="순서도: 처리 27"/>
-          <p:cNvSpPr/>
-          <p:nvPr/>
-        </p:nvSpPr>
-        <p:spPr>
-          <a:xfrm>
-            <a:off x="8940897" y="1929106"/>
-            <a:ext cx="1174969" cy="764976"/>
-          </a:xfrm>
-          <a:prstGeom prst="flowChartProcess">
-            <a:avLst/>
-          </a:prstGeom>
-          <a:solidFill>
-            <a:srgbClr val="F0F1D5"/>
-          </a:solidFill>
-          <a:ln w="19050">
-            <a:solidFill>
-              <a:schemeClr val="tx1"/>
-            </a:solidFill>
-          </a:ln>
-          <a:effectLst>
-            <a:outerShdw blurRad="50800" dist="38100" dir="2700000" algn="tl" rotWithShape="0">
-              <a:prstClr val="black">
-                <a:alpha val="40000"/>
-              </a:prstClr>
-            </a:outerShdw>
-          </a:effectLst>
-        </p:spPr>
-        <p:style>
-          <a:lnRef idx="2">
-            <a:schemeClr val="accent1">
-              <a:shade val="50000"/>
-            </a:schemeClr>
-          </a:lnRef>
-          <a:fillRef idx="1">
-            <a:schemeClr val="accent1"/>
-          </a:fillRef>
-          <a:effectRef idx="0">
-            <a:schemeClr val="accent1"/>
-          </a:effectRef>
-          <a:fontRef idx="minor">
-            <a:schemeClr val="lt1"/>
-          </a:fontRef>
-        </p:style>
-        <p:txBody>
-          <a:bodyPr rtlCol="0" anchor="ctr"/>
-          <a:lstStyle/>
-          <a:p>
-            <a:pPr algn="ctr"/>
-            <a:r>
-              <a:rPr lang="en-US" altLang="ko-KR" sz="1600" dirty="0" smtClean="0">
-                <a:solidFill>
-                  <a:schemeClr val="tx1"/>
-                </a:solidFill>
-                <a:latin typeface="배달의민족 주아" panose="02020603020101020101" pitchFamily="18" charset="-127"/>
-                <a:ea typeface="배달의민족 주아" panose="02020603020101020101" pitchFamily="18" charset="-127"/>
-              </a:rPr>
-              <a:t>State</a:t>
-            </a:r>
-          </a:p>
-          <a:p>
-            <a:pPr algn="ctr"/>
-            <a:r>
-              <a:rPr lang="en-US" altLang="ko-KR" sz="1600" dirty="0" smtClean="0">
-                <a:solidFill>
-                  <a:schemeClr val="tx1"/>
-                </a:solidFill>
-                <a:latin typeface="배달의민족 주아" panose="02020603020101020101" pitchFamily="18" charset="-127"/>
-                <a:ea typeface="배달의민족 주아" panose="02020603020101020101" pitchFamily="18" charset="-127"/>
-              </a:rPr>
-              <a:t>Correction</a:t>
-            </a:r>
-            <a:endParaRPr lang="ko-KR" altLang="en-US" sz="1600" dirty="0">
-              <a:solidFill>
-                <a:schemeClr val="tx1"/>
-              </a:solidFill>
-              <a:latin typeface="배달의민족 주아" panose="02020603020101020101" pitchFamily="18" charset="-127"/>
-              <a:ea typeface="배달의민족 주아" panose="02020603020101020101" pitchFamily="18" charset="-127"/>
-            </a:endParaRPr>
-          </a:p>
-        </p:txBody>
-      </p:sp>
-      <p:sp>
-        <p:nvSpPr>
-          <p:cNvPr id="12" name="순서도: 대체 처리 11"/>
-          <p:cNvSpPr/>
-          <p:nvPr/>
-        </p:nvSpPr>
-        <p:spPr>
-          <a:xfrm>
-            <a:off x="10550210" y="1985232"/>
-            <a:ext cx="1538890" cy="667675"/>
-          </a:xfrm>
-          <a:prstGeom prst="flowChartAlternateProcess">
-            <a:avLst/>
-          </a:prstGeom>
-          <a:solidFill>
-            <a:srgbClr val="3AB4C4"/>
-          </a:solidFill>
-          <a:ln w="19050">
-            <a:solidFill>
-              <a:schemeClr val="tx1"/>
-            </a:solidFill>
-          </a:ln>
-          <a:effectLst>
-            <a:outerShdw blurRad="50800" dist="38100" dir="2700000" algn="tl" rotWithShape="0">
-              <a:prstClr val="black">
-                <a:alpha val="40000"/>
-              </a:prstClr>
-            </a:outerShdw>
-          </a:effectLst>
-        </p:spPr>
-        <p:style>
-          <a:lnRef idx="2">
-            <a:schemeClr val="accent1">
-              <a:shade val="50000"/>
-            </a:schemeClr>
-          </a:lnRef>
-          <a:fillRef idx="1">
-            <a:schemeClr val="accent1"/>
-          </a:fillRef>
-          <a:effectRef idx="0">
-            <a:schemeClr val="accent1"/>
-          </a:effectRef>
-          <a:fontRef idx="minor">
-            <a:schemeClr val="lt1"/>
-          </a:fontRef>
-        </p:style>
-        <p:txBody>
-          <a:bodyPr rtlCol="0" anchor="ctr"/>
-          <a:lstStyle/>
-          <a:p>
-            <a:pPr algn="ctr"/>
-            <a:r>
-              <a:rPr lang="en-US" altLang="ko-KR" sz="1600" dirty="0" smtClean="0">
-                <a:solidFill>
-                  <a:schemeClr val="tx1"/>
-                </a:solidFill>
-                <a:latin typeface="배달의민족 주아" panose="02020603020101020101" pitchFamily="18" charset="-127"/>
-                <a:ea typeface="배달의민족 주아" panose="02020603020101020101" pitchFamily="18" charset="-127"/>
-              </a:rPr>
-              <a:t>Estimate position</a:t>
-            </a:r>
-            <a:endParaRPr lang="ko-KR" altLang="en-US" sz="1600" dirty="0">
-              <a:solidFill>
-                <a:schemeClr val="tx1"/>
-              </a:solidFill>
-              <a:latin typeface="배달의민족 주아" panose="02020603020101020101" pitchFamily="18" charset="-127"/>
-              <a:ea typeface="배달의민족 주아" panose="02020603020101020101" pitchFamily="18" charset="-127"/>
-            </a:endParaRPr>
-          </a:p>
-        </p:txBody>
-      </p:sp>
-      <p:cxnSp>
-        <p:nvCxnSpPr>
-          <p:cNvPr id="15" name="직선 화살표 연결선 14"/>
-          <p:cNvCxnSpPr>
-            <a:stCxn id="21" idx="3"/>
-            <a:endCxn id="11" idx="1"/>
-          </p:cNvCxnSpPr>
-          <p:nvPr/>
-        </p:nvCxnSpPr>
-        <p:spPr>
-          <a:xfrm>
-            <a:off x="2119460" y="2295377"/>
-            <a:ext cx="468194" cy="3072"/>
-          </a:xfrm>
-          <a:prstGeom prst="straightConnector1">
-            <a:avLst/>
-          </a:prstGeom>
-          <a:ln w="22225">
-            <a:solidFill>
-              <a:schemeClr val="tx1"/>
-            </a:solidFill>
-            <a:tailEnd type="triangle"/>
-          </a:ln>
-        </p:spPr>
-        <p:style>
-          <a:lnRef idx="1">
-            <a:schemeClr val="accent1"/>
-          </a:lnRef>
-          <a:fillRef idx="0">
-            <a:schemeClr val="accent1"/>
-          </a:fillRef>
-          <a:effectRef idx="0">
-            <a:schemeClr val="accent1"/>
-          </a:effectRef>
-          <a:fontRef idx="minor">
-            <a:schemeClr val="tx1"/>
-          </a:fontRef>
-        </p:style>
-      </p:cxnSp>
-      <p:cxnSp>
-        <p:nvCxnSpPr>
-          <p:cNvPr id="31" name="직선 화살표 연결선 30"/>
-          <p:cNvCxnSpPr>
-            <a:stCxn id="11" idx="3"/>
-            <a:endCxn id="10" idx="1"/>
-          </p:cNvCxnSpPr>
-          <p:nvPr/>
-        </p:nvCxnSpPr>
-        <p:spPr>
-          <a:xfrm>
-            <a:off x="3761902" y="2298449"/>
-            <a:ext cx="333361" cy="7175"/>
-          </a:xfrm>
-          <a:prstGeom prst="straightConnector1">
-            <a:avLst/>
-          </a:prstGeom>
-          <a:ln w="22225">
-            <a:solidFill>
-              <a:schemeClr val="tx1"/>
-            </a:solidFill>
-            <a:tailEnd type="triangle"/>
-          </a:ln>
-        </p:spPr>
-        <p:style>
-          <a:lnRef idx="1">
-            <a:schemeClr val="accent1"/>
-          </a:lnRef>
-          <a:fillRef idx="0">
-            <a:schemeClr val="accent1"/>
-          </a:fillRef>
-          <a:effectRef idx="0">
-            <a:schemeClr val="accent1"/>
-          </a:effectRef>
-          <a:fontRef idx="minor">
-            <a:schemeClr val="tx1"/>
-          </a:fontRef>
-        </p:style>
-      </p:cxnSp>
-      <p:cxnSp>
-        <p:nvCxnSpPr>
-          <p:cNvPr id="33" name="꺾인 연결선 32"/>
-          <p:cNvCxnSpPr>
-            <a:stCxn id="10" idx="0"/>
-            <a:endCxn id="25" idx="1"/>
-          </p:cNvCxnSpPr>
-          <p:nvPr/>
-        </p:nvCxnSpPr>
-        <p:spPr>
-          <a:xfrm rot="5400000" flipH="1" flipV="1">
-            <a:off x="4499532" y="1456020"/>
-            <a:ext cx="771363" cy="147917"/>
-          </a:xfrm>
-          <a:prstGeom prst="bentConnector2">
-            <a:avLst/>
-          </a:prstGeom>
-          <a:ln w="22225">
-            <a:solidFill>
-              <a:schemeClr val="tx1"/>
-            </a:solidFill>
-            <a:tailEnd type="triangle"/>
-          </a:ln>
-        </p:spPr>
-        <p:style>
-          <a:lnRef idx="1">
-            <a:schemeClr val="accent1"/>
-          </a:lnRef>
-          <a:fillRef idx="0">
-            <a:schemeClr val="accent1"/>
-          </a:fillRef>
-          <a:effectRef idx="0">
-            <a:schemeClr val="accent1"/>
-          </a:effectRef>
-          <a:fontRef idx="minor">
-            <a:schemeClr val="tx1"/>
-          </a:fontRef>
-        </p:style>
-      </p:cxnSp>
-      <p:cxnSp>
-        <p:nvCxnSpPr>
-          <p:cNvPr id="36" name="꺾인 연결선 35"/>
-          <p:cNvCxnSpPr>
-            <a:stCxn id="25" idx="3"/>
-            <a:endCxn id="26" idx="0"/>
-          </p:cNvCxnSpPr>
-          <p:nvPr/>
-        </p:nvCxnSpPr>
-        <p:spPr>
-          <a:xfrm flipH="1">
-            <a:off x="6422084" y="1144296"/>
-            <a:ext cx="108958" cy="786316"/>
-          </a:xfrm>
-          <a:prstGeom prst="bentConnector4">
-            <a:avLst>
-              <a:gd name="adj1" fmla="val -209806"/>
-              <a:gd name="adj2" fmla="val 74322"/>
-            </a:avLst>
-          </a:prstGeom>
-          <a:ln w="22225">
-            <a:solidFill>
-              <a:schemeClr val="tx1"/>
-            </a:solidFill>
-            <a:tailEnd type="triangle"/>
-          </a:ln>
-        </p:spPr>
-        <p:style>
-          <a:lnRef idx="1">
-            <a:schemeClr val="accent1"/>
-          </a:lnRef>
-          <a:fillRef idx="0">
-            <a:schemeClr val="accent1"/>
-          </a:fillRef>
-          <a:effectRef idx="0">
-            <a:schemeClr val="accent1"/>
-          </a:effectRef>
-          <a:fontRef idx="minor">
-            <a:schemeClr val="tx1"/>
-          </a:fontRef>
-        </p:style>
-      </p:cxnSp>
-      <p:cxnSp>
-        <p:nvCxnSpPr>
-          <p:cNvPr id="38" name="직선 화살표 연결선 37"/>
-          <p:cNvCxnSpPr>
-            <a:stCxn id="10" idx="3"/>
-            <a:endCxn id="26" idx="1"/>
-          </p:cNvCxnSpPr>
-          <p:nvPr/>
-        </p:nvCxnSpPr>
-        <p:spPr>
-          <a:xfrm>
-            <a:off x="5527246" y="2305624"/>
-            <a:ext cx="351827" cy="7476"/>
-          </a:xfrm>
-          <a:prstGeom prst="straightConnector1">
-            <a:avLst/>
-          </a:prstGeom>
-          <a:ln w="22225">
-            <a:solidFill>
-              <a:schemeClr val="tx1"/>
-            </a:solidFill>
-            <a:tailEnd type="triangle"/>
-          </a:ln>
-        </p:spPr>
-        <p:style>
-          <a:lnRef idx="1">
-            <a:schemeClr val="accent1"/>
-          </a:lnRef>
-          <a:fillRef idx="0">
-            <a:schemeClr val="accent1"/>
-          </a:fillRef>
-          <a:effectRef idx="0">
-            <a:schemeClr val="accent1"/>
-          </a:effectRef>
-          <a:fontRef idx="minor">
-            <a:schemeClr val="tx1"/>
-          </a:fontRef>
-        </p:style>
-      </p:cxnSp>
-      <p:cxnSp>
-        <p:nvCxnSpPr>
-          <p:cNvPr id="40" name="직선 화살표 연결선 39"/>
-          <p:cNvCxnSpPr>
-            <a:stCxn id="26" idx="3"/>
-            <a:endCxn id="27" idx="1"/>
-          </p:cNvCxnSpPr>
-          <p:nvPr/>
-        </p:nvCxnSpPr>
-        <p:spPr>
-          <a:xfrm flipV="1">
-            <a:off x="6965094" y="2311594"/>
-            <a:ext cx="447142" cy="1506"/>
-          </a:xfrm>
-          <a:prstGeom prst="straightConnector1">
-            <a:avLst/>
-          </a:prstGeom>
-          <a:ln w="22225">
-            <a:solidFill>
-              <a:schemeClr val="tx1"/>
-            </a:solidFill>
-            <a:tailEnd type="triangle"/>
-          </a:ln>
-        </p:spPr>
-        <p:style>
-          <a:lnRef idx="1">
-            <a:schemeClr val="accent1"/>
-          </a:lnRef>
-          <a:fillRef idx="0">
-            <a:schemeClr val="accent1"/>
-          </a:fillRef>
-          <a:effectRef idx="0">
-            <a:schemeClr val="accent1"/>
-          </a:effectRef>
-          <a:fontRef idx="minor">
-            <a:schemeClr val="tx1"/>
-          </a:fontRef>
-        </p:style>
-      </p:cxnSp>
-      <p:cxnSp>
-        <p:nvCxnSpPr>
-          <p:cNvPr id="42" name="직선 화살표 연결선 41"/>
-          <p:cNvCxnSpPr>
-            <a:stCxn id="27" idx="3"/>
-            <a:endCxn id="28" idx="1"/>
-          </p:cNvCxnSpPr>
-          <p:nvPr/>
-        </p:nvCxnSpPr>
-        <p:spPr>
-          <a:xfrm>
-            <a:off x="8498257" y="2311594"/>
-            <a:ext cx="442640" cy="0"/>
-          </a:xfrm>
-          <a:prstGeom prst="straightConnector1">
-            <a:avLst/>
-          </a:prstGeom>
-          <a:ln w="22225">
-            <a:solidFill>
-              <a:schemeClr val="tx1"/>
-            </a:solidFill>
-            <a:tailEnd type="triangle"/>
-          </a:ln>
-        </p:spPr>
-        <p:style>
-          <a:lnRef idx="1">
-            <a:schemeClr val="accent1"/>
-          </a:lnRef>
-          <a:fillRef idx="0">
-            <a:schemeClr val="accent1"/>
-          </a:fillRef>
-          <a:effectRef idx="0">
-            <a:schemeClr val="accent1"/>
-          </a:effectRef>
-          <a:fontRef idx="minor">
-            <a:schemeClr val="tx1"/>
-          </a:fontRef>
-        </p:style>
-      </p:cxnSp>
-      <p:cxnSp>
-        <p:nvCxnSpPr>
-          <p:cNvPr id="44" name="직선 화살표 연결선 43"/>
-          <p:cNvCxnSpPr>
-            <a:stCxn id="28" idx="3"/>
-            <a:endCxn id="12" idx="1"/>
-          </p:cNvCxnSpPr>
-          <p:nvPr/>
-        </p:nvCxnSpPr>
-        <p:spPr>
-          <a:xfrm>
-            <a:off x="10115866" y="2311594"/>
-            <a:ext cx="434344" cy="7476"/>
-          </a:xfrm>
-          <a:prstGeom prst="straightConnector1">
-            <a:avLst/>
-          </a:prstGeom>
-          <a:ln w="22225">
-            <a:solidFill>
-              <a:schemeClr val="tx1"/>
-            </a:solidFill>
-            <a:tailEnd type="triangle"/>
-          </a:ln>
-        </p:spPr>
-        <p:style>
-          <a:lnRef idx="1">
-            <a:schemeClr val="accent1"/>
-          </a:lnRef>
-          <a:fillRef idx="0">
-            <a:schemeClr val="accent1"/>
-          </a:fillRef>
-          <a:effectRef idx="0">
-            <a:schemeClr val="accent1"/>
-          </a:effectRef>
-          <a:fontRef idx="minor">
-            <a:schemeClr val="tx1"/>
-          </a:fontRef>
-        </p:style>
-      </p:cxnSp>
-      <p:sp>
-        <p:nvSpPr>
-          <p:cNvPr id="49" name="TextBox 48"/>
-          <p:cNvSpPr txBox="1"/>
-          <p:nvPr/>
-        </p:nvSpPr>
-        <p:spPr>
-          <a:xfrm>
-            <a:off x="4474598" y="1506649"/>
-            <a:ext cx="309764" cy="369332"/>
-          </a:xfrm>
-          <a:prstGeom prst="rect">
-            <a:avLst/>
-          </a:prstGeom>
-          <a:noFill/>
-        </p:spPr>
-        <p:txBody>
-          <a:bodyPr wrap="square" rtlCol="0">
-            <a:spAutoFit/>
-          </a:bodyPr>
-          <a:lstStyle/>
-          <a:p>
-            <a:pPr algn="ctr"/>
-            <a:r>
-              <a:rPr lang="en-US" altLang="ko-KR" dirty="0" smtClean="0">
-                <a:latin typeface="배달의민족 주아" panose="02020603020101020101" pitchFamily="18" charset="-127"/>
-                <a:ea typeface="배달의민족 주아" panose="02020603020101020101" pitchFamily="18" charset="-127"/>
-              </a:rPr>
-              <a:t>Y</a:t>
-            </a:r>
-            <a:endParaRPr lang="ko-KR" altLang="en-US" dirty="0">
-              <a:latin typeface="배달의민족 주아" panose="02020603020101020101" pitchFamily="18" charset="-127"/>
-              <a:ea typeface="배달의민족 주아" panose="02020603020101020101" pitchFamily="18" charset="-127"/>
-            </a:endParaRPr>
-          </a:p>
-        </p:txBody>
-      </p:sp>
-      <p:sp>
-        <p:nvSpPr>
-          <p:cNvPr id="50" name="TextBox 49"/>
-          <p:cNvSpPr txBox="1"/>
-          <p:nvPr/>
-        </p:nvSpPr>
-        <p:spPr>
-          <a:xfrm>
-            <a:off x="5500620" y="1949737"/>
-            <a:ext cx="309764" cy="369332"/>
-          </a:xfrm>
-          <a:prstGeom prst="rect">
-            <a:avLst/>
-          </a:prstGeom>
-          <a:noFill/>
-        </p:spPr>
-        <p:txBody>
-          <a:bodyPr wrap="square" rtlCol="0">
-            <a:spAutoFit/>
-          </a:bodyPr>
-          <a:lstStyle/>
-          <a:p>
-            <a:pPr algn="ctr"/>
-            <a:r>
-              <a:rPr lang="en-US" altLang="ko-KR" dirty="0" smtClean="0">
-                <a:latin typeface="배달의민족 주아" panose="02020603020101020101" pitchFamily="18" charset="-127"/>
-                <a:ea typeface="배달의민족 주아" panose="02020603020101020101" pitchFamily="18" charset="-127"/>
-              </a:rPr>
-              <a:t>N</a:t>
-            </a:r>
-            <a:endParaRPr lang="ko-KR" altLang="en-US" dirty="0">
-              <a:latin typeface="배달의민족 주아" panose="02020603020101020101" pitchFamily="18" charset="-127"/>
-              <a:ea typeface="배달의민족 주아" panose="02020603020101020101" pitchFamily="18" charset="-127"/>
-            </a:endParaRPr>
-          </a:p>
-        </p:txBody>
-      </p:sp>
-      <p:sp>
-        <p:nvSpPr>
-          <p:cNvPr id="51" name="순서도: 처리 50"/>
-          <p:cNvSpPr/>
-          <p:nvPr/>
-        </p:nvSpPr>
-        <p:spPr>
-          <a:xfrm>
-            <a:off x="2359932" y="501888"/>
-            <a:ext cx="1527182" cy="2757574"/>
-          </a:xfrm>
-          <a:prstGeom prst="flowChartProcess">
-            <a:avLst/>
-          </a:prstGeom>
-          <a:noFill/>
-          <a:ln>
-            <a:solidFill>
-              <a:schemeClr val="tx1"/>
-            </a:solidFill>
-            <a:prstDash val="dash"/>
-          </a:ln>
-        </p:spPr>
-        <p:style>
-          <a:lnRef idx="2">
-            <a:schemeClr val="accent1">
-              <a:shade val="50000"/>
-            </a:schemeClr>
-          </a:lnRef>
-          <a:fillRef idx="1">
-            <a:schemeClr val="accent1"/>
-          </a:fillRef>
-          <a:effectRef idx="0">
-            <a:schemeClr val="accent1"/>
-          </a:effectRef>
-          <a:fontRef idx="minor">
-            <a:schemeClr val="lt1"/>
-          </a:fontRef>
-        </p:style>
-        <p:txBody>
-          <a:bodyPr rtlCol="0" anchor="ctr"/>
-          <a:lstStyle/>
-          <a:p>
-            <a:pPr algn="ctr"/>
-            <a:endParaRPr lang="ko-KR" altLang="en-US"/>
-          </a:p>
-        </p:txBody>
-      </p:sp>
-      <p:sp>
-        <p:nvSpPr>
-          <p:cNvPr id="52" name="순서도: 처리 51"/>
-          <p:cNvSpPr/>
-          <p:nvPr/>
-        </p:nvSpPr>
-        <p:spPr>
-          <a:xfrm>
-            <a:off x="3965988" y="501888"/>
-            <a:ext cx="6384972" cy="2757573"/>
-          </a:xfrm>
-          <a:prstGeom prst="flowChartProcess">
-            <a:avLst/>
-          </a:prstGeom>
-          <a:noFill/>
-          <a:ln>
-            <a:solidFill>
-              <a:schemeClr val="tx1"/>
-            </a:solidFill>
-            <a:prstDash val="dash"/>
-          </a:ln>
-        </p:spPr>
-        <p:style>
-          <a:lnRef idx="2">
-            <a:schemeClr val="accent1">
-              <a:shade val="50000"/>
-            </a:schemeClr>
-          </a:lnRef>
-          <a:fillRef idx="1">
-            <a:schemeClr val="accent1"/>
-          </a:fillRef>
-          <a:effectRef idx="0">
-            <a:schemeClr val="accent1"/>
-          </a:effectRef>
-          <a:fontRef idx="minor">
-            <a:schemeClr val="lt1"/>
-          </a:fontRef>
-        </p:style>
-        <p:txBody>
-          <a:bodyPr rtlCol="0" anchor="ctr"/>
-          <a:lstStyle/>
-          <a:p>
-            <a:pPr algn="ctr"/>
-            <a:endParaRPr lang="ko-KR" altLang="en-US"/>
-          </a:p>
-        </p:txBody>
-      </p:sp>
-      <p:sp>
-        <p:nvSpPr>
-          <p:cNvPr id="53" name="TextBox 52"/>
-          <p:cNvSpPr txBox="1"/>
-          <p:nvPr/>
-        </p:nvSpPr>
-        <p:spPr>
-          <a:xfrm>
-            <a:off x="2231306" y="78768"/>
-            <a:ext cx="1886944" cy="369332"/>
-          </a:xfrm>
-          <a:prstGeom prst="rect">
-            <a:avLst/>
-          </a:prstGeom>
-          <a:noFill/>
-        </p:spPr>
-        <p:txBody>
-          <a:bodyPr wrap="square" rtlCol="0">
-            <a:spAutoFit/>
-          </a:bodyPr>
-          <a:lstStyle/>
-          <a:p>
-            <a:pPr algn="ctr"/>
-            <a:r>
-              <a:rPr lang="en-US" altLang="ko-KR" dirty="0" smtClean="0">
-                <a:latin typeface="배달의민족 주아" panose="02020603020101020101" pitchFamily="18" charset="-127"/>
-                <a:ea typeface="배달의민족 주아" panose="02020603020101020101" pitchFamily="18" charset="-127"/>
-              </a:rPr>
-              <a:t>Pre-processing</a:t>
-            </a:r>
-            <a:endParaRPr lang="ko-KR" altLang="en-US" dirty="0">
-              <a:latin typeface="배달의민족 주아" panose="02020603020101020101" pitchFamily="18" charset="-127"/>
-              <a:ea typeface="배달의민족 주아" panose="02020603020101020101" pitchFamily="18" charset="-127"/>
-            </a:endParaRPr>
-          </a:p>
-        </p:txBody>
-      </p:sp>
-      <p:sp>
-        <p:nvSpPr>
-          <p:cNvPr id="54" name="TextBox 53"/>
-          <p:cNvSpPr txBox="1"/>
-          <p:nvPr/>
-        </p:nvSpPr>
-        <p:spPr>
-          <a:xfrm>
-            <a:off x="6215002" y="78768"/>
-            <a:ext cx="1886944" cy="369332"/>
-          </a:xfrm>
-          <a:prstGeom prst="rect">
-            <a:avLst/>
-          </a:prstGeom>
-          <a:noFill/>
-        </p:spPr>
-        <p:txBody>
-          <a:bodyPr wrap="square" rtlCol="0">
-            <a:spAutoFit/>
-          </a:bodyPr>
-          <a:lstStyle/>
-          <a:p>
-            <a:pPr algn="ctr"/>
-            <a:r>
-              <a:rPr lang="en-US" altLang="ko-KR" dirty="0" smtClean="0">
-                <a:latin typeface="배달의민족 주아" panose="02020603020101020101" pitchFamily="18" charset="-127"/>
-                <a:ea typeface="배달의민족 주아" panose="02020603020101020101" pitchFamily="18" charset="-127"/>
-              </a:rPr>
-              <a:t>Filtering</a:t>
-            </a:r>
-            <a:endParaRPr lang="ko-KR" altLang="en-US" dirty="0">
-              <a:latin typeface="배달의민족 주아" panose="02020603020101020101" pitchFamily="18" charset="-127"/>
-              <a:ea typeface="배달의민족 주아" panose="02020603020101020101" pitchFamily="18" charset="-127"/>
-            </a:endParaRPr>
-          </a:p>
-        </p:txBody>
-      </p:sp>
-      <p:sp>
-        <p:nvSpPr>
-          <p:cNvPr id="32" name="TextBox 31"/>
-          <p:cNvSpPr txBox="1"/>
-          <p:nvPr/>
-        </p:nvSpPr>
-        <p:spPr>
-          <a:xfrm>
-            <a:off x="38368" y="4782076"/>
-            <a:ext cx="2531534" cy="369332"/>
-          </a:xfrm>
-          <a:prstGeom prst="rect">
-            <a:avLst/>
-          </a:prstGeom>
-          <a:noFill/>
-        </p:spPr>
-        <p:txBody>
-          <a:bodyPr wrap="square" rtlCol="0">
-            <a:spAutoFit/>
-          </a:bodyPr>
-          <a:lstStyle/>
-          <a:p>
-            <a:pPr algn="ctr"/>
-            <a:r>
-              <a:rPr lang="en-US" altLang="ko-KR" dirty="0" smtClean="0">
-                <a:latin typeface="배달의민족 주아" panose="02020603020101020101" pitchFamily="18" charset="-127"/>
-                <a:ea typeface="배달의민족 주아" panose="02020603020101020101" pitchFamily="18" charset="-127"/>
-              </a:rPr>
-              <a:t>Range measurements</a:t>
-            </a:r>
-            <a:endParaRPr lang="ko-KR" altLang="en-US" dirty="0">
-              <a:latin typeface="배달의민족 주아" panose="02020603020101020101" pitchFamily="18" charset="-127"/>
-              <a:ea typeface="배달의민족 주아" panose="02020603020101020101" pitchFamily="18" charset="-127"/>
-            </a:endParaRPr>
-          </a:p>
-        </p:txBody>
-      </p:sp>
-      <p:pic>
-        <p:nvPicPr>
-          <p:cNvPr id="34" name="그림 33"/>
-          <p:cNvPicPr>
-            <a:picLocks noChangeAspect="1"/>
-          </p:cNvPicPr>
-          <p:nvPr/>
-        </p:nvPicPr>
-        <p:blipFill>
-          <a:blip r:embed="rId3"/>
-          <a:stretch>
-            <a:fillRect/>
-          </a:stretch>
-        </p:blipFill>
-        <p:spPr>
-          <a:xfrm>
-            <a:off x="405618" y="5075993"/>
-            <a:ext cx="1729060" cy="620290"/>
-          </a:xfrm>
-          <a:prstGeom prst="rect">
-            <a:avLst/>
-          </a:prstGeom>
-        </p:spPr>
-      </p:pic>
-      <p:sp>
-        <p:nvSpPr>
-          <p:cNvPr id="35" name="순서도: 대체 처리 34"/>
-          <p:cNvSpPr/>
-          <p:nvPr/>
-        </p:nvSpPr>
-        <p:spPr>
-          <a:xfrm>
-            <a:off x="10565428" y="5075993"/>
-            <a:ext cx="1538890" cy="667675"/>
-          </a:xfrm>
-          <a:prstGeom prst="flowChartAlternateProcess">
-            <a:avLst/>
-          </a:prstGeom>
-          <a:solidFill>
-            <a:srgbClr val="3AB4C4"/>
-          </a:solidFill>
-          <a:ln w="19050">
-            <a:solidFill>
-              <a:schemeClr val="tx1"/>
-            </a:solidFill>
-          </a:ln>
-          <a:effectLst>
-            <a:outerShdw blurRad="50800" dist="38100" dir="2700000" algn="tl" rotWithShape="0">
-              <a:prstClr val="black">
-                <a:alpha val="40000"/>
-              </a:prstClr>
-            </a:outerShdw>
-          </a:effectLst>
-        </p:spPr>
-        <p:style>
-          <a:lnRef idx="2">
-            <a:schemeClr val="accent1">
-              <a:shade val="50000"/>
-            </a:schemeClr>
-          </a:lnRef>
-          <a:fillRef idx="1">
-            <a:schemeClr val="accent1"/>
-          </a:fillRef>
-          <a:effectRef idx="0">
-            <a:schemeClr val="accent1"/>
-          </a:effectRef>
-          <a:fontRef idx="minor">
-            <a:schemeClr val="lt1"/>
-          </a:fontRef>
-        </p:style>
-        <p:txBody>
-          <a:bodyPr rtlCol="0" anchor="ctr"/>
-          <a:lstStyle/>
-          <a:p>
-            <a:pPr algn="ctr"/>
-            <a:r>
-              <a:rPr lang="en-US" altLang="ko-KR" sz="1600" dirty="0" smtClean="0">
-                <a:solidFill>
-                  <a:schemeClr val="tx1"/>
-                </a:solidFill>
-                <a:latin typeface="배달의민족 주아" panose="02020603020101020101" pitchFamily="18" charset="-127"/>
-                <a:ea typeface="배달의민족 주아" panose="02020603020101020101" pitchFamily="18" charset="-127"/>
-              </a:rPr>
-              <a:t>Estimate position</a:t>
-            </a:r>
-            <a:endParaRPr lang="ko-KR" altLang="en-US" sz="1600" dirty="0">
-              <a:solidFill>
-                <a:schemeClr val="tx1"/>
-              </a:solidFill>
-              <a:latin typeface="배달의민족 주아" panose="02020603020101020101" pitchFamily="18" charset="-127"/>
-              <a:ea typeface="배달의민족 주아" panose="02020603020101020101" pitchFamily="18" charset="-127"/>
-            </a:endParaRPr>
-          </a:p>
-        </p:txBody>
-      </p:sp>
-      <p:grpSp>
-        <p:nvGrpSpPr>
-          <p:cNvPr id="37" name="그룹 36"/>
-          <p:cNvGrpSpPr/>
-          <p:nvPr/>
-        </p:nvGrpSpPr>
-        <p:grpSpPr>
-          <a:xfrm rot="16200000">
-            <a:off x="5164691" y="2463158"/>
-            <a:ext cx="2607384" cy="5849446"/>
-            <a:chOff x="4302252" y="2185797"/>
-            <a:chExt cx="3587496" cy="2538984"/>
-          </a:xfrm>
-        </p:grpSpPr>
-        <p:sp>
-          <p:nvSpPr>
-            <p:cNvPr id="39" name="이등변 삼각형 38"/>
-            <p:cNvSpPr/>
-            <p:nvPr/>
-          </p:nvSpPr>
-          <p:spPr>
-            <a:xfrm>
-              <a:off x="4302252" y="3094101"/>
-              <a:ext cx="3587496" cy="1630680"/>
-            </a:xfrm>
-            <a:prstGeom prst="triangle">
-              <a:avLst/>
-            </a:prstGeom>
-            <a:solidFill>
-              <a:srgbClr val="F0CA4D"/>
-            </a:solidFill>
-            <a:ln>
-              <a:noFill/>
-            </a:ln>
-            <a:effectLst>
-              <a:outerShdw blurRad="50800" dist="38100" dir="2700000" algn="tl" rotWithShape="0">
-                <a:prstClr val="black">
-                  <a:alpha val="40000"/>
-                </a:prstClr>
-              </a:outerShdw>
-            </a:effectLst>
-          </p:spPr>
-          <p:style>
-            <a:lnRef idx="2">
-              <a:schemeClr val="accent1">
-                <a:shade val="50000"/>
-              </a:schemeClr>
-            </a:lnRef>
-            <a:fillRef idx="1">
-              <a:schemeClr val="accent1"/>
-            </a:fillRef>
-            <a:effectRef idx="0">
-              <a:schemeClr val="accent1"/>
-            </a:effectRef>
-            <a:fontRef idx="minor">
-              <a:schemeClr val="lt1"/>
-            </a:fontRef>
-          </p:style>
-          <p:txBody>
-            <a:bodyPr rtlCol="0" anchor="ctr"/>
-            <a:lstStyle/>
-            <a:p>
-              <a:pPr algn="ctr"/>
-              <a:endParaRPr lang="ko-KR" altLang="en-US"/>
-            </a:p>
-          </p:txBody>
-        </p:sp>
-        <p:sp>
-          <p:nvSpPr>
-            <p:cNvPr id="41" name="이등변 삼각형 40"/>
-            <p:cNvSpPr/>
-            <p:nvPr/>
-          </p:nvSpPr>
-          <p:spPr>
-            <a:xfrm rot="10800000">
-              <a:off x="4302252" y="2185797"/>
-              <a:ext cx="3587496" cy="1630680"/>
-            </a:xfrm>
-            <a:prstGeom prst="triangle">
-              <a:avLst/>
-            </a:prstGeom>
-            <a:solidFill>
-              <a:srgbClr val="F0CA4D"/>
-            </a:solidFill>
-            <a:ln>
-              <a:noFill/>
-            </a:ln>
-            <a:effectLst>
-              <a:outerShdw blurRad="50800" dist="38100" dir="2700000" algn="tl" rotWithShape="0">
-                <a:prstClr val="black">
-                  <a:alpha val="40000"/>
-                </a:prstClr>
-              </a:outerShdw>
-            </a:effectLst>
-          </p:spPr>
-          <p:style>
-            <a:lnRef idx="2">
-              <a:schemeClr val="accent1">
-                <a:shade val="50000"/>
-              </a:schemeClr>
-            </a:lnRef>
-            <a:fillRef idx="1">
-              <a:schemeClr val="accent1"/>
-            </a:fillRef>
-            <a:effectRef idx="0">
-              <a:schemeClr val="accent1"/>
-            </a:effectRef>
-            <a:fontRef idx="minor">
-              <a:schemeClr val="lt1"/>
-            </a:fontRef>
-          </p:style>
-          <p:txBody>
-            <a:bodyPr rtlCol="0" anchor="ctr"/>
-            <a:lstStyle/>
-            <a:p>
-              <a:pPr algn="ctr"/>
-              <a:endParaRPr lang="ko-KR" altLang="en-US"/>
-            </a:p>
-          </p:txBody>
-        </p:sp>
-        <p:sp>
-          <p:nvSpPr>
-            <p:cNvPr id="43" name="직사각형 42"/>
-            <p:cNvSpPr/>
-            <p:nvPr/>
-          </p:nvSpPr>
-          <p:spPr>
-            <a:xfrm>
-              <a:off x="5698435" y="2742723"/>
-              <a:ext cx="831574" cy="1372553"/>
-            </a:xfrm>
-            <a:prstGeom prst="rect">
-              <a:avLst/>
-            </a:prstGeom>
-            <a:solidFill>
-              <a:srgbClr val="F0CA4D"/>
-            </a:solidFill>
-            <a:ln>
-              <a:noFill/>
-            </a:ln>
-            <a:effectLst/>
-          </p:spPr>
-          <p:style>
-            <a:lnRef idx="2">
-              <a:schemeClr val="accent1">
-                <a:shade val="50000"/>
-              </a:schemeClr>
-            </a:lnRef>
-            <a:fillRef idx="1">
-              <a:schemeClr val="accent1"/>
-            </a:fillRef>
-            <a:effectRef idx="0">
-              <a:schemeClr val="accent1"/>
-            </a:effectRef>
-            <a:fontRef idx="minor">
-              <a:schemeClr val="lt1"/>
-            </a:fontRef>
-          </p:style>
-          <p:txBody>
-            <a:bodyPr rtlCol="0" anchor="ctr"/>
-            <a:lstStyle/>
-            <a:p>
-              <a:pPr algn="ctr"/>
-              <a:endParaRPr lang="ko-KR" altLang="en-US"/>
-            </a:p>
-          </p:txBody>
-        </p:sp>
-      </p:grpSp>
-      <p:sp>
-        <p:nvSpPr>
-          <p:cNvPr id="45" name="오른쪽 화살표 44"/>
-          <p:cNvSpPr/>
-          <p:nvPr/>
-        </p:nvSpPr>
-        <p:spPr>
-          <a:xfrm>
-            <a:off x="2515932" y="5178317"/>
-            <a:ext cx="682119" cy="415641"/>
-          </a:xfrm>
-          <a:prstGeom prst="rightArrow">
-            <a:avLst/>
-          </a:prstGeom>
-          <a:solidFill>
-            <a:srgbClr val="C33325"/>
-          </a:solidFill>
-          <a:ln>
-            <a:noFill/>
-          </a:ln>
-          <a:effectLst>
-            <a:outerShdw blurRad="50800" dist="38100" dir="2700000" algn="tl" rotWithShape="0">
-              <a:prstClr val="black">
-                <a:alpha val="40000"/>
-              </a:prstClr>
-            </a:outerShdw>
-          </a:effectLst>
-        </p:spPr>
-        <p:style>
-          <a:lnRef idx="2">
-            <a:schemeClr val="accent1">
-              <a:shade val="50000"/>
-            </a:schemeClr>
-          </a:lnRef>
-          <a:fillRef idx="1">
-            <a:schemeClr val="accent1"/>
-          </a:fillRef>
-          <a:effectRef idx="0">
-            <a:schemeClr val="accent1"/>
-          </a:effectRef>
-          <a:fontRef idx="minor">
-            <a:schemeClr val="lt1"/>
-          </a:fontRef>
-        </p:style>
-        <p:txBody>
-          <a:bodyPr rtlCol="0" anchor="ctr"/>
-          <a:lstStyle/>
-          <a:p>
-            <a:pPr algn="ctr"/>
-            <a:endParaRPr lang="ko-KR" altLang="en-US"/>
-          </a:p>
-        </p:txBody>
-      </p:sp>
-      <p:sp>
-        <p:nvSpPr>
-          <p:cNvPr id="46" name="오른쪽 화살표 45"/>
-          <p:cNvSpPr/>
-          <p:nvPr/>
-        </p:nvSpPr>
-        <p:spPr>
-          <a:xfrm>
-            <a:off x="9673427" y="5202008"/>
-            <a:ext cx="682119" cy="415641"/>
-          </a:xfrm>
-          <a:prstGeom prst="rightArrow">
-            <a:avLst/>
-          </a:prstGeom>
-          <a:solidFill>
-            <a:srgbClr val="C33325"/>
-          </a:solidFill>
-          <a:ln>
-            <a:noFill/>
-          </a:ln>
-          <a:effectLst>
-            <a:outerShdw blurRad="50800" dist="38100" dir="2700000" algn="tl" rotWithShape="0">
-              <a:prstClr val="black">
-                <a:alpha val="40000"/>
-              </a:prstClr>
-            </a:outerShdw>
-          </a:effectLst>
-        </p:spPr>
-        <p:style>
-          <a:lnRef idx="2">
-            <a:schemeClr val="accent1">
-              <a:shade val="50000"/>
-            </a:schemeClr>
-          </a:lnRef>
-          <a:fillRef idx="1">
-            <a:schemeClr val="accent1"/>
-          </a:fillRef>
-          <a:effectRef idx="0">
-            <a:schemeClr val="accent1"/>
-          </a:effectRef>
-          <a:fontRef idx="minor">
-            <a:schemeClr val="lt1"/>
-          </a:fontRef>
-        </p:style>
-        <p:txBody>
-          <a:bodyPr rtlCol="0" anchor="ctr"/>
-          <a:lstStyle/>
-          <a:p>
-            <a:pPr algn="ctr"/>
-            <a:endParaRPr lang="ko-KR" altLang="en-US"/>
-          </a:p>
-        </p:txBody>
-      </p:sp>
-      <p:sp>
-        <p:nvSpPr>
-          <p:cNvPr id="47" name="TextBox 46"/>
-          <p:cNvSpPr txBox="1"/>
-          <p:nvPr/>
-        </p:nvSpPr>
-        <p:spPr>
-          <a:xfrm>
-            <a:off x="4007573" y="4662862"/>
-            <a:ext cx="4921623" cy="1446550"/>
-          </a:xfrm>
-          <a:prstGeom prst="rect">
-            <a:avLst/>
-          </a:prstGeom>
-          <a:noFill/>
-        </p:spPr>
-        <p:txBody>
-          <a:bodyPr wrap="square" rtlCol="0">
-            <a:spAutoFit/>
-          </a:bodyPr>
-          <a:lstStyle/>
-          <a:p>
-            <a:pPr algn="ctr"/>
-            <a:r>
-              <a:rPr lang="en-US" altLang="ko-KR" sz="4400" dirty="0" smtClean="0">
-                <a:latin typeface="배달의민족 주아" panose="02020603020101020101" pitchFamily="18" charset="-127"/>
-                <a:ea typeface="배달의민족 주아" panose="02020603020101020101" pitchFamily="18" charset="-127"/>
-              </a:rPr>
-              <a:t>Attention-based LSTM Architecture</a:t>
-            </a:r>
-            <a:endParaRPr lang="ko-KR" altLang="en-US" sz="4400" dirty="0">
-              <a:latin typeface="배달의민족 주아" panose="02020603020101020101" pitchFamily="18" charset="-127"/>
-              <a:ea typeface="배달의민족 주아" panose="02020603020101020101" pitchFamily="18" charset="-127"/>
-            </a:endParaRPr>
-          </a:p>
-        </p:txBody>
-      </p:sp>
-      <p:sp>
-        <p:nvSpPr>
-          <p:cNvPr id="3" name="갈매기형 수장 2"/>
-          <p:cNvSpPr/>
-          <p:nvPr/>
-        </p:nvSpPr>
-        <p:spPr>
-          <a:xfrm rot="5400000">
-            <a:off x="6239851" y="4171306"/>
-            <a:ext cx="335929" cy="494600"/>
-          </a:xfrm>
-          <a:prstGeom prst="chevron">
-            <a:avLst/>
-          </a:prstGeom>
-          <a:solidFill>
-            <a:srgbClr val="1F4E79"/>
-          </a:solidFill>
-          <a:ln>
-            <a:noFill/>
-          </a:ln>
-        </p:spPr>
-        <p:style>
-          <a:lnRef idx="2">
-            <a:schemeClr val="accent1">
-              <a:shade val="50000"/>
-            </a:schemeClr>
-          </a:lnRef>
-          <a:fillRef idx="1">
-            <a:schemeClr val="accent1"/>
-          </a:fillRef>
-          <a:effectRef idx="0">
-            <a:schemeClr val="accent1"/>
-          </a:effectRef>
-          <a:fontRef idx="minor">
-            <a:schemeClr val="lt1"/>
-          </a:fontRef>
-        </p:style>
-        <p:txBody>
-          <a:bodyPr rtlCol="0" anchor="ctr"/>
-          <a:lstStyle/>
-          <a:p>
-            <a:pPr algn="ctr"/>
-            <a:endParaRPr lang="ko-KR" altLang="en-US">
-              <a:solidFill>
-                <a:schemeClr val="tx1"/>
-              </a:solidFill>
-            </a:endParaRPr>
-          </a:p>
-        </p:txBody>
-      </p:sp>
-      <p:sp>
-        <p:nvSpPr>
-          <p:cNvPr id="56" name="갈매기형 수장 55"/>
-          <p:cNvSpPr/>
-          <p:nvPr/>
-        </p:nvSpPr>
-        <p:spPr>
-          <a:xfrm rot="5400000">
-            <a:off x="6239851" y="3911537"/>
-            <a:ext cx="335929" cy="494600"/>
-          </a:xfrm>
-          <a:prstGeom prst="chevron">
-            <a:avLst/>
-          </a:prstGeom>
-          <a:solidFill>
-            <a:srgbClr val="1F4E79">
-              <a:alpha val="87000"/>
-            </a:srgbClr>
-          </a:solidFill>
-          <a:ln>
-            <a:noFill/>
-          </a:ln>
-        </p:spPr>
-        <p:style>
-          <a:lnRef idx="2">
-            <a:schemeClr val="accent1">
-              <a:shade val="50000"/>
-            </a:schemeClr>
-          </a:lnRef>
-          <a:fillRef idx="1">
-            <a:schemeClr val="accent1"/>
-          </a:fillRef>
-          <a:effectRef idx="0">
-            <a:schemeClr val="accent1"/>
-          </a:effectRef>
-          <a:fontRef idx="minor">
-            <a:schemeClr val="lt1"/>
-          </a:fontRef>
-        </p:style>
-        <p:txBody>
-          <a:bodyPr rtlCol="0" anchor="ctr"/>
-          <a:lstStyle/>
-          <a:p>
-            <a:pPr algn="ctr"/>
-            <a:endParaRPr lang="ko-KR" altLang="en-US">
-              <a:solidFill>
-                <a:schemeClr val="tx1"/>
-              </a:solidFill>
-            </a:endParaRPr>
-          </a:p>
-        </p:txBody>
-      </p:sp>
-      <p:sp>
-        <p:nvSpPr>
-          <p:cNvPr id="57" name="갈매기형 수장 56"/>
-          <p:cNvSpPr/>
-          <p:nvPr/>
-        </p:nvSpPr>
-        <p:spPr>
-          <a:xfrm rot="5400000">
-            <a:off x="6239851" y="3651768"/>
-            <a:ext cx="335929" cy="494600"/>
-          </a:xfrm>
-          <a:prstGeom prst="chevron">
-            <a:avLst/>
-          </a:prstGeom>
-          <a:solidFill>
-            <a:srgbClr val="1F4E79">
-              <a:alpha val="51000"/>
-            </a:srgbClr>
-          </a:solidFill>
-          <a:ln>
-            <a:noFill/>
-          </a:ln>
-        </p:spPr>
-        <p:style>
-          <a:lnRef idx="2">
-            <a:schemeClr val="accent1">
-              <a:shade val="50000"/>
-            </a:schemeClr>
-          </a:lnRef>
-          <a:fillRef idx="1">
-            <a:schemeClr val="accent1"/>
-          </a:fillRef>
-          <a:effectRef idx="0">
-            <a:schemeClr val="accent1"/>
-          </a:effectRef>
-          <a:fontRef idx="minor">
-            <a:schemeClr val="lt1"/>
-          </a:fontRef>
-        </p:style>
-        <p:txBody>
-          <a:bodyPr rtlCol="0" anchor="ctr"/>
-          <a:lstStyle/>
-          <a:p>
-            <a:pPr algn="ctr"/>
-            <a:endParaRPr lang="ko-KR" altLang="en-US">
-              <a:solidFill>
-                <a:schemeClr val="tx1"/>
-              </a:solidFill>
-            </a:endParaRPr>
-          </a:p>
-        </p:txBody>
-      </p:sp>
-      <p:sp>
-        <p:nvSpPr>
-          <p:cNvPr id="58" name="갈매기형 수장 57"/>
-          <p:cNvSpPr/>
-          <p:nvPr/>
-        </p:nvSpPr>
-        <p:spPr>
-          <a:xfrm rot="5400000">
-            <a:off x="6239851" y="3391999"/>
-            <a:ext cx="335929" cy="494600"/>
-          </a:xfrm>
-          <a:prstGeom prst="chevron">
-            <a:avLst/>
-          </a:prstGeom>
-          <a:solidFill>
-            <a:srgbClr val="1F4E79">
-              <a:alpha val="26000"/>
-            </a:srgbClr>
-          </a:solidFill>
-          <a:ln>
-            <a:noFill/>
-          </a:ln>
-        </p:spPr>
-        <p:style>
-          <a:lnRef idx="2">
-            <a:schemeClr val="accent1">
-              <a:shade val="50000"/>
-            </a:schemeClr>
-          </a:lnRef>
-          <a:fillRef idx="1">
-            <a:schemeClr val="accent1"/>
-          </a:fillRef>
-          <a:effectRef idx="0">
-            <a:schemeClr val="accent1"/>
-          </a:effectRef>
-          <a:fontRef idx="minor">
-            <a:schemeClr val="lt1"/>
-          </a:fontRef>
-        </p:style>
-        <p:txBody>
-          <a:bodyPr rtlCol="0" anchor="ctr"/>
-          <a:lstStyle/>
-          <a:p>
-            <a:pPr algn="ctr"/>
-            <a:endParaRPr lang="ko-KR" altLang="en-US">
-              <a:solidFill>
-                <a:schemeClr val="tx1"/>
-              </a:solidFill>
-            </a:endParaRPr>
-          </a:p>
-        </p:txBody>
-      </p:sp>
-    </p:spTree>
-    <p:extLst>
-      <p:ext uri="{BB962C8B-B14F-4D97-AF65-F5344CB8AC3E}">
-        <p14:creationId xmlns:p14="http://schemas.microsoft.com/office/powerpoint/2010/main" val="1471805063"/>
-      </p:ext>
-    </p:extLst>
-  </p:cSld>
-  <p:clrMapOvr>
-    <a:masterClrMapping/>
-  </p:clrMapOvr>
-  <mc:AlternateContent xmlns:mc="http://schemas.openxmlformats.org/markup-compatibility/2006" xmlns:p14="http://schemas.microsoft.com/office/powerpoint/2010/main">
-    <mc:Choice Requires="p14">
-      <p:transition spd="med" p14:dur="700">
-        <p:fade/>
-      </p:transition>
-    </mc:Choice>
-    <mc:Fallback xmlns="">
-      <p:transition spd="med">
-        <p:fade/>
-      </p:transition>
-    </mc:Fallback>
-  </mc:AlternateContent>
-  <p:timing>
-    <p:tnLst>
-      <p:par>
-        <p:cTn id="1" dur="indefinite" restart="never" nodeType="tmRoot"/>
-      </p:par>
-    </p:tnLst>
-  </p:timing>
-</p:sld>
-</file>
-
-<file path=ppt/slides/slide2.xml><?xml version="1.0" encoding="utf-8"?>
-<p:sld xmlns:a="http://schemas.openxmlformats.org/drawingml/2006/main" xmlns:r="http://schemas.openxmlformats.org/officeDocument/2006/relationships" xmlns:p="http://schemas.openxmlformats.org/presentationml/2006/main">
-  <p:cSld>
-    <p:spTree>
-      <p:nvGrpSpPr>
-        <p:cNvPr id="1" name=""/>
-        <p:cNvGrpSpPr/>
-        <p:nvPr/>
-      </p:nvGrpSpPr>
-      <p:grpSpPr>
-        <a:xfrm>
-          <a:off x="0" y="0"/>
-          <a:ext cx="0" cy="0"/>
-          <a:chOff x="0" y="0"/>
-          <a:chExt cx="0" cy="0"/>
-        </a:xfrm>
-      </p:grpSpPr>
-      <p:sp>
-        <p:nvSpPr>
           <p:cNvPr id="89" name="TextBox 88"/>
           <p:cNvSpPr txBox="1"/>
           <p:nvPr/>
@@ -5556,615 +3524,6 @@
           </a:p>
         </p:txBody>
       </p:sp>
-      <p:grpSp>
-        <p:nvGrpSpPr>
-          <p:cNvPr id="225" name="그룹 224"/>
-          <p:cNvGrpSpPr/>
-          <p:nvPr/>
-        </p:nvGrpSpPr>
-        <p:grpSpPr>
-          <a:xfrm>
-            <a:off x="1928112" y="283994"/>
-            <a:ext cx="1184563" cy="5579918"/>
-            <a:chOff x="1515619" y="679268"/>
-            <a:chExt cx="1184563" cy="5579918"/>
-          </a:xfrm>
-          <a:solidFill>
-            <a:srgbClr val="754F44"/>
-          </a:solidFill>
-          <a:effectLst>
-            <a:outerShdw blurRad="50800" dist="38100" dir="2700000" algn="tl" rotWithShape="0">
-              <a:prstClr val="black">
-                <a:alpha val="40000"/>
-              </a:prstClr>
-            </a:outerShdw>
-          </a:effectLst>
-        </p:grpSpPr>
-        <p:sp>
-          <p:nvSpPr>
-            <p:cNvPr id="226" name="모서리가 둥근 직사각형 225"/>
-            <p:cNvSpPr/>
-            <p:nvPr/>
-          </p:nvSpPr>
-          <p:spPr>
-            <a:xfrm>
-              <a:off x="1515619" y="679268"/>
-              <a:ext cx="1184563" cy="5579918"/>
-            </a:xfrm>
-            <a:prstGeom prst="roundRect">
-              <a:avLst/>
-            </a:prstGeom>
-            <a:grpFill/>
-            <a:ln w="22225">
-              <a:solidFill>
-                <a:schemeClr val="tx1"/>
-              </a:solidFill>
-              <a:prstDash val="dash"/>
-            </a:ln>
-            <a:effectLst>
-              <a:outerShdw blurRad="50800" dist="38100" dir="2700000" algn="tl" rotWithShape="0">
-                <a:prstClr val="black">
-                  <a:alpha val="40000"/>
-                </a:prstClr>
-              </a:outerShdw>
-            </a:effectLst>
-          </p:spPr>
-          <p:style>
-            <a:lnRef idx="2">
-              <a:schemeClr val="accent1">
-                <a:shade val="50000"/>
-              </a:schemeClr>
-            </a:lnRef>
-            <a:fillRef idx="1">
-              <a:schemeClr val="accent1"/>
-            </a:fillRef>
-            <a:effectRef idx="0">
-              <a:schemeClr val="accent1"/>
-            </a:effectRef>
-            <a:fontRef idx="minor">
-              <a:schemeClr val="lt1"/>
-            </a:fontRef>
-          </p:style>
-          <p:txBody>
-            <a:bodyPr rtlCol="0" anchor="ctr"/>
-            <a:lstStyle/>
-            <a:p>
-              <a:pPr algn="ctr"/>
-              <a:endParaRPr lang="ko-KR" altLang="en-US"/>
-            </a:p>
-          </p:txBody>
-        </p:sp>
-        <p:sp>
-          <p:nvSpPr>
-            <p:cNvPr id="227" name="타원 226"/>
-            <p:cNvSpPr/>
-            <p:nvPr/>
-          </p:nvSpPr>
-          <p:spPr>
-            <a:xfrm>
-              <a:off x="1720799" y="936263"/>
-              <a:ext cx="399600" cy="397863"/>
-            </a:xfrm>
-            <a:prstGeom prst="ellipse">
-              <a:avLst/>
-            </a:prstGeom>
-            <a:grpFill/>
-            <a:ln w="22225">
-              <a:solidFill>
-                <a:schemeClr val="tx1"/>
-              </a:solidFill>
-            </a:ln>
-            <a:effectLst>
-              <a:outerShdw blurRad="50800" dist="38100" dir="2700000" algn="tl" rotWithShape="0">
-                <a:prstClr val="black">
-                  <a:alpha val="40000"/>
-                </a:prstClr>
-              </a:outerShdw>
-            </a:effectLst>
-          </p:spPr>
-          <p:style>
-            <a:lnRef idx="2">
-              <a:schemeClr val="accent1">
-                <a:shade val="50000"/>
-              </a:schemeClr>
-            </a:lnRef>
-            <a:fillRef idx="1">
-              <a:schemeClr val="accent1"/>
-            </a:fillRef>
-            <a:effectRef idx="0">
-              <a:schemeClr val="accent1"/>
-            </a:effectRef>
-            <a:fontRef idx="minor">
-              <a:schemeClr val="lt1"/>
-            </a:fontRef>
-          </p:style>
-          <p:txBody>
-            <a:bodyPr rtlCol="0" anchor="ctr"/>
-            <a:lstStyle/>
-            <a:p>
-              <a:pPr algn="ctr"/>
-              <a:endParaRPr lang="ko-KR" altLang="en-US"/>
-            </a:p>
-          </p:txBody>
-        </p:sp>
-        <p:sp>
-          <p:nvSpPr>
-            <p:cNvPr id="228" name="타원 227"/>
-            <p:cNvSpPr/>
-            <p:nvPr/>
-          </p:nvSpPr>
-          <p:spPr>
-            <a:xfrm>
-              <a:off x="2092837" y="1352193"/>
-              <a:ext cx="399600" cy="397863"/>
-            </a:xfrm>
-            <a:prstGeom prst="ellipse">
-              <a:avLst/>
-            </a:prstGeom>
-            <a:grpFill/>
-            <a:ln w="22225">
-              <a:solidFill>
-                <a:schemeClr val="tx1"/>
-              </a:solidFill>
-            </a:ln>
-            <a:effectLst>
-              <a:outerShdw blurRad="50800" dist="38100" dir="2700000" algn="tl" rotWithShape="0">
-                <a:prstClr val="black">
-                  <a:alpha val="40000"/>
-                </a:prstClr>
-              </a:outerShdw>
-            </a:effectLst>
-          </p:spPr>
-          <p:style>
-            <a:lnRef idx="2">
-              <a:schemeClr val="accent1">
-                <a:shade val="50000"/>
-              </a:schemeClr>
-            </a:lnRef>
-            <a:fillRef idx="1">
-              <a:schemeClr val="accent1"/>
-            </a:fillRef>
-            <a:effectRef idx="0">
-              <a:schemeClr val="accent1"/>
-            </a:effectRef>
-            <a:fontRef idx="minor">
-              <a:schemeClr val="lt1"/>
-            </a:fontRef>
-          </p:style>
-          <p:txBody>
-            <a:bodyPr rtlCol="0" anchor="ctr"/>
-            <a:lstStyle/>
-            <a:p>
-              <a:pPr algn="ctr"/>
-              <a:endParaRPr lang="ko-KR" altLang="en-US"/>
-            </a:p>
-          </p:txBody>
-        </p:sp>
-        <p:sp>
-          <p:nvSpPr>
-            <p:cNvPr id="229" name="타원 228"/>
-            <p:cNvSpPr/>
-            <p:nvPr/>
-          </p:nvSpPr>
-          <p:spPr>
-            <a:xfrm>
-              <a:off x="1720799" y="1965200"/>
-              <a:ext cx="399600" cy="397863"/>
-            </a:xfrm>
-            <a:prstGeom prst="ellipse">
-              <a:avLst/>
-            </a:prstGeom>
-            <a:grpFill/>
-            <a:ln w="22225">
-              <a:solidFill>
-                <a:schemeClr val="tx1"/>
-              </a:solidFill>
-            </a:ln>
-            <a:effectLst>
-              <a:outerShdw blurRad="50800" dist="38100" dir="2700000" algn="tl" rotWithShape="0">
-                <a:prstClr val="black">
-                  <a:alpha val="40000"/>
-                </a:prstClr>
-              </a:outerShdw>
-            </a:effectLst>
-          </p:spPr>
-          <p:style>
-            <a:lnRef idx="2">
-              <a:schemeClr val="accent1">
-                <a:shade val="50000"/>
-              </a:schemeClr>
-            </a:lnRef>
-            <a:fillRef idx="1">
-              <a:schemeClr val="accent1"/>
-            </a:fillRef>
-            <a:effectRef idx="0">
-              <a:schemeClr val="accent1"/>
-            </a:effectRef>
-            <a:fontRef idx="minor">
-              <a:schemeClr val="lt1"/>
-            </a:fontRef>
-          </p:style>
-          <p:txBody>
-            <a:bodyPr rtlCol="0" anchor="ctr"/>
-            <a:lstStyle/>
-            <a:p>
-              <a:pPr algn="ctr"/>
-              <a:endParaRPr lang="ko-KR" altLang="en-US"/>
-            </a:p>
-          </p:txBody>
-        </p:sp>
-        <p:sp>
-          <p:nvSpPr>
-            <p:cNvPr id="230" name="타원 229"/>
-            <p:cNvSpPr/>
-            <p:nvPr/>
-          </p:nvSpPr>
-          <p:spPr>
-            <a:xfrm>
-              <a:off x="2092837" y="2381130"/>
-              <a:ext cx="399600" cy="397863"/>
-            </a:xfrm>
-            <a:prstGeom prst="ellipse">
-              <a:avLst/>
-            </a:prstGeom>
-            <a:grpFill/>
-            <a:ln w="22225">
-              <a:solidFill>
-                <a:schemeClr val="tx1"/>
-              </a:solidFill>
-            </a:ln>
-            <a:effectLst>
-              <a:outerShdw blurRad="50800" dist="38100" dir="2700000" algn="tl" rotWithShape="0">
-                <a:prstClr val="black">
-                  <a:alpha val="40000"/>
-                </a:prstClr>
-              </a:outerShdw>
-            </a:effectLst>
-          </p:spPr>
-          <p:style>
-            <a:lnRef idx="2">
-              <a:schemeClr val="accent1">
-                <a:shade val="50000"/>
-              </a:schemeClr>
-            </a:lnRef>
-            <a:fillRef idx="1">
-              <a:schemeClr val="accent1"/>
-            </a:fillRef>
-            <a:effectRef idx="0">
-              <a:schemeClr val="accent1"/>
-            </a:effectRef>
-            <a:fontRef idx="minor">
-              <a:schemeClr val="lt1"/>
-            </a:fontRef>
-          </p:style>
-          <p:txBody>
-            <a:bodyPr rtlCol="0" anchor="ctr"/>
-            <a:lstStyle/>
-            <a:p>
-              <a:pPr algn="ctr"/>
-              <a:endParaRPr lang="ko-KR" altLang="en-US"/>
-            </a:p>
-          </p:txBody>
-        </p:sp>
-        <p:sp>
-          <p:nvSpPr>
-            <p:cNvPr id="231" name="타원 230"/>
-            <p:cNvSpPr/>
-            <p:nvPr/>
-          </p:nvSpPr>
-          <p:spPr>
-            <a:xfrm>
-              <a:off x="1720799" y="2994137"/>
-              <a:ext cx="399600" cy="397863"/>
-            </a:xfrm>
-            <a:prstGeom prst="ellipse">
-              <a:avLst/>
-            </a:prstGeom>
-            <a:grpFill/>
-            <a:ln w="22225">
-              <a:solidFill>
-                <a:schemeClr val="tx1"/>
-              </a:solidFill>
-            </a:ln>
-            <a:effectLst>
-              <a:outerShdw blurRad="50800" dist="38100" dir="2700000" algn="tl" rotWithShape="0">
-                <a:prstClr val="black">
-                  <a:alpha val="40000"/>
-                </a:prstClr>
-              </a:outerShdw>
-            </a:effectLst>
-          </p:spPr>
-          <p:style>
-            <a:lnRef idx="2">
-              <a:schemeClr val="accent1">
-                <a:shade val="50000"/>
-              </a:schemeClr>
-            </a:lnRef>
-            <a:fillRef idx="1">
-              <a:schemeClr val="accent1"/>
-            </a:fillRef>
-            <a:effectRef idx="0">
-              <a:schemeClr val="accent1"/>
-            </a:effectRef>
-            <a:fontRef idx="minor">
-              <a:schemeClr val="lt1"/>
-            </a:fontRef>
-          </p:style>
-          <p:txBody>
-            <a:bodyPr rtlCol="0" anchor="ctr"/>
-            <a:lstStyle/>
-            <a:p>
-              <a:pPr algn="ctr"/>
-              <a:endParaRPr lang="ko-KR" altLang="en-US"/>
-            </a:p>
-          </p:txBody>
-        </p:sp>
-        <p:sp>
-          <p:nvSpPr>
-            <p:cNvPr id="232" name="타원 231"/>
-            <p:cNvSpPr/>
-            <p:nvPr/>
-          </p:nvSpPr>
-          <p:spPr>
-            <a:xfrm>
-              <a:off x="2092837" y="3410067"/>
-              <a:ext cx="399600" cy="397863"/>
-            </a:xfrm>
-            <a:prstGeom prst="ellipse">
-              <a:avLst/>
-            </a:prstGeom>
-            <a:grpFill/>
-            <a:ln w="22225">
-              <a:solidFill>
-                <a:schemeClr val="tx1"/>
-              </a:solidFill>
-            </a:ln>
-            <a:effectLst>
-              <a:outerShdw blurRad="50800" dist="38100" dir="2700000" algn="tl" rotWithShape="0">
-                <a:prstClr val="black">
-                  <a:alpha val="40000"/>
-                </a:prstClr>
-              </a:outerShdw>
-            </a:effectLst>
-          </p:spPr>
-          <p:style>
-            <a:lnRef idx="2">
-              <a:schemeClr val="accent1">
-                <a:shade val="50000"/>
-              </a:schemeClr>
-            </a:lnRef>
-            <a:fillRef idx="1">
-              <a:schemeClr val="accent1"/>
-            </a:fillRef>
-            <a:effectRef idx="0">
-              <a:schemeClr val="accent1"/>
-            </a:effectRef>
-            <a:fontRef idx="minor">
-              <a:schemeClr val="lt1"/>
-            </a:fontRef>
-          </p:style>
-          <p:txBody>
-            <a:bodyPr rtlCol="0" anchor="ctr"/>
-            <a:lstStyle/>
-            <a:p>
-              <a:pPr algn="ctr"/>
-              <a:endParaRPr lang="ko-KR" altLang="en-US"/>
-            </a:p>
-          </p:txBody>
-        </p:sp>
-        <p:sp>
-          <p:nvSpPr>
-            <p:cNvPr id="233" name="타원 232"/>
-            <p:cNvSpPr/>
-            <p:nvPr/>
-          </p:nvSpPr>
-          <p:spPr>
-            <a:xfrm>
-              <a:off x="1720799" y="4023074"/>
-              <a:ext cx="399600" cy="397863"/>
-            </a:xfrm>
-            <a:prstGeom prst="ellipse">
-              <a:avLst/>
-            </a:prstGeom>
-            <a:grpFill/>
-            <a:ln w="22225">
-              <a:solidFill>
-                <a:schemeClr val="tx1"/>
-              </a:solidFill>
-            </a:ln>
-            <a:effectLst>
-              <a:outerShdw blurRad="50800" dist="38100" dir="2700000" algn="tl" rotWithShape="0">
-                <a:prstClr val="black">
-                  <a:alpha val="40000"/>
-                </a:prstClr>
-              </a:outerShdw>
-            </a:effectLst>
-          </p:spPr>
-          <p:style>
-            <a:lnRef idx="2">
-              <a:schemeClr val="accent1">
-                <a:shade val="50000"/>
-              </a:schemeClr>
-            </a:lnRef>
-            <a:fillRef idx="1">
-              <a:schemeClr val="accent1"/>
-            </a:fillRef>
-            <a:effectRef idx="0">
-              <a:schemeClr val="accent1"/>
-            </a:effectRef>
-            <a:fontRef idx="minor">
-              <a:schemeClr val="lt1"/>
-            </a:fontRef>
-          </p:style>
-          <p:txBody>
-            <a:bodyPr rtlCol="0" anchor="ctr"/>
-            <a:lstStyle/>
-            <a:p>
-              <a:pPr algn="ctr"/>
-              <a:endParaRPr lang="ko-KR" altLang="en-US"/>
-            </a:p>
-          </p:txBody>
-        </p:sp>
-        <p:sp>
-          <p:nvSpPr>
-            <p:cNvPr id="234" name="타원 233"/>
-            <p:cNvSpPr/>
-            <p:nvPr/>
-          </p:nvSpPr>
-          <p:spPr>
-            <a:xfrm>
-              <a:off x="2092837" y="4439004"/>
-              <a:ext cx="399600" cy="397863"/>
-            </a:xfrm>
-            <a:prstGeom prst="ellipse">
-              <a:avLst/>
-            </a:prstGeom>
-            <a:grpFill/>
-            <a:ln w="22225">
-              <a:solidFill>
-                <a:schemeClr val="tx1"/>
-              </a:solidFill>
-            </a:ln>
-            <a:effectLst>
-              <a:outerShdw blurRad="50800" dist="38100" dir="2700000" algn="tl" rotWithShape="0">
-                <a:prstClr val="black">
-                  <a:alpha val="40000"/>
-                </a:prstClr>
-              </a:outerShdw>
-            </a:effectLst>
-          </p:spPr>
-          <p:style>
-            <a:lnRef idx="2">
-              <a:schemeClr val="accent1">
-                <a:shade val="50000"/>
-              </a:schemeClr>
-            </a:lnRef>
-            <a:fillRef idx="1">
-              <a:schemeClr val="accent1"/>
-            </a:fillRef>
-            <a:effectRef idx="0">
-              <a:schemeClr val="accent1"/>
-            </a:effectRef>
-            <a:fontRef idx="minor">
-              <a:schemeClr val="lt1"/>
-            </a:fontRef>
-          </p:style>
-          <p:txBody>
-            <a:bodyPr rtlCol="0" anchor="ctr"/>
-            <a:lstStyle/>
-            <a:p>
-              <a:pPr algn="ctr"/>
-              <a:endParaRPr lang="ko-KR" altLang="en-US"/>
-            </a:p>
-          </p:txBody>
-        </p:sp>
-        <p:sp>
-          <p:nvSpPr>
-            <p:cNvPr id="235" name="타원 234"/>
-            <p:cNvSpPr/>
-            <p:nvPr/>
-          </p:nvSpPr>
-          <p:spPr>
-            <a:xfrm>
-              <a:off x="1720799" y="5052011"/>
-              <a:ext cx="399600" cy="397863"/>
-            </a:xfrm>
-            <a:prstGeom prst="ellipse">
-              <a:avLst/>
-            </a:prstGeom>
-            <a:grpFill/>
-            <a:ln w="22225">
-              <a:solidFill>
-                <a:schemeClr val="tx1"/>
-              </a:solidFill>
-            </a:ln>
-            <a:effectLst>
-              <a:outerShdw blurRad="50800" dist="38100" dir="2700000" algn="tl" rotWithShape="0">
-                <a:prstClr val="black">
-                  <a:alpha val="40000"/>
-                </a:prstClr>
-              </a:outerShdw>
-            </a:effectLst>
-          </p:spPr>
-          <p:style>
-            <a:lnRef idx="2">
-              <a:schemeClr val="accent1">
-                <a:shade val="50000"/>
-              </a:schemeClr>
-            </a:lnRef>
-            <a:fillRef idx="1">
-              <a:schemeClr val="accent1"/>
-            </a:fillRef>
-            <a:effectRef idx="0">
-              <a:schemeClr val="accent1"/>
-            </a:effectRef>
-            <a:fontRef idx="minor">
-              <a:schemeClr val="lt1"/>
-            </a:fontRef>
-          </p:style>
-          <p:txBody>
-            <a:bodyPr rtlCol="0" anchor="ctr"/>
-            <a:lstStyle/>
-            <a:p>
-              <a:pPr algn="ctr"/>
-              <a:endParaRPr lang="ko-KR" altLang="en-US"/>
-            </a:p>
-          </p:txBody>
-        </p:sp>
-        <p:sp>
-          <p:nvSpPr>
-            <p:cNvPr id="236" name="타원 235"/>
-            <p:cNvSpPr/>
-            <p:nvPr/>
-          </p:nvSpPr>
-          <p:spPr>
-            <a:xfrm>
-              <a:off x="2092837" y="5467941"/>
-              <a:ext cx="399600" cy="397863"/>
-            </a:xfrm>
-            <a:prstGeom prst="ellipse">
-              <a:avLst/>
-            </a:prstGeom>
-            <a:grpFill/>
-            <a:ln w="22225">
-              <a:solidFill>
-                <a:schemeClr val="tx1"/>
-              </a:solidFill>
-            </a:ln>
-            <a:effectLst>
-              <a:outerShdw blurRad="50800" dist="38100" dir="2700000" algn="tl" rotWithShape="0">
-                <a:prstClr val="black">
-                  <a:alpha val="40000"/>
-                </a:prstClr>
-              </a:outerShdw>
-            </a:effectLst>
-          </p:spPr>
-          <p:style>
-            <a:lnRef idx="2">
-              <a:schemeClr val="accent1">
-                <a:shade val="50000"/>
-              </a:schemeClr>
-            </a:lnRef>
-            <a:fillRef idx="1">
-              <a:schemeClr val="accent1"/>
-            </a:fillRef>
-            <a:effectRef idx="0">
-              <a:schemeClr val="accent1"/>
-            </a:effectRef>
-            <a:fontRef idx="minor">
-              <a:schemeClr val="lt1"/>
-            </a:fontRef>
-          </p:style>
-          <p:txBody>
-            <a:bodyPr rtlCol="0" anchor="ctr"/>
-            <a:lstStyle/>
-            <a:p>
-              <a:pPr algn="ctr"/>
-              <a:endParaRPr lang="ko-KR" altLang="en-US"/>
-            </a:p>
-          </p:txBody>
-        </p:sp>
-      </p:grpSp>
       <p:sp>
         <p:nvSpPr>
           <p:cNvPr id="238" name="직사각형 237"/>
@@ -6180,7 +3539,9 @@
             <a:avLst/>
           </a:prstGeom>
           <a:solidFill>
-            <a:srgbClr val="754F44"/>
+            <a:schemeClr val="bg1">
+              <a:lumMod val="50000"/>
+            </a:schemeClr>
           </a:solidFill>
           <a:ln w="22225">
             <a:solidFill>
@@ -6400,631 +3761,24 @@
           </a:fontRef>
         </p:style>
       </p:cxnSp>
-      <p:grpSp>
-        <p:nvGrpSpPr>
-          <p:cNvPr id="206" name="그룹 205"/>
-          <p:cNvGrpSpPr/>
-          <p:nvPr/>
-        </p:nvGrpSpPr>
-        <p:grpSpPr>
-          <a:xfrm>
-            <a:off x="1825713" y="384579"/>
-            <a:ext cx="1184563" cy="5579918"/>
-            <a:chOff x="1515619" y="679268"/>
-            <a:chExt cx="1184563" cy="5579918"/>
-          </a:xfrm>
-          <a:solidFill>
-            <a:srgbClr val="EC7357"/>
-          </a:solidFill>
-          <a:effectLst>
-            <a:outerShdw blurRad="50800" dist="38100" dir="2700000" algn="tl" rotWithShape="0">
-              <a:prstClr val="black">
-                <a:alpha val="40000"/>
-              </a:prstClr>
-            </a:outerShdw>
-          </a:effectLst>
-        </p:grpSpPr>
-        <p:sp>
-          <p:nvSpPr>
-            <p:cNvPr id="207" name="모서리가 둥근 직사각형 206"/>
-            <p:cNvSpPr/>
-            <p:nvPr/>
-          </p:nvSpPr>
-          <p:spPr>
-            <a:xfrm>
-              <a:off x="1515619" y="679268"/>
-              <a:ext cx="1184563" cy="5579918"/>
-            </a:xfrm>
-            <a:prstGeom prst="roundRect">
-              <a:avLst/>
-            </a:prstGeom>
-            <a:grpFill/>
-            <a:ln w="22225">
-              <a:solidFill>
-                <a:schemeClr val="tx1"/>
-              </a:solidFill>
-              <a:prstDash val="dash"/>
-            </a:ln>
-            <a:effectLst>
-              <a:outerShdw blurRad="50800" dist="38100" dir="2700000" algn="tl" rotWithShape="0">
-                <a:prstClr val="black">
-                  <a:alpha val="40000"/>
-                </a:prstClr>
-              </a:outerShdw>
-            </a:effectLst>
-          </p:spPr>
-          <p:style>
-            <a:lnRef idx="2">
-              <a:schemeClr val="accent1">
-                <a:shade val="50000"/>
-              </a:schemeClr>
-            </a:lnRef>
-            <a:fillRef idx="1">
-              <a:schemeClr val="accent1"/>
-            </a:fillRef>
-            <a:effectRef idx="0">
-              <a:schemeClr val="accent1"/>
-            </a:effectRef>
-            <a:fontRef idx="minor">
-              <a:schemeClr val="lt1"/>
-            </a:fontRef>
-          </p:style>
-          <p:txBody>
-            <a:bodyPr rtlCol="0" anchor="ctr"/>
-            <a:lstStyle/>
-            <a:p>
-              <a:pPr algn="ctr"/>
-              <a:endParaRPr lang="ko-KR" altLang="en-US"/>
-            </a:p>
-          </p:txBody>
-        </p:sp>
-        <p:sp>
-          <p:nvSpPr>
-            <p:cNvPr id="208" name="타원 207"/>
-            <p:cNvSpPr/>
-            <p:nvPr/>
-          </p:nvSpPr>
-          <p:spPr>
-            <a:xfrm>
-              <a:off x="1720799" y="936263"/>
-              <a:ext cx="399600" cy="397863"/>
-            </a:xfrm>
-            <a:prstGeom prst="ellipse">
-              <a:avLst/>
-            </a:prstGeom>
-            <a:grpFill/>
-            <a:ln w="22225">
-              <a:solidFill>
-                <a:schemeClr val="tx1"/>
-              </a:solidFill>
-            </a:ln>
-            <a:effectLst>
-              <a:outerShdw blurRad="50800" dist="38100" dir="2700000" algn="tl" rotWithShape="0">
-                <a:prstClr val="black">
-                  <a:alpha val="40000"/>
-                </a:prstClr>
-              </a:outerShdw>
-            </a:effectLst>
-          </p:spPr>
-          <p:style>
-            <a:lnRef idx="2">
-              <a:schemeClr val="accent1">
-                <a:shade val="50000"/>
-              </a:schemeClr>
-            </a:lnRef>
-            <a:fillRef idx="1">
-              <a:schemeClr val="accent1"/>
-            </a:fillRef>
-            <a:effectRef idx="0">
-              <a:schemeClr val="accent1"/>
-            </a:effectRef>
-            <a:fontRef idx="minor">
-              <a:schemeClr val="lt1"/>
-            </a:fontRef>
-          </p:style>
-          <p:txBody>
-            <a:bodyPr rtlCol="0" anchor="ctr"/>
-            <a:lstStyle/>
-            <a:p>
-              <a:pPr algn="ctr"/>
-              <a:endParaRPr lang="ko-KR" altLang="en-US"/>
-            </a:p>
-          </p:txBody>
-        </p:sp>
-        <p:sp>
-          <p:nvSpPr>
-            <p:cNvPr id="209" name="타원 208"/>
-            <p:cNvSpPr/>
-            <p:nvPr/>
-          </p:nvSpPr>
-          <p:spPr>
-            <a:xfrm>
-              <a:off x="2092837" y="1352193"/>
-              <a:ext cx="399600" cy="397863"/>
-            </a:xfrm>
-            <a:prstGeom prst="ellipse">
-              <a:avLst/>
-            </a:prstGeom>
-            <a:grpFill/>
-            <a:ln w="22225">
-              <a:solidFill>
-                <a:schemeClr val="tx1"/>
-              </a:solidFill>
-            </a:ln>
-            <a:effectLst>
-              <a:outerShdw blurRad="50800" dist="38100" dir="2700000" algn="tl" rotWithShape="0">
-                <a:prstClr val="black">
-                  <a:alpha val="40000"/>
-                </a:prstClr>
-              </a:outerShdw>
-            </a:effectLst>
-          </p:spPr>
-          <p:style>
-            <a:lnRef idx="2">
-              <a:schemeClr val="accent1">
-                <a:shade val="50000"/>
-              </a:schemeClr>
-            </a:lnRef>
-            <a:fillRef idx="1">
-              <a:schemeClr val="accent1"/>
-            </a:fillRef>
-            <a:effectRef idx="0">
-              <a:schemeClr val="accent1"/>
-            </a:effectRef>
-            <a:fontRef idx="minor">
-              <a:schemeClr val="lt1"/>
-            </a:fontRef>
-          </p:style>
-          <p:txBody>
-            <a:bodyPr rtlCol="0" anchor="ctr"/>
-            <a:lstStyle/>
-            <a:p>
-              <a:pPr algn="ctr"/>
-              <a:endParaRPr lang="ko-KR" altLang="en-US"/>
-            </a:p>
-          </p:txBody>
-        </p:sp>
-        <p:sp>
-          <p:nvSpPr>
-            <p:cNvPr id="210" name="타원 209"/>
-            <p:cNvSpPr/>
-            <p:nvPr/>
-          </p:nvSpPr>
-          <p:spPr>
-            <a:xfrm>
-              <a:off x="1720799" y="1965200"/>
-              <a:ext cx="399600" cy="397863"/>
-            </a:xfrm>
-            <a:prstGeom prst="ellipse">
-              <a:avLst/>
-            </a:prstGeom>
-            <a:grpFill/>
-            <a:ln w="22225">
-              <a:solidFill>
-                <a:schemeClr val="tx1"/>
-              </a:solidFill>
-            </a:ln>
-            <a:effectLst>
-              <a:outerShdw blurRad="50800" dist="38100" dir="2700000" algn="tl" rotWithShape="0">
-                <a:prstClr val="black">
-                  <a:alpha val="40000"/>
-                </a:prstClr>
-              </a:outerShdw>
-            </a:effectLst>
-          </p:spPr>
-          <p:style>
-            <a:lnRef idx="2">
-              <a:schemeClr val="accent1">
-                <a:shade val="50000"/>
-              </a:schemeClr>
-            </a:lnRef>
-            <a:fillRef idx="1">
-              <a:schemeClr val="accent1"/>
-            </a:fillRef>
-            <a:effectRef idx="0">
-              <a:schemeClr val="accent1"/>
-            </a:effectRef>
-            <a:fontRef idx="minor">
-              <a:schemeClr val="lt1"/>
-            </a:fontRef>
-          </p:style>
-          <p:txBody>
-            <a:bodyPr rtlCol="0" anchor="ctr"/>
-            <a:lstStyle/>
-            <a:p>
-              <a:pPr algn="ctr"/>
-              <a:endParaRPr lang="ko-KR" altLang="en-US"/>
-            </a:p>
-          </p:txBody>
-        </p:sp>
-        <p:sp>
-          <p:nvSpPr>
-            <p:cNvPr id="211" name="타원 210"/>
-            <p:cNvSpPr/>
-            <p:nvPr/>
-          </p:nvSpPr>
-          <p:spPr>
-            <a:xfrm>
-              <a:off x="2092837" y="2381130"/>
-              <a:ext cx="399600" cy="397863"/>
-            </a:xfrm>
-            <a:prstGeom prst="ellipse">
-              <a:avLst/>
-            </a:prstGeom>
-            <a:grpFill/>
-            <a:ln w="22225">
-              <a:solidFill>
-                <a:schemeClr val="tx1"/>
-              </a:solidFill>
-            </a:ln>
-            <a:effectLst>
-              <a:outerShdw blurRad="50800" dist="38100" dir="2700000" algn="tl" rotWithShape="0">
-                <a:prstClr val="black">
-                  <a:alpha val="40000"/>
-                </a:prstClr>
-              </a:outerShdw>
-            </a:effectLst>
-          </p:spPr>
-          <p:style>
-            <a:lnRef idx="2">
-              <a:schemeClr val="accent1">
-                <a:shade val="50000"/>
-              </a:schemeClr>
-            </a:lnRef>
-            <a:fillRef idx="1">
-              <a:schemeClr val="accent1"/>
-            </a:fillRef>
-            <a:effectRef idx="0">
-              <a:schemeClr val="accent1"/>
-            </a:effectRef>
-            <a:fontRef idx="minor">
-              <a:schemeClr val="lt1"/>
-            </a:fontRef>
-          </p:style>
-          <p:txBody>
-            <a:bodyPr rtlCol="0" anchor="ctr"/>
-            <a:lstStyle/>
-            <a:p>
-              <a:pPr algn="ctr"/>
-              <a:endParaRPr lang="ko-KR" altLang="en-US"/>
-            </a:p>
-          </p:txBody>
-        </p:sp>
-        <p:sp>
-          <p:nvSpPr>
-            <p:cNvPr id="212" name="타원 211"/>
-            <p:cNvSpPr/>
-            <p:nvPr/>
-          </p:nvSpPr>
-          <p:spPr>
-            <a:xfrm>
-              <a:off x="1720799" y="2994137"/>
-              <a:ext cx="399600" cy="397863"/>
-            </a:xfrm>
-            <a:prstGeom prst="ellipse">
-              <a:avLst/>
-            </a:prstGeom>
-            <a:grpFill/>
-            <a:ln w="22225">
-              <a:solidFill>
-                <a:schemeClr val="tx1"/>
-              </a:solidFill>
-            </a:ln>
-            <a:effectLst>
-              <a:outerShdw blurRad="50800" dist="38100" dir="2700000" algn="tl" rotWithShape="0">
-                <a:prstClr val="black">
-                  <a:alpha val="40000"/>
-                </a:prstClr>
-              </a:outerShdw>
-            </a:effectLst>
-          </p:spPr>
-          <p:style>
-            <a:lnRef idx="2">
-              <a:schemeClr val="accent1">
-                <a:shade val="50000"/>
-              </a:schemeClr>
-            </a:lnRef>
-            <a:fillRef idx="1">
-              <a:schemeClr val="accent1"/>
-            </a:fillRef>
-            <a:effectRef idx="0">
-              <a:schemeClr val="accent1"/>
-            </a:effectRef>
-            <a:fontRef idx="minor">
-              <a:schemeClr val="lt1"/>
-            </a:fontRef>
-          </p:style>
-          <p:txBody>
-            <a:bodyPr rtlCol="0" anchor="ctr"/>
-            <a:lstStyle/>
-            <a:p>
-              <a:pPr algn="ctr"/>
-              <a:endParaRPr lang="ko-KR" altLang="en-US"/>
-            </a:p>
-          </p:txBody>
-        </p:sp>
-        <p:sp>
-          <p:nvSpPr>
-            <p:cNvPr id="213" name="타원 212"/>
-            <p:cNvSpPr/>
-            <p:nvPr/>
-          </p:nvSpPr>
-          <p:spPr>
-            <a:xfrm>
-              <a:off x="2092837" y="3410067"/>
-              <a:ext cx="399600" cy="397863"/>
-            </a:xfrm>
-            <a:prstGeom prst="ellipse">
-              <a:avLst/>
-            </a:prstGeom>
-            <a:grpFill/>
-            <a:ln w="22225">
-              <a:solidFill>
-                <a:schemeClr val="tx1"/>
-              </a:solidFill>
-            </a:ln>
-            <a:effectLst>
-              <a:outerShdw blurRad="50800" dist="38100" dir="2700000" algn="tl" rotWithShape="0">
-                <a:prstClr val="black">
-                  <a:alpha val="40000"/>
-                </a:prstClr>
-              </a:outerShdw>
-            </a:effectLst>
-          </p:spPr>
-          <p:style>
-            <a:lnRef idx="2">
-              <a:schemeClr val="accent1">
-                <a:shade val="50000"/>
-              </a:schemeClr>
-            </a:lnRef>
-            <a:fillRef idx="1">
-              <a:schemeClr val="accent1"/>
-            </a:fillRef>
-            <a:effectRef idx="0">
-              <a:schemeClr val="accent1"/>
-            </a:effectRef>
-            <a:fontRef idx="minor">
-              <a:schemeClr val="lt1"/>
-            </a:fontRef>
-          </p:style>
-          <p:txBody>
-            <a:bodyPr rtlCol="0" anchor="ctr"/>
-            <a:lstStyle/>
-            <a:p>
-              <a:pPr algn="ctr"/>
-              <a:endParaRPr lang="ko-KR" altLang="en-US"/>
-            </a:p>
-          </p:txBody>
-        </p:sp>
-        <p:sp>
-          <p:nvSpPr>
-            <p:cNvPr id="214" name="타원 213"/>
-            <p:cNvSpPr/>
-            <p:nvPr/>
-          </p:nvSpPr>
-          <p:spPr>
-            <a:xfrm>
-              <a:off x="1720799" y="4023074"/>
-              <a:ext cx="399600" cy="397863"/>
-            </a:xfrm>
-            <a:prstGeom prst="ellipse">
-              <a:avLst/>
-            </a:prstGeom>
-            <a:grpFill/>
-            <a:ln w="22225">
-              <a:solidFill>
-                <a:schemeClr val="tx1"/>
-              </a:solidFill>
-            </a:ln>
-            <a:effectLst>
-              <a:outerShdw blurRad="50800" dist="38100" dir="2700000" algn="tl" rotWithShape="0">
-                <a:prstClr val="black">
-                  <a:alpha val="40000"/>
-                </a:prstClr>
-              </a:outerShdw>
-            </a:effectLst>
-          </p:spPr>
-          <p:style>
-            <a:lnRef idx="2">
-              <a:schemeClr val="accent1">
-                <a:shade val="50000"/>
-              </a:schemeClr>
-            </a:lnRef>
-            <a:fillRef idx="1">
-              <a:schemeClr val="accent1"/>
-            </a:fillRef>
-            <a:effectRef idx="0">
-              <a:schemeClr val="accent1"/>
-            </a:effectRef>
-            <a:fontRef idx="minor">
-              <a:schemeClr val="lt1"/>
-            </a:fontRef>
-          </p:style>
-          <p:txBody>
-            <a:bodyPr rtlCol="0" anchor="ctr"/>
-            <a:lstStyle/>
-            <a:p>
-              <a:pPr algn="ctr"/>
-              <a:endParaRPr lang="ko-KR" altLang="en-US"/>
-            </a:p>
-          </p:txBody>
-        </p:sp>
-        <p:sp>
-          <p:nvSpPr>
-            <p:cNvPr id="215" name="타원 214"/>
-            <p:cNvSpPr/>
-            <p:nvPr/>
-          </p:nvSpPr>
-          <p:spPr>
-            <a:xfrm>
-              <a:off x="2092837" y="4439004"/>
-              <a:ext cx="399600" cy="397863"/>
-            </a:xfrm>
-            <a:prstGeom prst="ellipse">
-              <a:avLst/>
-            </a:prstGeom>
-            <a:grpFill/>
-            <a:ln w="22225">
-              <a:solidFill>
-                <a:schemeClr val="tx1"/>
-              </a:solidFill>
-            </a:ln>
-            <a:effectLst>
-              <a:outerShdw blurRad="50800" dist="38100" dir="2700000" algn="tl" rotWithShape="0">
-                <a:prstClr val="black">
-                  <a:alpha val="40000"/>
-                </a:prstClr>
-              </a:outerShdw>
-            </a:effectLst>
-          </p:spPr>
-          <p:style>
-            <a:lnRef idx="2">
-              <a:schemeClr val="accent1">
-                <a:shade val="50000"/>
-              </a:schemeClr>
-            </a:lnRef>
-            <a:fillRef idx="1">
-              <a:schemeClr val="accent1"/>
-            </a:fillRef>
-            <a:effectRef idx="0">
-              <a:schemeClr val="accent1"/>
-            </a:effectRef>
-            <a:fontRef idx="minor">
-              <a:schemeClr val="lt1"/>
-            </a:fontRef>
-          </p:style>
-          <p:txBody>
-            <a:bodyPr rtlCol="0" anchor="ctr"/>
-            <a:lstStyle/>
-            <a:p>
-              <a:pPr algn="ctr"/>
-              <a:endParaRPr lang="ko-KR" altLang="en-US"/>
-            </a:p>
-          </p:txBody>
-        </p:sp>
-        <p:sp>
-          <p:nvSpPr>
-            <p:cNvPr id="216" name="타원 215"/>
-            <p:cNvSpPr/>
-            <p:nvPr/>
-          </p:nvSpPr>
-          <p:spPr>
-            <a:xfrm>
-              <a:off x="1720799" y="5052011"/>
-              <a:ext cx="399600" cy="397863"/>
-            </a:xfrm>
-            <a:prstGeom prst="ellipse">
-              <a:avLst/>
-            </a:prstGeom>
-            <a:grpFill/>
-            <a:ln w="22225">
-              <a:solidFill>
-                <a:schemeClr val="tx1"/>
-              </a:solidFill>
-            </a:ln>
-            <a:effectLst>
-              <a:outerShdw blurRad="50800" dist="38100" dir="2700000" algn="tl" rotWithShape="0">
-                <a:prstClr val="black">
-                  <a:alpha val="40000"/>
-                </a:prstClr>
-              </a:outerShdw>
-            </a:effectLst>
-          </p:spPr>
-          <p:style>
-            <a:lnRef idx="2">
-              <a:schemeClr val="accent1">
-                <a:shade val="50000"/>
-              </a:schemeClr>
-            </a:lnRef>
-            <a:fillRef idx="1">
-              <a:schemeClr val="accent1"/>
-            </a:fillRef>
-            <a:effectRef idx="0">
-              <a:schemeClr val="accent1"/>
-            </a:effectRef>
-            <a:fontRef idx="minor">
-              <a:schemeClr val="lt1"/>
-            </a:fontRef>
-          </p:style>
-          <p:txBody>
-            <a:bodyPr rtlCol="0" anchor="ctr"/>
-            <a:lstStyle/>
-            <a:p>
-              <a:pPr algn="ctr"/>
-              <a:endParaRPr lang="ko-KR" altLang="en-US"/>
-            </a:p>
-          </p:txBody>
-        </p:sp>
-        <p:sp>
-          <p:nvSpPr>
-            <p:cNvPr id="217" name="타원 216"/>
-            <p:cNvSpPr/>
-            <p:nvPr/>
-          </p:nvSpPr>
-          <p:spPr>
-            <a:xfrm>
-              <a:off x="2092837" y="5467941"/>
-              <a:ext cx="399600" cy="397863"/>
-            </a:xfrm>
-            <a:prstGeom prst="ellipse">
-              <a:avLst/>
-            </a:prstGeom>
-            <a:grpFill/>
-            <a:ln w="22225">
-              <a:solidFill>
-                <a:schemeClr val="tx1"/>
-              </a:solidFill>
-            </a:ln>
-            <a:effectLst>
-              <a:outerShdw blurRad="50800" dist="38100" dir="2700000" algn="tl" rotWithShape="0">
-                <a:prstClr val="black">
-                  <a:alpha val="40000"/>
-                </a:prstClr>
-              </a:outerShdw>
-            </a:effectLst>
-          </p:spPr>
-          <p:style>
-            <a:lnRef idx="2">
-              <a:schemeClr val="accent1">
-                <a:shade val="50000"/>
-              </a:schemeClr>
-            </a:lnRef>
-            <a:fillRef idx="1">
-              <a:schemeClr val="accent1"/>
-            </a:fillRef>
-            <a:effectRef idx="0">
-              <a:schemeClr val="accent1"/>
-            </a:effectRef>
-            <a:fontRef idx="minor">
-              <a:schemeClr val="lt1"/>
-            </a:fontRef>
-          </p:style>
-          <p:txBody>
-            <a:bodyPr rtlCol="0" anchor="ctr"/>
-            <a:lstStyle/>
-            <a:p>
-              <a:pPr algn="ctr"/>
-              <a:endParaRPr lang="ko-KR" altLang="en-US"/>
-            </a:p>
-          </p:txBody>
-        </p:sp>
-      </p:grpSp>
-      <p:sp>
-        <p:nvSpPr>
-          <p:cNvPr id="219" name="직사각형 218"/>
+      <p:sp>
+        <p:nvSpPr>
+          <p:cNvPr id="200" name="직사각형 199"/>
           <p:cNvSpPr/>
           <p:nvPr/>
         </p:nvSpPr>
         <p:spPr>
           <a:xfrm>
-            <a:off x="721122" y="1885365"/>
+            <a:off x="567923" y="2087550"/>
             <a:ext cx="436418" cy="2556164"/>
           </a:xfrm>
           <a:prstGeom prst="rect">
             <a:avLst/>
           </a:prstGeom>
           <a:solidFill>
-            <a:srgbClr val="EC7357"/>
+            <a:schemeClr val="bg1">
+              <a:lumMod val="85000"/>
+            </a:schemeClr>
           </a:solidFill>
           <a:ln w="22225">
             <a:solidFill>
@@ -7060,851 +3814,7 @@
           <a:lstStyle/>
           <a:p>
             <a:pPr algn="ctr"/>
-            <a:endParaRPr lang="ko-KR" altLang="en-US"/>
-          </a:p>
-        </p:txBody>
-      </p:sp>
-      <p:cxnSp>
-        <p:nvCxnSpPr>
-          <p:cNvPr id="221" name="직선 연결선 220"/>
-          <p:cNvCxnSpPr/>
-          <p:nvPr/>
-        </p:nvCxnSpPr>
-        <p:spPr>
-          <a:xfrm>
-            <a:off x="721122" y="2388916"/>
-            <a:ext cx="422348" cy="0"/>
-          </a:xfrm>
-          <a:prstGeom prst="line">
-            <a:avLst/>
-          </a:prstGeom>
-          <a:solidFill>
-            <a:srgbClr val="BCD6EE"/>
-          </a:solidFill>
-          <a:ln w="22225">
-            <a:solidFill>
-              <a:schemeClr val="tx1"/>
-            </a:solidFill>
-          </a:ln>
-          <a:effectLst>
-            <a:outerShdw blurRad="50800" dist="38100" dir="2700000" algn="tl" rotWithShape="0">
-              <a:prstClr val="black">
-                <a:alpha val="40000"/>
-              </a:prstClr>
-            </a:outerShdw>
-          </a:effectLst>
-        </p:spPr>
-        <p:style>
-          <a:lnRef idx="1">
-            <a:schemeClr val="accent1"/>
-          </a:lnRef>
-          <a:fillRef idx="0">
-            <a:schemeClr val="accent1"/>
-          </a:fillRef>
-          <a:effectRef idx="0">
-            <a:schemeClr val="accent1"/>
-          </a:effectRef>
-          <a:fontRef idx="minor">
-            <a:schemeClr val="tx1"/>
-          </a:fontRef>
-        </p:style>
-      </p:cxnSp>
-      <p:cxnSp>
-        <p:nvCxnSpPr>
-          <p:cNvPr id="222" name="직선 연결선 221"/>
-          <p:cNvCxnSpPr/>
-          <p:nvPr/>
-        </p:nvCxnSpPr>
-        <p:spPr>
-          <a:xfrm>
-            <a:off x="721122" y="2884216"/>
-            <a:ext cx="422348" cy="0"/>
-          </a:xfrm>
-          <a:prstGeom prst="line">
-            <a:avLst/>
-          </a:prstGeom>
-          <a:solidFill>
-            <a:srgbClr val="BCD6EE"/>
-          </a:solidFill>
-          <a:ln w="22225">
-            <a:solidFill>
-              <a:schemeClr val="tx1"/>
-            </a:solidFill>
-          </a:ln>
-          <a:effectLst>
-            <a:outerShdw blurRad="50800" dist="38100" dir="2700000" algn="tl" rotWithShape="0">
-              <a:prstClr val="black">
-                <a:alpha val="40000"/>
-              </a:prstClr>
-            </a:outerShdw>
-          </a:effectLst>
-        </p:spPr>
-        <p:style>
-          <a:lnRef idx="1">
-            <a:schemeClr val="accent1"/>
-          </a:lnRef>
-          <a:fillRef idx="0">
-            <a:schemeClr val="accent1"/>
-          </a:fillRef>
-          <a:effectRef idx="0">
-            <a:schemeClr val="accent1"/>
-          </a:effectRef>
-          <a:fontRef idx="minor">
-            <a:schemeClr val="tx1"/>
-          </a:fontRef>
-        </p:style>
-      </p:cxnSp>
-      <p:cxnSp>
-        <p:nvCxnSpPr>
-          <p:cNvPr id="223" name="직선 연결선 222"/>
-          <p:cNvCxnSpPr/>
-          <p:nvPr/>
-        </p:nvCxnSpPr>
-        <p:spPr>
-          <a:xfrm>
-            <a:off x="721122" y="3379516"/>
-            <a:ext cx="422348" cy="0"/>
-          </a:xfrm>
-          <a:prstGeom prst="line">
-            <a:avLst/>
-          </a:prstGeom>
-          <a:solidFill>
-            <a:srgbClr val="BCD6EE"/>
-          </a:solidFill>
-          <a:ln w="22225">
-            <a:solidFill>
-              <a:schemeClr val="tx1"/>
-            </a:solidFill>
-          </a:ln>
-          <a:effectLst>
-            <a:outerShdw blurRad="50800" dist="38100" dir="2700000" algn="tl" rotWithShape="0">
-              <a:prstClr val="black">
-                <a:alpha val="40000"/>
-              </a:prstClr>
-            </a:outerShdw>
-          </a:effectLst>
-        </p:spPr>
-        <p:style>
-          <a:lnRef idx="1">
-            <a:schemeClr val="accent1"/>
-          </a:lnRef>
-          <a:fillRef idx="0">
-            <a:schemeClr val="accent1"/>
-          </a:fillRef>
-          <a:effectRef idx="0">
-            <a:schemeClr val="accent1"/>
-          </a:effectRef>
-          <a:fontRef idx="minor">
-            <a:schemeClr val="tx1"/>
-          </a:fontRef>
-        </p:style>
-      </p:cxnSp>
-      <p:cxnSp>
-        <p:nvCxnSpPr>
-          <p:cNvPr id="224" name="직선 연결선 223"/>
-          <p:cNvCxnSpPr/>
-          <p:nvPr/>
-        </p:nvCxnSpPr>
-        <p:spPr>
-          <a:xfrm>
-            <a:off x="721122" y="3874816"/>
-            <a:ext cx="422348" cy="0"/>
-          </a:xfrm>
-          <a:prstGeom prst="line">
-            <a:avLst/>
-          </a:prstGeom>
-          <a:solidFill>
-            <a:srgbClr val="BCD6EE"/>
-          </a:solidFill>
-          <a:ln w="22225">
-            <a:solidFill>
-              <a:schemeClr val="tx1"/>
-            </a:solidFill>
-          </a:ln>
-          <a:effectLst>
-            <a:outerShdw blurRad="50800" dist="38100" dir="2700000" algn="tl" rotWithShape="0">
-              <a:prstClr val="black">
-                <a:alpha val="40000"/>
-              </a:prstClr>
-            </a:outerShdw>
-          </a:effectLst>
-        </p:spPr>
-        <p:style>
-          <a:lnRef idx="1">
-            <a:schemeClr val="accent1"/>
-          </a:lnRef>
-          <a:fillRef idx="0">
-            <a:schemeClr val="accent1"/>
-          </a:fillRef>
-          <a:effectRef idx="0">
-            <a:schemeClr val="accent1"/>
-          </a:effectRef>
-          <a:fontRef idx="minor">
-            <a:schemeClr val="tx1"/>
-          </a:fontRef>
-        </p:style>
-      </p:cxnSp>
-      <p:grpSp>
-        <p:nvGrpSpPr>
-          <p:cNvPr id="187" name="그룹 186"/>
-          <p:cNvGrpSpPr/>
-          <p:nvPr/>
-        </p:nvGrpSpPr>
-        <p:grpSpPr>
-          <a:xfrm>
-            <a:off x="1723314" y="485164"/>
-            <a:ext cx="1184563" cy="5579918"/>
-            <a:chOff x="1515619" y="679268"/>
-            <a:chExt cx="1184563" cy="5579918"/>
-          </a:xfrm>
-          <a:solidFill>
-            <a:srgbClr val="9F2121"/>
-          </a:solidFill>
-          <a:effectLst>
-            <a:outerShdw blurRad="50800" dist="38100" dir="2700000" algn="tl" rotWithShape="0">
-              <a:prstClr val="black">
-                <a:alpha val="40000"/>
-              </a:prstClr>
-            </a:outerShdw>
-          </a:effectLst>
-        </p:grpSpPr>
-        <p:sp>
-          <p:nvSpPr>
-            <p:cNvPr id="188" name="모서리가 둥근 직사각형 187"/>
-            <p:cNvSpPr/>
-            <p:nvPr/>
-          </p:nvSpPr>
-          <p:spPr>
-            <a:xfrm>
-              <a:off x="1515619" y="679268"/>
-              <a:ext cx="1184563" cy="5579918"/>
-            </a:xfrm>
-            <a:prstGeom prst="roundRect">
-              <a:avLst/>
-            </a:prstGeom>
-            <a:grpFill/>
-            <a:ln w="22225">
-              <a:solidFill>
-                <a:schemeClr val="tx1"/>
-              </a:solidFill>
-              <a:prstDash val="dash"/>
-            </a:ln>
-            <a:effectLst>
-              <a:outerShdw blurRad="50800" dist="38100" dir="2700000" algn="tl" rotWithShape="0">
-                <a:prstClr val="black">
-                  <a:alpha val="40000"/>
-                </a:prstClr>
-              </a:outerShdw>
-            </a:effectLst>
-          </p:spPr>
-          <p:style>
-            <a:lnRef idx="2">
-              <a:schemeClr val="accent1">
-                <a:shade val="50000"/>
-              </a:schemeClr>
-            </a:lnRef>
-            <a:fillRef idx="1">
-              <a:schemeClr val="accent1"/>
-            </a:fillRef>
-            <a:effectRef idx="0">
-              <a:schemeClr val="accent1"/>
-            </a:effectRef>
-            <a:fontRef idx="minor">
-              <a:schemeClr val="lt1"/>
-            </a:fontRef>
-          </p:style>
-          <p:txBody>
-            <a:bodyPr rtlCol="0" anchor="ctr"/>
-            <a:lstStyle/>
-            <a:p>
-              <a:pPr algn="ctr"/>
-              <a:endParaRPr lang="ko-KR" altLang="en-US"/>
-            </a:p>
-          </p:txBody>
-        </p:sp>
-        <p:sp>
-          <p:nvSpPr>
-            <p:cNvPr id="189" name="타원 188"/>
-            <p:cNvSpPr/>
-            <p:nvPr/>
-          </p:nvSpPr>
-          <p:spPr>
-            <a:xfrm>
-              <a:off x="1720799" y="936263"/>
-              <a:ext cx="399600" cy="397863"/>
-            </a:xfrm>
-            <a:prstGeom prst="ellipse">
-              <a:avLst/>
-            </a:prstGeom>
-            <a:grpFill/>
-            <a:ln w="22225">
-              <a:solidFill>
-                <a:schemeClr val="tx1"/>
-              </a:solidFill>
-            </a:ln>
-            <a:effectLst>
-              <a:outerShdw blurRad="50800" dist="38100" dir="2700000" algn="tl" rotWithShape="0">
-                <a:prstClr val="black">
-                  <a:alpha val="40000"/>
-                </a:prstClr>
-              </a:outerShdw>
-            </a:effectLst>
-          </p:spPr>
-          <p:style>
-            <a:lnRef idx="2">
-              <a:schemeClr val="accent1">
-                <a:shade val="50000"/>
-              </a:schemeClr>
-            </a:lnRef>
-            <a:fillRef idx="1">
-              <a:schemeClr val="accent1"/>
-            </a:fillRef>
-            <a:effectRef idx="0">
-              <a:schemeClr val="accent1"/>
-            </a:effectRef>
-            <a:fontRef idx="minor">
-              <a:schemeClr val="lt1"/>
-            </a:fontRef>
-          </p:style>
-          <p:txBody>
-            <a:bodyPr rtlCol="0" anchor="ctr"/>
-            <a:lstStyle/>
-            <a:p>
-              <a:pPr algn="ctr"/>
-              <a:endParaRPr lang="ko-KR" altLang="en-US"/>
-            </a:p>
-          </p:txBody>
-        </p:sp>
-        <p:sp>
-          <p:nvSpPr>
-            <p:cNvPr id="190" name="타원 189"/>
-            <p:cNvSpPr/>
-            <p:nvPr/>
-          </p:nvSpPr>
-          <p:spPr>
-            <a:xfrm>
-              <a:off x="2092837" y="1352193"/>
-              <a:ext cx="399600" cy="397863"/>
-            </a:xfrm>
-            <a:prstGeom prst="ellipse">
-              <a:avLst/>
-            </a:prstGeom>
-            <a:grpFill/>
-            <a:ln w="22225">
-              <a:solidFill>
-                <a:schemeClr val="tx1"/>
-              </a:solidFill>
-            </a:ln>
-            <a:effectLst>
-              <a:outerShdw blurRad="50800" dist="38100" dir="2700000" algn="tl" rotWithShape="0">
-                <a:prstClr val="black">
-                  <a:alpha val="40000"/>
-                </a:prstClr>
-              </a:outerShdw>
-            </a:effectLst>
-          </p:spPr>
-          <p:style>
-            <a:lnRef idx="2">
-              <a:schemeClr val="accent1">
-                <a:shade val="50000"/>
-              </a:schemeClr>
-            </a:lnRef>
-            <a:fillRef idx="1">
-              <a:schemeClr val="accent1"/>
-            </a:fillRef>
-            <a:effectRef idx="0">
-              <a:schemeClr val="accent1"/>
-            </a:effectRef>
-            <a:fontRef idx="minor">
-              <a:schemeClr val="lt1"/>
-            </a:fontRef>
-          </p:style>
-          <p:txBody>
-            <a:bodyPr rtlCol="0" anchor="ctr"/>
-            <a:lstStyle/>
-            <a:p>
-              <a:pPr algn="ctr"/>
-              <a:endParaRPr lang="ko-KR" altLang="en-US"/>
-            </a:p>
-          </p:txBody>
-        </p:sp>
-        <p:sp>
-          <p:nvSpPr>
-            <p:cNvPr id="191" name="타원 190"/>
-            <p:cNvSpPr/>
-            <p:nvPr/>
-          </p:nvSpPr>
-          <p:spPr>
-            <a:xfrm>
-              <a:off x="1720799" y="1965200"/>
-              <a:ext cx="399600" cy="397863"/>
-            </a:xfrm>
-            <a:prstGeom prst="ellipse">
-              <a:avLst/>
-            </a:prstGeom>
-            <a:grpFill/>
-            <a:ln w="22225">
-              <a:solidFill>
-                <a:schemeClr val="tx1"/>
-              </a:solidFill>
-            </a:ln>
-            <a:effectLst>
-              <a:outerShdw blurRad="50800" dist="38100" dir="2700000" algn="tl" rotWithShape="0">
-                <a:prstClr val="black">
-                  <a:alpha val="40000"/>
-                </a:prstClr>
-              </a:outerShdw>
-            </a:effectLst>
-          </p:spPr>
-          <p:style>
-            <a:lnRef idx="2">
-              <a:schemeClr val="accent1">
-                <a:shade val="50000"/>
-              </a:schemeClr>
-            </a:lnRef>
-            <a:fillRef idx="1">
-              <a:schemeClr val="accent1"/>
-            </a:fillRef>
-            <a:effectRef idx="0">
-              <a:schemeClr val="accent1"/>
-            </a:effectRef>
-            <a:fontRef idx="minor">
-              <a:schemeClr val="lt1"/>
-            </a:fontRef>
-          </p:style>
-          <p:txBody>
-            <a:bodyPr rtlCol="0" anchor="ctr"/>
-            <a:lstStyle/>
-            <a:p>
-              <a:pPr algn="ctr"/>
-              <a:endParaRPr lang="ko-KR" altLang="en-US"/>
-            </a:p>
-          </p:txBody>
-        </p:sp>
-        <p:sp>
-          <p:nvSpPr>
-            <p:cNvPr id="192" name="타원 191"/>
-            <p:cNvSpPr/>
-            <p:nvPr/>
-          </p:nvSpPr>
-          <p:spPr>
-            <a:xfrm>
-              <a:off x="2092837" y="2381130"/>
-              <a:ext cx="399600" cy="397863"/>
-            </a:xfrm>
-            <a:prstGeom prst="ellipse">
-              <a:avLst/>
-            </a:prstGeom>
-            <a:grpFill/>
-            <a:ln w="22225">
-              <a:solidFill>
-                <a:schemeClr val="tx1"/>
-              </a:solidFill>
-            </a:ln>
-            <a:effectLst>
-              <a:outerShdw blurRad="50800" dist="38100" dir="2700000" algn="tl" rotWithShape="0">
-                <a:prstClr val="black">
-                  <a:alpha val="40000"/>
-                </a:prstClr>
-              </a:outerShdw>
-            </a:effectLst>
-          </p:spPr>
-          <p:style>
-            <a:lnRef idx="2">
-              <a:schemeClr val="accent1">
-                <a:shade val="50000"/>
-              </a:schemeClr>
-            </a:lnRef>
-            <a:fillRef idx="1">
-              <a:schemeClr val="accent1"/>
-            </a:fillRef>
-            <a:effectRef idx="0">
-              <a:schemeClr val="accent1"/>
-            </a:effectRef>
-            <a:fontRef idx="minor">
-              <a:schemeClr val="lt1"/>
-            </a:fontRef>
-          </p:style>
-          <p:txBody>
-            <a:bodyPr rtlCol="0" anchor="ctr"/>
-            <a:lstStyle/>
-            <a:p>
-              <a:pPr algn="ctr"/>
-              <a:endParaRPr lang="ko-KR" altLang="en-US"/>
-            </a:p>
-          </p:txBody>
-        </p:sp>
-        <p:sp>
-          <p:nvSpPr>
-            <p:cNvPr id="193" name="타원 192"/>
-            <p:cNvSpPr/>
-            <p:nvPr/>
-          </p:nvSpPr>
-          <p:spPr>
-            <a:xfrm>
-              <a:off x="1720799" y="2994137"/>
-              <a:ext cx="399600" cy="397863"/>
-            </a:xfrm>
-            <a:prstGeom prst="ellipse">
-              <a:avLst/>
-            </a:prstGeom>
-            <a:grpFill/>
-            <a:ln w="22225">
-              <a:solidFill>
-                <a:schemeClr val="tx1"/>
-              </a:solidFill>
-            </a:ln>
-            <a:effectLst>
-              <a:outerShdw blurRad="50800" dist="38100" dir="2700000" algn="tl" rotWithShape="0">
-                <a:prstClr val="black">
-                  <a:alpha val="40000"/>
-                </a:prstClr>
-              </a:outerShdw>
-            </a:effectLst>
-          </p:spPr>
-          <p:style>
-            <a:lnRef idx="2">
-              <a:schemeClr val="accent1">
-                <a:shade val="50000"/>
-              </a:schemeClr>
-            </a:lnRef>
-            <a:fillRef idx="1">
-              <a:schemeClr val="accent1"/>
-            </a:fillRef>
-            <a:effectRef idx="0">
-              <a:schemeClr val="accent1"/>
-            </a:effectRef>
-            <a:fontRef idx="minor">
-              <a:schemeClr val="lt1"/>
-            </a:fontRef>
-          </p:style>
-          <p:txBody>
-            <a:bodyPr rtlCol="0" anchor="ctr"/>
-            <a:lstStyle/>
-            <a:p>
-              <a:pPr algn="ctr"/>
-              <a:endParaRPr lang="ko-KR" altLang="en-US"/>
-            </a:p>
-          </p:txBody>
-        </p:sp>
-        <p:sp>
-          <p:nvSpPr>
-            <p:cNvPr id="194" name="타원 193"/>
-            <p:cNvSpPr/>
-            <p:nvPr/>
-          </p:nvSpPr>
-          <p:spPr>
-            <a:xfrm>
-              <a:off x="2092837" y="3410067"/>
-              <a:ext cx="399600" cy="397863"/>
-            </a:xfrm>
-            <a:prstGeom prst="ellipse">
-              <a:avLst/>
-            </a:prstGeom>
-            <a:grpFill/>
-            <a:ln w="22225">
-              <a:solidFill>
-                <a:schemeClr val="tx1"/>
-              </a:solidFill>
-            </a:ln>
-            <a:effectLst>
-              <a:outerShdw blurRad="50800" dist="38100" dir="2700000" algn="tl" rotWithShape="0">
-                <a:prstClr val="black">
-                  <a:alpha val="40000"/>
-                </a:prstClr>
-              </a:outerShdw>
-            </a:effectLst>
-          </p:spPr>
-          <p:style>
-            <a:lnRef idx="2">
-              <a:schemeClr val="accent1">
-                <a:shade val="50000"/>
-              </a:schemeClr>
-            </a:lnRef>
-            <a:fillRef idx="1">
-              <a:schemeClr val="accent1"/>
-            </a:fillRef>
-            <a:effectRef idx="0">
-              <a:schemeClr val="accent1"/>
-            </a:effectRef>
-            <a:fontRef idx="minor">
-              <a:schemeClr val="lt1"/>
-            </a:fontRef>
-          </p:style>
-          <p:txBody>
-            <a:bodyPr rtlCol="0" anchor="ctr"/>
-            <a:lstStyle/>
-            <a:p>
-              <a:pPr algn="ctr"/>
-              <a:endParaRPr lang="ko-KR" altLang="en-US"/>
-            </a:p>
-          </p:txBody>
-        </p:sp>
-        <p:sp>
-          <p:nvSpPr>
-            <p:cNvPr id="195" name="타원 194"/>
-            <p:cNvSpPr/>
-            <p:nvPr/>
-          </p:nvSpPr>
-          <p:spPr>
-            <a:xfrm>
-              <a:off x="1720799" y="4023074"/>
-              <a:ext cx="399600" cy="397863"/>
-            </a:xfrm>
-            <a:prstGeom prst="ellipse">
-              <a:avLst/>
-            </a:prstGeom>
-            <a:grpFill/>
-            <a:ln w="22225">
-              <a:solidFill>
-                <a:schemeClr val="tx1"/>
-              </a:solidFill>
-            </a:ln>
-            <a:effectLst>
-              <a:outerShdw blurRad="50800" dist="38100" dir="2700000" algn="tl" rotWithShape="0">
-                <a:prstClr val="black">
-                  <a:alpha val="40000"/>
-                </a:prstClr>
-              </a:outerShdw>
-            </a:effectLst>
-          </p:spPr>
-          <p:style>
-            <a:lnRef idx="2">
-              <a:schemeClr val="accent1">
-                <a:shade val="50000"/>
-              </a:schemeClr>
-            </a:lnRef>
-            <a:fillRef idx="1">
-              <a:schemeClr val="accent1"/>
-            </a:fillRef>
-            <a:effectRef idx="0">
-              <a:schemeClr val="accent1"/>
-            </a:effectRef>
-            <a:fontRef idx="minor">
-              <a:schemeClr val="lt1"/>
-            </a:fontRef>
-          </p:style>
-          <p:txBody>
-            <a:bodyPr rtlCol="0" anchor="ctr"/>
-            <a:lstStyle/>
-            <a:p>
-              <a:pPr algn="ctr"/>
-              <a:endParaRPr lang="ko-KR" altLang="en-US"/>
-            </a:p>
-          </p:txBody>
-        </p:sp>
-        <p:sp>
-          <p:nvSpPr>
-            <p:cNvPr id="196" name="타원 195"/>
-            <p:cNvSpPr/>
-            <p:nvPr/>
-          </p:nvSpPr>
-          <p:spPr>
-            <a:xfrm>
-              <a:off x="2092837" y="4439004"/>
-              <a:ext cx="399600" cy="397863"/>
-            </a:xfrm>
-            <a:prstGeom prst="ellipse">
-              <a:avLst/>
-            </a:prstGeom>
-            <a:grpFill/>
-            <a:ln w="22225">
-              <a:solidFill>
-                <a:schemeClr val="tx1"/>
-              </a:solidFill>
-            </a:ln>
-            <a:effectLst>
-              <a:outerShdw blurRad="50800" dist="38100" dir="2700000" algn="tl" rotWithShape="0">
-                <a:prstClr val="black">
-                  <a:alpha val="40000"/>
-                </a:prstClr>
-              </a:outerShdw>
-            </a:effectLst>
-          </p:spPr>
-          <p:style>
-            <a:lnRef idx="2">
-              <a:schemeClr val="accent1">
-                <a:shade val="50000"/>
-              </a:schemeClr>
-            </a:lnRef>
-            <a:fillRef idx="1">
-              <a:schemeClr val="accent1"/>
-            </a:fillRef>
-            <a:effectRef idx="0">
-              <a:schemeClr val="accent1"/>
-            </a:effectRef>
-            <a:fontRef idx="minor">
-              <a:schemeClr val="lt1"/>
-            </a:fontRef>
-          </p:style>
-          <p:txBody>
-            <a:bodyPr rtlCol="0" anchor="ctr"/>
-            <a:lstStyle/>
-            <a:p>
-              <a:pPr algn="ctr"/>
-              <a:endParaRPr lang="ko-KR" altLang="en-US"/>
-            </a:p>
-          </p:txBody>
-        </p:sp>
-        <p:sp>
-          <p:nvSpPr>
-            <p:cNvPr id="197" name="타원 196"/>
-            <p:cNvSpPr/>
-            <p:nvPr/>
-          </p:nvSpPr>
-          <p:spPr>
-            <a:xfrm>
-              <a:off x="1720799" y="5052011"/>
-              <a:ext cx="399600" cy="397863"/>
-            </a:xfrm>
-            <a:prstGeom prst="ellipse">
-              <a:avLst/>
-            </a:prstGeom>
-            <a:grpFill/>
-            <a:ln w="22225">
-              <a:solidFill>
-                <a:schemeClr val="tx1"/>
-              </a:solidFill>
-            </a:ln>
-            <a:effectLst>
-              <a:outerShdw blurRad="50800" dist="38100" dir="2700000" algn="tl" rotWithShape="0">
-                <a:prstClr val="black">
-                  <a:alpha val="40000"/>
-                </a:prstClr>
-              </a:outerShdw>
-            </a:effectLst>
-          </p:spPr>
-          <p:style>
-            <a:lnRef idx="2">
-              <a:schemeClr val="accent1">
-                <a:shade val="50000"/>
-              </a:schemeClr>
-            </a:lnRef>
-            <a:fillRef idx="1">
-              <a:schemeClr val="accent1"/>
-            </a:fillRef>
-            <a:effectRef idx="0">
-              <a:schemeClr val="accent1"/>
-            </a:effectRef>
-            <a:fontRef idx="minor">
-              <a:schemeClr val="lt1"/>
-            </a:fontRef>
-          </p:style>
-          <p:txBody>
-            <a:bodyPr rtlCol="0" anchor="ctr"/>
-            <a:lstStyle/>
-            <a:p>
-              <a:pPr algn="ctr"/>
-              <a:endParaRPr lang="ko-KR" altLang="en-US"/>
-            </a:p>
-          </p:txBody>
-        </p:sp>
-        <p:sp>
-          <p:nvSpPr>
-            <p:cNvPr id="198" name="타원 197"/>
-            <p:cNvSpPr/>
-            <p:nvPr/>
-          </p:nvSpPr>
-          <p:spPr>
-            <a:xfrm>
-              <a:off x="2092837" y="5467941"/>
-              <a:ext cx="399600" cy="397863"/>
-            </a:xfrm>
-            <a:prstGeom prst="ellipse">
-              <a:avLst/>
-            </a:prstGeom>
-            <a:grpFill/>
-            <a:ln w="22225">
-              <a:solidFill>
-                <a:schemeClr val="tx1"/>
-              </a:solidFill>
-            </a:ln>
-            <a:effectLst>
-              <a:outerShdw blurRad="50800" dist="38100" dir="2700000" algn="tl" rotWithShape="0">
-                <a:prstClr val="black">
-                  <a:alpha val="40000"/>
-                </a:prstClr>
-              </a:outerShdw>
-            </a:effectLst>
-          </p:spPr>
-          <p:style>
-            <a:lnRef idx="2">
-              <a:schemeClr val="accent1">
-                <a:shade val="50000"/>
-              </a:schemeClr>
-            </a:lnRef>
-            <a:fillRef idx="1">
-              <a:schemeClr val="accent1"/>
-            </a:fillRef>
-            <a:effectRef idx="0">
-              <a:schemeClr val="accent1"/>
-            </a:effectRef>
-            <a:fontRef idx="minor">
-              <a:schemeClr val="lt1"/>
-            </a:fontRef>
-          </p:style>
-          <p:txBody>
-            <a:bodyPr rtlCol="0" anchor="ctr"/>
-            <a:lstStyle/>
-            <a:p>
-              <a:pPr algn="ctr"/>
-              <a:endParaRPr lang="ko-KR" altLang="en-US"/>
-            </a:p>
-          </p:txBody>
-        </p:sp>
-      </p:grpSp>
-      <p:sp>
-        <p:nvSpPr>
-          <p:cNvPr id="200" name="직사각형 199"/>
-          <p:cNvSpPr/>
-          <p:nvPr/>
-        </p:nvSpPr>
-        <p:spPr>
-          <a:xfrm>
-            <a:off x="618723" y="1985950"/>
-            <a:ext cx="436418" cy="2556164"/>
-          </a:xfrm>
-          <a:prstGeom prst="rect">
-            <a:avLst/>
-          </a:prstGeom>
-          <a:solidFill>
-            <a:srgbClr val="9F2121"/>
-          </a:solidFill>
-          <a:ln w="22225">
-            <a:solidFill>
-              <a:schemeClr val="tx1"/>
-            </a:solidFill>
-          </a:ln>
-          <a:effectLst>
-            <a:outerShdw blurRad="50800" dist="38100" dir="2700000" algn="tl" rotWithShape="0">
-              <a:prstClr val="black">
-                <a:alpha val="40000"/>
-              </a:prstClr>
-            </a:outerShdw>
-          </a:effectLst>
-        </p:spPr>
-        <p:style>
-          <a:lnRef idx="2">
-            <a:schemeClr val="accent1">
-              <a:shade val="50000"/>
-            </a:schemeClr>
-          </a:lnRef>
-          <a:fillRef idx="1">
-            <a:schemeClr val="accent1"/>
-          </a:fillRef>
-          <a:effectRef idx="0">
-            <a:schemeClr val="accent1"/>
-          </a:effectRef>
-          <a:fontRef idx="minor">
-            <a:schemeClr val="lt1"/>
-          </a:fontRef>
-        </p:style>
-        <p:txBody>
-          <a:bodyPr rtlCol="0" anchor="ctr"/>
-          <a:lstStyle/>
-          <a:p>
-            <a:pPr algn="ctr"/>
-            <a:endParaRPr lang="ko-KR" altLang="en-US"/>
+            <a:endParaRPr lang="ko-KR" altLang="en-US" dirty="0"/>
           </a:p>
         </p:txBody>
       </p:sp>
@@ -7916,7 +3826,7 @@
         </p:nvCxnSpPr>
         <p:spPr>
           <a:xfrm>
-            <a:off x="618723" y="2489501"/>
+            <a:off x="567923" y="2591101"/>
             <a:ext cx="422348" cy="0"/>
           </a:xfrm>
           <a:prstGeom prst="line">
@@ -7961,7 +3871,7 @@
         </p:nvCxnSpPr>
         <p:spPr>
           <a:xfrm>
-            <a:off x="618723" y="2984801"/>
+            <a:off x="567923" y="3086401"/>
             <a:ext cx="422348" cy="0"/>
           </a:xfrm>
           <a:prstGeom prst="line">
@@ -8006,7 +3916,7 @@
         </p:nvCxnSpPr>
         <p:spPr>
           <a:xfrm>
-            <a:off x="618723" y="3480101"/>
+            <a:off x="567923" y="3581701"/>
             <a:ext cx="422348" cy="0"/>
           </a:xfrm>
           <a:prstGeom prst="line">
@@ -8051,7 +3961,7 @@
         </p:nvCxnSpPr>
         <p:spPr>
           <a:xfrm>
-            <a:off x="618723" y="3975401"/>
+            <a:off x="567923" y="4077001"/>
             <a:ext cx="422348" cy="0"/>
           </a:xfrm>
           <a:prstGeom prst="line">
@@ -9099,7 +5009,7 @@
         </p:nvSpPr>
         <p:spPr>
           <a:xfrm>
-            <a:off x="1620915" y="585749"/>
+            <a:off x="2056346" y="585749"/>
             <a:ext cx="1184563" cy="5579918"/>
           </a:xfrm>
           <a:prstGeom prst="roundRect">
@@ -9155,7 +5065,7 @@
         </p:nvSpPr>
         <p:spPr>
           <a:xfrm>
-            <a:off x="1826095" y="842744"/>
+            <a:off x="2261526" y="842744"/>
             <a:ext cx="399600" cy="397863"/>
           </a:xfrm>
           <a:prstGeom prst="ellipse">
@@ -9210,7 +5120,7 @@
         </p:nvSpPr>
         <p:spPr>
           <a:xfrm>
-            <a:off x="2198133" y="1258674"/>
+            <a:off x="2633564" y="1258674"/>
             <a:ext cx="399600" cy="397863"/>
           </a:xfrm>
           <a:prstGeom prst="ellipse">
@@ -9265,7 +5175,7 @@
         </p:nvSpPr>
         <p:spPr>
           <a:xfrm>
-            <a:off x="1826095" y="1871681"/>
+            <a:off x="2261526" y="1871681"/>
             <a:ext cx="399600" cy="397863"/>
           </a:xfrm>
           <a:prstGeom prst="ellipse">
@@ -9320,7 +5230,7 @@
         </p:nvSpPr>
         <p:spPr>
           <a:xfrm>
-            <a:off x="2198133" y="2287611"/>
+            <a:off x="2633564" y="2287611"/>
             <a:ext cx="399600" cy="397863"/>
           </a:xfrm>
           <a:prstGeom prst="ellipse">
@@ -9375,7 +5285,7 @@
         </p:nvSpPr>
         <p:spPr>
           <a:xfrm>
-            <a:off x="1826095" y="4958492"/>
+            <a:off x="2261526" y="4958492"/>
             <a:ext cx="399600" cy="397863"/>
           </a:xfrm>
           <a:prstGeom prst="ellipse">
@@ -9430,7 +5340,7 @@
         </p:nvSpPr>
         <p:spPr>
           <a:xfrm>
-            <a:off x="2198133" y="5374422"/>
+            <a:off x="2633564" y="5374422"/>
             <a:ext cx="399600" cy="397863"/>
           </a:xfrm>
           <a:prstGeom prst="ellipse">
@@ -9485,14 +5395,14 @@
         </p:nvSpPr>
         <p:spPr>
           <a:xfrm>
-            <a:off x="516324" y="2086535"/>
+            <a:off x="465524" y="2188135"/>
             <a:ext cx="436418" cy="2556164"/>
           </a:xfrm>
           <a:prstGeom prst="rect">
             <a:avLst/>
           </a:prstGeom>
           <a:solidFill>
-            <a:srgbClr val="F8FF6D"/>
+            <a:schemeClr val="bg1"/>
           </a:solidFill>
           <a:ln w="22225">
             <a:solidFill>
@@ -9540,7 +5450,7 @@
         </p:nvCxnSpPr>
         <p:spPr>
           <a:xfrm>
-            <a:off x="516324" y="2590086"/>
+            <a:off x="465524" y="2691686"/>
             <a:ext cx="422348" cy="0"/>
           </a:xfrm>
           <a:prstGeom prst="line">
@@ -9585,7 +5495,7 @@
         </p:nvCxnSpPr>
         <p:spPr>
           <a:xfrm>
-            <a:off x="516324" y="3085386"/>
+            <a:off x="465524" y="3186986"/>
             <a:ext cx="422348" cy="0"/>
           </a:xfrm>
           <a:prstGeom prst="line">
@@ -9630,7 +5540,7 @@
         </p:nvCxnSpPr>
         <p:spPr>
           <a:xfrm>
-            <a:off x="516324" y="3580686"/>
+            <a:off x="465524" y="3682286"/>
             <a:ext cx="422348" cy="0"/>
           </a:xfrm>
           <a:prstGeom prst="line">
@@ -9675,7 +5585,7 @@
         </p:nvCxnSpPr>
         <p:spPr>
           <a:xfrm>
-            <a:off x="516324" y="4075986"/>
+            <a:off x="465524" y="4177586"/>
             <a:ext cx="422348" cy="0"/>
           </a:xfrm>
           <a:prstGeom prst="line">
@@ -9714,18 +5624,18 @@
       </p:cxnSp>
       <p:cxnSp>
         <p:nvCxnSpPr>
-          <p:cNvPr id="24" name="꺾인 연결선 23"/>
+          <p:cNvPr id="35" name="직선 화살표 연결선 34"/>
           <p:cNvCxnSpPr>
-            <a:endCxn id="172" idx="2"/>
+            <a:endCxn id="173" idx="2"/>
           </p:cNvCxnSpPr>
           <p:nvPr/>
         </p:nvCxnSpPr>
         <p:spPr>
-          <a:xfrm rot="5400000" flipH="1" flipV="1">
-            <a:off x="882296" y="1364886"/>
-            <a:ext cx="1267008" cy="620589"/>
-          </a:xfrm>
-          <a:prstGeom prst="bentConnector2">
+          <a:xfrm flipV="1">
+            <a:off x="1212878" y="1457606"/>
+            <a:ext cx="1420686" cy="7846"/>
+          </a:xfrm>
+          <a:prstGeom prst="straightConnector1">
             <a:avLst/>
           </a:prstGeom>
           <a:ln w="19050">
@@ -9759,56 +5669,21 @@
       </p:cxnSp>
       <p:cxnSp>
         <p:nvCxnSpPr>
-          <p:cNvPr id="29" name="직선 연결선 28"/>
-          <p:cNvCxnSpPr/>
+          <p:cNvPr id="38" name="꺾인 연결선 37"/>
+          <p:cNvCxnSpPr>
+            <a:endCxn id="175" idx="2"/>
+          </p:cNvCxnSpPr>
           <p:nvPr/>
         </p:nvCxnSpPr>
         <p:spPr>
-          <a:xfrm flipH="1">
-            <a:off x="952742" y="2308684"/>
-            <a:ext cx="252763" cy="0"/>
-          </a:xfrm>
-          <a:prstGeom prst="line">
-            <a:avLst/>
-          </a:prstGeom>
-          <a:effectLst>
-            <a:outerShdw blurRad="50800" dist="38100" dir="2700000" algn="tl" rotWithShape="0">
-              <a:prstClr val="black">
-                <a:alpha val="40000"/>
-              </a:prstClr>
-            </a:outerShdw>
-          </a:effectLst>
-        </p:spPr>
-        <p:style>
-          <a:lnRef idx="1">
-            <a:schemeClr val="accent1"/>
-          </a:lnRef>
-          <a:fillRef idx="0">
-            <a:schemeClr val="accent1"/>
-          </a:fillRef>
-          <a:effectRef idx="0">
-            <a:schemeClr val="accent1"/>
-          </a:effectRef>
-          <a:fontRef idx="minor">
-            <a:schemeClr val="tx1"/>
-          </a:fontRef>
-        </p:style>
-      </p:cxnSp>
-      <p:cxnSp>
-        <p:nvCxnSpPr>
-          <p:cNvPr id="35" name="직선 화살표 연결선 34"/>
-          <p:cNvCxnSpPr>
-            <a:endCxn id="173" idx="2"/>
-          </p:cNvCxnSpPr>
-          <p:nvPr/>
-        </p:nvCxnSpPr>
-        <p:spPr>
           <a:xfrm flipV="1">
-            <a:off x="1214808" y="1457606"/>
-            <a:ext cx="983325" cy="11736"/>
-          </a:xfrm>
-          <a:prstGeom prst="straightConnector1">
-            <a:avLst/>
+            <a:off x="1251431" y="2070613"/>
+            <a:ext cx="1010095" cy="700861"/>
+          </a:xfrm>
+          <a:prstGeom prst="bentConnector3">
+            <a:avLst>
+              <a:gd name="adj1" fmla="val 50000"/>
+            </a:avLst>
           </a:prstGeom>
           <a:ln w="19050">
             <a:solidFill>
@@ -9841,21 +5716,17 @@
       </p:cxnSp>
       <p:cxnSp>
         <p:nvCxnSpPr>
-          <p:cNvPr id="38" name="꺾인 연결선 37"/>
-          <p:cNvCxnSpPr>
-            <a:endCxn id="175" idx="2"/>
-          </p:cNvCxnSpPr>
+          <p:cNvPr id="40" name="직선 화살표 연결선 39"/>
+          <p:cNvCxnSpPr/>
           <p:nvPr/>
         </p:nvCxnSpPr>
         <p:spPr>
-          <a:xfrm flipV="1">
-            <a:off x="938672" y="2070613"/>
-            <a:ext cx="887423" cy="733747"/>
-          </a:xfrm>
-          <a:prstGeom prst="bentConnector3">
-            <a:avLst>
-              <a:gd name="adj1" fmla="val 40340"/>
-            </a:avLst>
+          <a:xfrm>
+            <a:off x="1748465" y="2484688"/>
+            <a:ext cx="885600" cy="1855"/>
+          </a:xfrm>
+          <a:prstGeom prst="straightConnector1">
+            <a:avLst/>
           </a:prstGeom>
           <a:ln w="19050">
             <a:solidFill>
@@ -9886,21 +5757,79 @@
           </a:fontRef>
         </p:style>
       </p:cxnSp>
+      <p:sp>
+        <p:nvSpPr>
+          <p:cNvPr id="57" name="위쪽 화살표 56"/>
+          <p:cNvSpPr/>
+          <p:nvPr/>
+        </p:nvSpPr>
+        <p:spPr>
+          <a:xfrm>
+            <a:off x="2379589" y="1375030"/>
+            <a:ext cx="180000" cy="360000"/>
+          </a:xfrm>
+          <a:prstGeom prst="upArrow">
+            <a:avLst>
+              <a:gd name="adj1" fmla="val 44886"/>
+              <a:gd name="adj2" fmla="val 60228"/>
+            </a:avLst>
+          </a:prstGeom>
+          <a:solidFill>
+            <a:srgbClr val="1B202D"/>
+          </a:solidFill>
+          <a:ln>
+            <a:noFill/>
+          </a:ln>
+          <a:effectLst>
+            <a:outerShdw blurRad="50800" dist="38100" dir="2700000" algn="tl" rotWithShape="0">
+              <a:prstClr val="black">
+                <a:alpha val="40000"/>
+              </a:prstClr>
+            </a:outerShdw>
+          </a:effectLst>
+        </p:spPr>
+        <p:style>
+          <a:lnRef idx="2">
+            <a:schemeClr val="accent1">
+              <a:shade val="50000"/>
+            </a:schemeClr>
+          </a:lnRef>
+          <a:fillRef idx="1">
+            <a:schemeClr val="accent1"/>
+          </a:fillRef>
+          <a:effectRef idx="0">
+            <a:schemeClr val="accent1"/>
+          </a:effectRef>
+          <a:fontRef idx="minor">
+            <a:schemeClr val="lt1"/>
+          </a:fontRef>
+        </p:style>
+        <p:txBody>
+          <a:bodyPr rtlCol="0" anchor="ctr"/>
+          <a:lstStyle/>
+          <a:p>
+            <a:pPr algn="ctr"/>
+            <a:endParaRPr lang="ko-KR" altLang="en-US"/>
+          </a:p>
+        </p:txBody>
+      </p:sp>
       <p:cxnSp>
         <p:nvCxnSpPr>
-          <p:cNvPr id="40" name="직선 화살표 연결선 39"/>
+          <p:cNvPr id="51" name="꺾인 연결선 50"/>
           <p:cNvCxnSpPr>
-            <a:endCxn id="176" idx="2"/>
+            <a:endCxn id="182" idx="2"/>
           </p:cNvCxnSpPr>
           <p:nvPr/>
         </p:nvCxnSpPr>
         <p:spPr>
-          <a:xfrm flipV="1">
-            <a:off x="1289242" y="2486543"/>
-            <a:ext cx="908891" cy="11735"/>
-          </a:xfrm>
-          <a:prstGeom prst="straightConnector1">
-            <a:avLst/>
+          <a:xfrm>
+            <a:off x="1252895" y="4278673"/>
+            <a:ext cx="1380669" cy="1294681"/>
+          </a:xfrm>
+          <a:prstGeom prst="bentConnector3">
+            <a:avLst>
+              <a:gd name="adj1" fmla="val 38436"/>
+            </a:avLst>
           </a:prstGeom>
           <a:ln w="19050">
             <a:solidFill>
@@ -9931,22 +5860,62 @@
           </a:fontRef>
         </p:style>
       </p:cxnSp>
-      <p:sp>
-        <p:nvSpPr>
-          <p:cNvPr id="57" name="위쪽 화살표 56"/>
+      <p:cxnSp>
+        <p:nvCxnSpPr>
+          <p:cNvPr id="56" name="직선 화살표 연결선 55"/>
+          <p:cNvCxnSpPr/>
+          <p:nvPr/>
+        </p:nvCxnSpPr>
+        <p:spPr>
+          <a:xfrm>
+            <a:off x="1775592" y="5157348"/>
+            <a:ext cx="486000" cy="76"/>
+          </a:xfrm>
+          <a:prstGeom prst="straightConnector1">
+            <a:avLst/>
+          </a:prstGeom>
+          <a:ln w="19050">
+            <a:solidFill>
+              <a:schemeClr val="tx1"/>
+            </a:solidFill>
+            <a:tailEnd type="triangle"/>
+          </a:ln>
+          <a:effectLst>
+            <a:outerShdw blurRad="50800" dist="38100" dir="2700000" algn="tl" rotWithShape="0">
+              <a:prstClr val="black">
+                <a:alpha val="40000"/>
+              </a:prstClr>
+            </a:outerShdw>
+          </a:effectLst>
+        </p:spPr>
+        <p:style>
+          <a:lnRef idx="1">
+            <a:schemeClr val="accent1"/>
+          </a:lnRef>
+          <a:fillRef idx="0">
+            <a:schemeClr val="accent1"/>
+          </a:fillRef>
+          <a:effectRef idx="0">
+            <a:schemeClr val="accent1"/>
+          </a:effectRef>
+          <a:fontRef idx="minor">
+            <a:schemeClr val="tx1"/>
+          </a:fontRef>
+        </p:style>
+      </p:cxnSp>
+      <p:sp>
+        <p:nvSpPr>
+          <p:cNvPr id="58" name="아래쪽 화살표 57"/>
           <p:cNvSpPr/>
           <p:nvPr/>
         </p:nvSpPr>
         <p:spPr>
           <a:xfrm>
-            <a:off x="1944158" y="1375030"/>
+            <a:off x="2752364" y="1791187"/>
             <a:ext cx="180000" cy="360000"/>
           </a:xfrm>
-          <a:prstGeom prst="upArrow">
-            <a:avLst>
-              <a:gd name="adj1" fmla="val 44886"/>
-              <a:gd name="adj2" fmla="val 60228"/>
-            </a:avLst>
+          <a:prstGeom prst="downArrow">
+            <a:avLst/>
           </a:prstGeom>
           <a:solidFill>
             <a:srgbClr val="1B202D"/>
@@ -9987,151 +5956,6 @@
           </a:p>
         </p:txBody>
       </p:sp>
-      <p:cxnSp>
-        <p:nvCxnSpPr>
-          <p:cNvPr id="51" name="꺾인 연결선 50"/>
-          <p:cNvCxnSpPr>
-            <a:endCxn id="182" idx="2"/>
-          </p:cNvCxnSpPr>
-          <p:nvPr/>
-        </p:nvCxnSpPr>
-        <p:spPr>
-          <a:xfrm>
-            <a:off x="932296" y="4340944"/>
-            <a:ext cx="1265837" cy="1232410"/>
-          </a:xfrm>
-          <a:prstGeom prst="bentConnector3">
-            <a:avLst>
-              <a:gd name="adj1" fmla="val 22911"/>
-            </a:avLst>
-          </a:prstGeom>
-          <a:ln w="19050">
-            <a:solidFill>
-              <a:schemeClr val="tx1"/>
-            </a:solidFill>
-            <a:tailEnd type="triangle"/>
-          </a:ln>
-          <a:effectLst>
-            <a:outerShdw blurRad="50800" dist="38100" dir="2700000" algn="tl" rotWithShape="0">
-              <a:prstClr val="black">
-                <a:alpha val="40000"/>
-              </a:prstClr>
-            </a:outerShdw>
-          </a:effectLst>
-        </p:spPr>
-        <p:style>
-          <a:lnRef idx="1">
-            <a:schemeClr val="accent1"/>
-          </a:lnRef>
-          <a:fillRef idx="0">
-            <a:schemeClr val="accent1"/>
-          </a:fillRef>
-          <a:effectRef idx="0">
-            <a:schemeClr val="accent1"/>
-          </a:effectRef>
-          <a:fontRef idx="minor">
-            <a:schemeClr val="tx1"/>
-          </a:fontRef>
-        </p:style>
-      </p:cxnSp>
-      <p:cxnSp>
-        <p:nvCxnSpPr>
-          <p:cNvPr id="56" name="직선 화살표 연결선 55"/>
-          <p:cNvCxnSpPr>
-            <a:endCxn id="181" idx="2"/>
-          </p:cNvCxnSpPr>
-          <p:nvPr/>
-        </p:nvCxnSpPr>
-        <p:spPr>
-          <a:xfrm>
-            <a:off x="1228670" y="5155185"/>
-            <a:ext cx="597425" cy="2239"/>
-          </a:xfrm>
-          <a:prstGeom prst="straightConnector1">
-            <a:avLst/>
-          </a:prstGeom>
-          <a:ln w="19050">
-            <a:solidFill>
-              <a:schemeClr val="tx1"/>
-            </a:solidFill>
-            <a:tailEnd type="triangle"/>
-          </a:ln>
-          <a:effectLst>
-            <a:outerShdw blurRad="50800" dist="38100" dir="2700000" algn="tl" rotWithShape="0">
-              <a:prstClr val="black">
-                <a:alpha val="40000"/>
-              </a:prstClr>
-            </a:outerShdw>
-          </a:effectLst>
-        </p:spPr>
-        <p:style>
-          <a:lnRef idx="1">
-            <a:schemeClr val="accent1"/>
-          </a:lnRef>
-          <a:fillRef idx="0">
-            <a:schemeClr val="accent1"/>
-          </a:fillRef>
-          <a:effectRef idx="0">
-            <a:schemeClr val="accent1"/>
-          </a:effectRef>
-          <a:fontRef idx="minor">
-            <a:schemeClr val="tx1"/>
-          </a:fontRef>
-        </p:style>
-      </p:cxnSp>
-      <p:sp>
-        <p:nvSpPr>
-          <p:cNvPr id="58" name="아래쪽 화살표 57"/>
-          <p:cNvSpPr/>
-          <p:nvPr/>
-        </p:nvSpPr>
-        <p:spPr>
-          <a:xfrm>
-            <a:off x="2316933" y="1791187"/>
-            <a:ext cx="180000" cy="360000"/>
-          </a:xfrm>
-          <a:prstGeom prst="downArrow">
-            <a:avLst/>
-          </a:prstGeom>
-          <a:solidFill>
-            <a:srgbClr val="1B202D"/>
-          </a:solidFill>
-          <a:ln>
-            <a:noFill/>
-          </a:ln>
-          <a:effectLst>
-            <a:outerShdw blurRad="50800" dist="38100" dir="2700000" algn="tl" rotWithShape="0">
-              <a:prstClr val="black">
-                <a:alpha val="40000"/>
-              </a:prstClr>
-            </a:outerShdw>
-          </a:effectLst>
-        </p:spPr>
-        <p:style>
-          <a:lnRef idx="2">
-            <a:schemeClr val="accent1">
-              <a:shade val="50000"/>
-            </a:schemeClr>
-          </a:lnRef>
-          <a:fillRef idx="1">
-            <a:schemeClr val="accent1"/>
-          </a:fillRef>
-          <a:effectRef idx="0">
-            <a:schemeClr val="accent1"/>
-          </a:effectRef>
-          <a:fontRef idx="minor">
-            <a:schemeClr val="lt1"/>
-          </a:fontRef>
-        </p:style>
-        <p:txBody>
-          <a:bodyPr rtlCol="0" anchor="ctr"/>
-          <a:lstStyle/>
-          <a:p>
-            <a:pPr algn="ctr"/>
-            <a:endParaRPr lang="ko-KR" altLang="en-US"/>
-          </a:p>
-        </p:txBody>
-      </p:sp>
       <p:sp>
         <p:nvSpPr>
           <p:cNvPr id="336" name="모서리가 둥근 직사각형 335"/>
@@ -10140,8 +5964,8 @@
         </p:nvSpPr>
         <p:spPr>
           <a:xfrm>
-            <a:off x="5106233" y="585749"/>
-            <a:ext cx="1184563" cy="5579918"/>
+            <a:off x="5106233" y="116114"/>
+            <a:ext cx="1184563" cy="6437892"/>
           </a:xfrm>
           <a:prstGeom prst="roundRect">
             <a:avLst/>
@@ -10188,722 +6012,6 @@
           </a:p>
         </p:txBody>
       </p:sp>
-      <p:sp>
-        <p:nvSpPr>
-          <p:cNvPr id="337" name="타원 336"/>
-          <p:cNvSpPr/>
-          <p:nvPr/>
-        </p:nvSpPr>
-        <p:spPr>
-          <a:xfrm>
-            <a:off x="5311413" y="842744"/>
-            <a:ext cx="399600" cy="397863"/>
-          </a:xfrm>
-          <a:prstGeom prst="ellipse">
-            <a:avLst/>
-          </a:prstGeom>
-          <a:solidFill>
-            <a:srgbClr val="F1F0E2"/>
-          </a:solidFill>
-          <a:ln w="22225">
-            <a:solidFill>
-              <a:schemeClr val="tx1"/>
-            </a:solidFill>
-          </a:ln>
-          <a:effectLst>
-            <a:outerShdw blurRad="50800" dist="38100" dir="2700000" algn="tl" rotWithShape="0">
-              <a:prstClr val="black">
-                <a:alpha val="40000"/>
-              </a:prstClr>
-            </a:outerShdw>
-          </a:effectLst>
-        </p:spPr>
-        <p:style>
-          <a:lnRef idx="2">
-            <a:schemeClr val="accent1">
-              <a:shade val="50000"/>
-            </a:schemeClr>
-          </a:lnRef>
-          <a:fillRef idx="1">
-            <a:schemeClr val="accent1"/>
-          </a:fillRef>
-          <a:effectRef idx="0">
-            <a:schemeClr val="accent1"/>
-          </a:effectRef>
-          <a:fontRef idx="minor">
-            <a:schemeClr val="lt1"/>
-          </a:fontRef>
-        </p:style>
-        <p:txBody>
-          <a:bodyPr rtlCol="0" anchor="ctr"/>
-          <a:lstStyle/>
-          <a:p>
-            <a:pPr algn="ctr"/>
-            <a:endParaRPr lang="ko-KR" altLang="en-US"/>
-          </a:p>
-        </p:txBody>
-      </p:sp>
-      <p:sp>
-        <p:nvSpPr>
-          <p:cNvPr id="338" name="타원 337"/>
-          <p:cNvSpPr/>
-          <p:nvPr/>
-        </p:nvSpPr>
-        <p:spPr>
-          <a:xfrm>
-            <a:off x="5683451" y="1258674"/>
-            <a:ext cx="399600" cy="397863"/>
-          </a:xfrm>
-          <a:prstGeom prst="ellipse">
-            <a:avLst/>
-          </a:prstGeom>
-          <a:solidFill>
-            <a:srgbClr val="F1F0E2"/>
-          </a:solidFill>
-          <a:ln w="22225">
-            <a:solidFill>
-              <a:schemeClr val="tx1"/>
-            </a:solidFill>
-          </a:ln>
-          <a:effectLst>
-            <a:outerShdw blurRad="50800" dist="38100" dir="2700000" algn="tl" rotWithShape="0">
-              <a:prstClr val="black">
-                <a:alpha val="40000"/>
-              </a:prstClr>
-            </a:outerShdw>
-          </a:effectLst>
-        </p:spPr>
-        <p:style>
-          <a:lnRef idx="2">
-            <a:schemeClr val="accent1">
-              <a:shade val="50000"/>
-            </a:schemeClr>
-          </a:lnRef>
-          <a:fillRef idx="1">
-            <a:schemeClr val="accent1"/>
-          </a:fillRef>
-          <a:effectRef idx="0">
-            <a:schemeClr val="accent1"/>
-          </a:effectRef>
-          <a:fontRef idx="minor">
-            <a:schemeClr val="lt1"/>
-          </a:fontRef>
-        </p:style>
-        <p:txBody>
-          <a:bodyPr rtlCol="0" anchor="ctr"/>
-          <a:lstStyle/>
-          <a:p>
-            <a:pPr algn="ctr"/>
-            <a:endParaRPr lang="ko-KR" altLang="en-US"/>
-          </a:p>
-        </p:txBody>
-      </p:sp>
-      <p:sp>
-        <p:nvSpPr>
-          <p:cNvPr id="339" name="타원 338"/>
-          <p:cNvSpPr/>
-          <p:nvPr/>
-        </p:nvSpPr>
-        <p:spPr>
-          <a:xfrm>
-            <a:off x="5311413" y="1871681"/>
-            <a:ext cx="399600" cy="397863"/>
-          </a:xfrm>
-          <a:prstGeom prst="ellipse">
-            <a:avLst/>
-          </a:prstGeom>
-          <a:solidFill>
-            <a:srgbClr val="F1F0E2"/>
-          </a:solidFill>
-          <a:ln w="22225">
-            <a:solidFill>
-              <a:schemeClr val="tx1"/>
-            </a:solidFill>
-          </a:ln>
-          <a:effectLst>
-            <a:outerShdw blurRad="50800" dist="38100" dir="2700000" algn="tl" rotWithShape="0">
-              <a:prstClr val="black">
-                <a:alpha val="40000"/>
-              </a:prstClr>
-            </a:outerShdw>
-          </a:effectLst>
-        </p:spPr>
-        <p:style>
-          <a:lnRef idx="2">
-            <a:schemeClr val="accent1">
-              <a:shade val="50000"/>
-            </a:schemeClr>
-          </a:lnRef>
-          <a:fillRef idx="1">
-            <a:schemeClr val="accent1"/>
-          </a:fillRef>
-          <a:effectRef idx="0">
-            <a:schemeClr val="accent1"/>
-          </a:effectRef>
-          <a:fontRef idx="minor">
-            <a:schemeClr val="lt1"/>
-          </a:fontRef>
-        </p:style>
-        <p:txBody>
-          <a:bodyPr rtlCol="0" anchor="ctr"/>
-          <a:lstStyle/>
-          <a:p>
-            <a:pPr algn="ctr"/>
-            <a:endParaRPr lang="ko-KR" altLang="en-US"/>
-          </a:p>
-        </p:txBody>
-      </p:sp>
-      <p:sp>
-        <p:nvSpPr>
-          <p:cNvPr id="340" name="타원 339"/>
-          <p:cNvSpPr/>
-          <p:nvPr/>
-        </p:nvSpPr>
-        <p:spPr>
-          <a:xfrm>
-            <a:off x="5683451" y="2287611"/>
-            <a:ext cx="399600" cy="397863"/>
-          </a:xfrm>
-          <a:prstGeom prst="ellipse">
-            <a:avLst/>
-          </a:prstGeom>
-          <a:solidFill>
-            <a:srgbClr val="F1F0E2"/>
-          </a:solidFill>
-          <a:ln w="22225">
-            <a:solidFill>
-              <a:schemeClr val="tx1"/>
-            </a:solidFill>
-          </a:ln>
-          <a:effectLst>
-            <a:outerShdw blurRad="50800" dist="38100" dir="2700000" algn="tl" rotWithShape="0">
-              <a:prstClr val="black">
-                <a:alpha val="40000"/>
-              </a:prstClr>
-            </a:outerShdw>
-          </a:effectLst>
-        </p:spPr>
-        <p:style>
-          <a:lnRef idx="2">
-            <a:schemeClr val="accent1">
-              <a:shade val="50000"/>
-            </a:schemeClr>
-          </a:lnRef>
-          <a:fillRef idx="1">
-            <a:schemeClr val="accent1"/>
-          </a:fillRef>
-          <a:effectRef idx="0">
-            <a:schemeClr val="accent1"/>
-          </a:effectRef>
-          <a:fontRef idx="minor">
-            <a:schemeClr val="lt1"/>
-          </a:fontRef>
-        </p:style>
-        <p:txBody>
-          <a:bodyPr rtlCol="0" anchor="ctr"/>
-          <a:lstStyle/>
-          <a:p>
-            <a:pPr algn="ctr"/>
-            <a:endParaRPr lang="ko-KR" altLang="en-US"/>
-          </a:p>
-        </p:txBody>
-      </p:sp>
-      <p:sp>
-        <p:nvSpPr>
-          <p:cNvPr id="345" name="타원 344"/>
-          <p:cNvSpPr/>
-          <p:nvPr/>
-        </p:nvSpPr>
-        <p:spPr>
-          <a:xfrm>
-            <a:off x="5311413" y="4958492"/>
-            <a:ext cx="399600" cy="397863"/>
-          </a:xfrm>
-          <a:prstGeom prst="ellipse">
-            <a:avLst/>
-          </a:prstGeom>
-          <a:solidFill>
-            <a:srgbClr val="F1F0E2"/>
-          </a:solidFill>
-          <a:ln w="22225">
-            <a:solidFill>
-              <a:schemeClr val="tx1"/>
-            </a:solidFill>
-          </a:ln>
-          <a:effectLst>
-            <a:outerShdw blurRad="50800" dist="38100" dir="2700000" algn="tl" rotWithShape="0">
-              <a:prstClr val="black">
-                <a:alpha val="40000"/>
-              </a:prstClr>
-            </a:outerShdw>
-          </a:effectLst>
-        </p:spPr>
-        <p:style>
-          <a:lnRef idx="2">
-            <a:schemeClr val="accent1">
-              <a:shade val="50000"/>
-            </a:schemeClr>
-          </a:lnRef>
-          <a:fillRef idx="1">
-            <a:schemeClr val="accent1"/>
-          </a:fillRef>
-          <a:effectRef idx="0">
-            <a:schemeClr val="accent1"/>
-          </a:effectRef>
-          <a:fontRef idx="minor">
-            <a:schemeClr val="lt1"/>
-          </a:fontRef>
-        </p:style>
-        <p:txBody>
-          <a:bodyPr rtlCol="0" anchor="ctr"/>
-          <a:lstStyle/>
-          <a:p>
-            <a:pPr algn="ctr"/>
-            <a:endParaRPr lang="ko-KR" altLang="en-US"/>
-          </a:p>
-        </p:txBody>
-      </p:sp>
-      <p:sp>
-        <p:nvSpPr>
-          <p:cNvPr id="346" name="타원 345"/>
-          <p:cNvSpPr/>
-          <p:nvPr/>
-        </p:nvSpPr>
-        <p:spPr>
-          <a:xfrm>
-            <a:off x="5683451" y="5374422"/>
-            <a:ext cx="399600" cy="397863"/>
-          </a:xfrm>
-          <a:prstGeom prst="ellipse">
-            <a:avLst/>
-          </a:prstGeom>
-          <a:solidFill>
-            <a:srgbClr val="F1F0E2"/>
-          </a:solidFill>
-          <a:ln w="22225">
-            <a:solidFill>
-              <a:schemeClr val="tx1"/>
-            </a:solidFill>
-          </a:ln>
-          <a:effectLst>
-            <a:outerShdw blurRad="50800" dist="38100" dir="2700000" algn="tl" rotWithShape="0">
-              <a:prstClr val="black">
-                <a:alpha val="40000"/>
-              </a:prstClr>
-            </a:outerShdw>
-          </a:effectLst>
-        </p:spPr>
-        <p:style>
-          <a:lnRef idx="2">
-            <a:schemeClr val="accent1">
-              <a:shade val="50000"/>
-            </a:schemeClr>
-          </a:lnRef>
-          <a:fillRef idx="1">
-            <a:schemeClr val="accent1"/>
-          </a:fillRef>
-          <a:effectRef idx="0">
-            <a:schemeClr val="accent1"/>
-          </a:effectRef>
-          <a:fontRef idx="minor">
-            <a:schemeClr val="lt1"/>
-          </a:fontRef>
-        </p:style>
-        <p:txBody>
-          <a:bodyPr rtlCol="0" anchor="ctr"/>
-          <a:lstStyle/>
-          <a:p>
-            <a:pPr algn="ctr"/>
-            <a:endParaRPr lang="ko-KR" altLang="en-US"/>
-          </a:p>
-        </p:txBody>
-      </p:sp>
-      <p:sp>
-        <p:nvSpPr>
-          <p:cNvPr id="355" name="모서리가 둥근 직사각형 354"/>
-          <p:cNvSpPr/>
-          <p:nvPr/>
-        </p:nvSpPr>
-        <p:spPr>
-          <a:xfrm>
-            <a:off x="8035656" y="585019"/>
-            <a:ext cx="1184563" cy="5579918"/>
-          </a:xfrm>
-          <a:prstGeom prst="roundRect">
-            <a:avLst/>
-          </a:prstGeom>
-          <a:solidFill>
-            <a:srgbClr val="EC986E"/>
-          </a:solidFill>
-          <a:ln w="22225">
-            <a:solidFill>
-              <a:schemeClr val="tx1"/>
-            </a:solidFill>
-            <a:prstDash val="dash"/>
-          </a:ln>
-          <a:effectLst>
-            <a:outerShdw blurRad="50800" dist="38100" dir="2700000" algn="tl" rotWithShape="0">
-              <a:prstClr val="black">
-                <a:alpha val="40000"/>
-              </a:prstClr>
-            </a:outerShdw>
-          </a:effectLst>
-        </p:spPr>
-        <p:style>
-          <a:lnRef idx="2">
-            <a:schemeClr val="accent1">
-              <a:shade val="50000"/>
-            </a:schemeClr>
-          </a:lnRef>
-          <a:fillRef idx="1">
-            <a:schemeClr val="accent1"/>
-          </a:fillRef>
-          <a:effectRef idx="0">
-            <a:schemeClr val="accent1"/>
-          </a:effectRef>
-          <a:fontRef idx="minor">
-            <a:schemeClr val="lt1"/>
-          </a:fontRef>
-        </p:style>
-        <p:txBody>
-          <a:bodyPr rtlCol="0" anchor="ctr"/>
-          <a:lstStyle/>
-          <a:p>
-            <a:pPr algn="ctr"/>
-            <a:endParaRPr lang="ko-KR" altLang="en-US"/>
-          </a:p>
-        </p:txBody>
-      </p:sp>
-      <p:sp>
-        <p:nvSpPr>
-          <p:cNvPr id="356" name="타원 355"/>
-          <p:cNvSpPr/>
-          <p:nvPr/>
-        </p:nvSpPr>
-        <p:spPr>
-          <a:xfrm>
-            <a:off x="8240836" y="842014"/>
-            <a:ext cx="399600" cy="397863"/>
-          </a:xfrm>
-          <a:prstGeom prst="ellipse">
-            <a:avLst/>
-          </a:prstGeom>
-          <a:solidFill>
-            <a:srgbClr val="F1F0E2"/>
-          </a:solidFill>
-          <a:ln w="22225">
-            <a:solidFill>
-              <a:schemeClr val="tx1"/>
-            </a:solidFill>
-          </a:ln>
-          <a:effectLst>
-            <a:outerShdw blurRad="50800" dist="38100" dir="2700000" algn="tl" rotWithShape="0">
-              <a:prstClr val="black">
-                <a:alpha val="40000"/>
-              </a:prstClr>
-            </a:outerShdw>
-          </a:effectLst>
-        </p:spPr>
-        <p:style>
-          <a:lnRef idx="2">
-            <a:schemeClr val="accent1">
-              <a:shade val="50000"/>
-            </a:schemeClr>
-          </a:lnRef>
-          <a:fillRef idx="1">
-            <a:schemeClr val="accent1"/>
-          </a:fillRef>
-          <a:effectRef idx="0">
-            <a:schemeClr val="accent1"/>
-          </a:effectRef>
-          <a:fontRef idx="minor">
-            <a:schemeClr val="lt1"/>
-          </a:fontRef>
-        </p:style>
-        <p:txBody>
-          <a:bodyPr rtlCol="0" anchor="ctr"/>
-          <a:lstStyle/>
-          <a:p>
-            <a:pPr algn="ctr"/>
-            <a:endParaRPr lang="ko-KR" altLang="en-US"/>
-          </a:p>
-        </p:txBody>
-      </p:sp>
-      <p:sp>
-        <p:nvSpPr>
-          <p:cNvPr id="357" name="타원 356"/>
-          <p:cNvSpPr/>
-          <p:nvPr/>
-        </p:nvSpPr>
-        <p:spPr>
-          <a:xfrm>
-            <a:off x="8612874" y="1257944"/>
-            <a:ext cx="399600" cy="397863"/>
-          </a:xfrm>
-          <a:prstGeom prst="ellipse">
-            <a:avLst/>
-          </a:prstGeom>
-          <a:solidFill>
-            <a:srgbClr val="F1F0E2"/>
-          </a:solidFill>
-          <a:ln w="22225">
-            <a:solidFill>
-              <a:schemeClr val="tx1"/>
-            </a:solidFill>
-          </a:ln>
-          <a:effectLst>
-            <a:outerShdw blurRad="50800" dist="38100" dir="2700000" algn="tl" rotWithShape="0">
-              <a:prstClr val="black">
-                <a:alpha val="40000"/>
-              </a:prstClr>
-            </a:outerShdw>
-          </a:effectLst>
-        </p:spPr>
-        <p:style>
-          <a:lnRef idx="2">
-            <a:schemeClr val="accent1">
-              <a:shade val="50000"/>
-            </a:schemeClr>
-          </a:lnRef>
-          <a:fillRef idx="1">
-            <a:schemeClr val="accent1"/>
-          </a:fillRef>
-          <a:effectRef idx="0">
-            <a:schemeClr val="accent1"/>
-          </a:effectRef>
-          <a:fontRef idx="minor">
-            <a:schemeClr val="lt1"/>
-          </a:fontRef>
-        </p:style>
-        <p:txBody>
-          <a:bodyPr rtlCol="0" anchor="ctr"/>
-          <a:lstStyle/>
-          <a:p>
-            <a:pPr algn="ctr"/>
-            <a:endParaRPr lang="ko-KR" altLang="en-US"/>
-          </a:p>
-        </p:txBody>
-      </p:sp>
-      <p:sp>
-        <p:nvSpPr>
-          <p:cNvPr id="358" name="타원 357"/>
-          <p:cNvSpPr/>
-          <p:nvPr/>
-        </p:nvSpPr>
-        <p:spPr>
-          <a:xfrm>
-            <a:off x="8240836" y="1870951"/>
-            <a:ext cx="399600" cy="397863"/>
-          </a:xfrm>
-          <a:prstGeom prst="ellipse">
-            <a:avLst/>
-          </a:prstGeom>
-          <a:solidFill>
-            <a:srgbClr val="F1F0E2"/>
-          </a:solidFill>
-          <a:ln w="22225">
-            <a:solidFill>
-              <a:schemeClr val="tx1"/>
-            </a:solidFill>
-          </a:ln>
-          <a:effectLst>
-            <a:outerShdw blurRad="50800" dist="38100" dir="2700000" algn="tl" rotWithShape="0">
-              <a:prstClr val="black">
-                <a:alpha val="40000"/>
-              </a:prstClr>
-            </a:outerShdw>
-          </a:effectLst>
-        </p:spPr>
-        <p:style>
-          <a:lnRef idx="2">
-            <a:schemeClr val="accent1">
-              <a:shade val="50000"/>
-            </a:schemeClr>
-          </a:lnRef>
-          <a:fillRef idx="1">
-            <a:schemeClr val="accent1"/>
-          </a:fillRef>
-          <a:effectRef idx="0">
-            <a:schemeClr val="accent1"/>
-          </a:effectRef>
-          <a:fontRef idx="minor">
-            <a:schemeClr val="lt1"/>
-          </a:fontRef>
-        </p:style>
-        <p:txBody>
-          <a:bodyPr rtlCol="0" anchor="ctr"/>
-          <a:lstStyle/>
-          <a:p>
-            <a:pPr algn="ctr"/>
-            <a:endParaRPr lang="ko-KR" altLang="en-US"/>
-          </a:p>
-        </p:txBody>
-      </p:sp>
-      <p:sp>
-        <p:nvSpPr>
-          <p:cNvPr id="359" name="타원 358"/>
-          <p:cNvSpPr/>
-          <p:nvPr/>
-        </p:nvSpPr>
-        <p:spPr>
-          <a:xfrm>
-            <a:off x="8612874" y="2286881"/>
-            <a:ext cx="399600" cy="397863"/>
-          </a:xfrm>
-          <a:prstGeom prst="ellipse">
-            <a:avLst/>
-          </a:prstGeom>
-          <a:solidFill>
-            <a:srgbClr val="F1F0E2"/>
-          </a:solidFill>
-          <a:ln w="22225">
-            <a:solidFill>
-              <a:schemeClr val="tx1"/>
-            </a:solidFill>
-          </a:ln>
-          <a:effectLst>
-            <a:outerShdw blurRad="50800" dist="38100" dir="2700000" algn="tl" rotWithShape="0">
-              <a:prstClr val="black">
-                <a:alpha val="40000"/>
-              </a:prstClr>
-            </a:outerShdw>
-          </a:effectLst>
-        </p:spPr>
-        <p:style>
-          <a:lnRef idx="2">
-            <a:schemeClr val="accent1">
-              <a:shade val="50000"/>
-            </a:schemeClr>
-          </a:lnRef>
-          <a:fillRef idx="1">
-            <a:schemeClr val="accent1"/>
-          </a:fillRef>
-          <a:effectRef idx="0">
-            <a:schemeClr val="accent1"/>
-          </a:effectRef>
-          <a:fontRef idx="minor">
-            <a:schemeClr val="lt1"/>
-          </a:fontRef>
-        </p:style>
-        <p:txBody>
-          <a:bodyPr rtlCol="0" anchor="ctr"/>
-          <a:lstStyle/>
-          <a:p>
-            <a:pPr algn="ctr"/>
-            <a:endParaRPr lang="ko-KR" altLang="en-US"/>
-          </a:p>
-        </p:txBody>
-      </p:sp>
-      <p:sp>
-        <p:nvSpPr>
-          <p:cNvPr id="364" name="타원 363"/>
-          <p:cNvSpPr/>
-          <p:nvPr/>
-        </p:nvSpPr>
-        <p:spPr>
-          <a:xfrm>
-            <a:off x="8240836" y="4957762"/>
-            <a:ext cx="399600" cy="397863"/>
-          </a:xfrm>
-          <a:prstGeom prst="ellipse">
-            <a:avLst/>
-          </a:prstGeom>
-          <a:solidFill>
-            <a:srgbClr val="F1F0E2"/>
-          </a:solidFill>
-          <a:ln w="22225">
-            <a:solidFill>
-              <a:schemeClr val="tx1"/>
-            </a:solidFill>
-          </a:ln>
-          <a:effectLst>
-            <a:outerShdw blurRad="50800" dist="38100" dir="2700000" algn="tl" rotWithShape="0">
-              <a:prstClr val="black">
-                <a:alpha val="40000"/>
-              </a:prstClr>
-            </a:outerShdw>
-          </a:effectLst>
-        </p:spPr>
-        <p:style>
-          <a:lnRef idx="2">
-            <a:schemeClr val="accent1">
-              <a:shade val="50000"/>
-            </a:schemeClr>
-          </a:lnRef>
-          <a:fillRef idx="1">
-            <a:schemeClr val="accent1"/>
-          </a:fillRef>
-          <a:effectRef idx="0">
-            <a:schemeClr val="accent1"/>
-          </a:effectRef>
-          <a:fontRef idx="minor">
-            <a:schemeClr val="lt1"/>
-          </a:fontRef>
-        </p:style>
-        <p:txBody>
-          <a:bodyPr rtlCol="0" anchor="ctr"/>
-          <a:lstStyle/>
-          <a:p>
-            <a:pPr algn="ctr"/>
-            <a:endParaRPr lang="ko-KR" altLang="en-US"/>
-          </a:p>
-        </p:txBody>
-      </p:sp>
-      <p:sp>
-        <p:nvSpPr>
-          <p:cNvPr id="365" name="타원 364"/>
-          <p:cNvSpPr/>
-          <p:nvPr/>
-        </p:nvSpPr>
-        <p:spPr>
-          <a:xfrm>
-            <a:off x="8612874" y="5373692"/>
-            <a:ext cx="399600" cy="397863"/>
-          </a:xfrm>
-          <a:prstGeom prst="ellipse">
-            <a:avLst/>
-          </a:prstGeom>
-          <a:solidFill>
-            <a:srgbClr val="F1F0E2"/>
-          </a:solidFill>
-          <a:ln w="22225">
-            <a:solidFill>
-              <a:schemeClr val="tx1"/>
-            </a:solidFill>
-          </a:ln>
-          <a:effectLst>
-            <a:outerShdw blurRad="50800" dist="38100" dir="2700000" algn="tl" rotWithShape="0">
-              <a:prstClr val="black">
-                <a:alpha val="40000"/>
-              </a:prstClr>
-            </a:outerShdw>
-          </a:effectLst>
-        </p:spPr>
-        <p:style>
-          <a:lnRef idx="2">
-            <a:schemeClr val="accent1">
-              <a:shade val="50000"/>
-            </a:schemeClr>
-          </a:lnRef>
-          <a:fillRef idx="1">
-            <a:schemeClr val="accent1"/>
-          </a:fillRef>
-          <a:effectRef idx="0">
-            <a:schemeClr val="accent1"/>
-          </a:effectRef>
-          <a:fontRef idx="minor">
-            <a:schemeClr val="lt1"/>
-          </a:fontRef>
-        </p:style>
-        <p:txBody>
-          <a:bodyPr rtlCol="0" anchor="ctr"/>
-          <a:lstStyle/>
-          <a:p>
-            <a:pPr algn="ctr"/>
-            <a:endParaRPr lang="ko-KR" altLang="en-US"/>
-          </a:p>
-        </p:txBody>
-      </p:sp>
       <p:grpSp>
         <p:nvGrpSpPr>
           <p:cNvPr id="7" name="그룹 6"/>
@@ -10912,7 +6020,7 @@
         </p:nvGrpSpPr>
         <p:grpSpPr>
           <a:xfrm>
-            <a:off x="1949289" y="2960533"/>
+            <a:off x="2384720" y="2960533"/>
             <a:ext cx="508489" cy="1475301"/>
             <a:chOff x="6281086" y="-832802"/>
             <a:chExt cx="508489" cy="1475301"/>
@@ -11364,121 +6472,6 @@
           </p:txBody>
         </p:sp>
       </p:grpSp>
-      <p:grpSp>
-        <p:nvGrpSpPr>
-          <p:cNvPr id="245" name="그룹 244"/>
-          <p:cNvGrpSpPr/>
-          <p:nvPr/>
-        </p:nvGrpSpPr>
-        <p:grpSpPr>
-          <a:xfrm>
-            <a:off x="8396589" y="2899023"/>
-            <a:ext cx="508489" cy="1475301"/>
-            <a:chOff x="6281086" y="-832802"/>
-            <a:chExt cx="508489" cy="1475301"/>
-          </a:xfrm>
-          <a:effectLst>
-            <a:outerShdw blurRad="50800" dist="38100" dir="2700000" algn="tl" rotWithShape="0">
-              <a:prstClr val="black">
-                <a:alpha val="40000"/>
-              </a:prstClr>
-            </a:outerShdw>
-          </a:effectLst>
-        </p:grpSpPr>
-        <p:sp>
-          <p:nvSpPr>
-            <p:cNvPr id="246" name="TextBox 245"/>
-            <p:cNvSpPr txBox="1"/>
-            <p:nvPr/>
-          </p:nvSpPr>
-          <p:spPr>
-            <a:xfrm>
-              <a:off x="6283330" y="-832802"/>
-              <a:ext cx="506245" cy="769441"/>
-            </a:xfrm>
-            <a:prstGeom prst="rect">
-              <a:avLst/>
-            </a:prstGeom>
-            <a:noFill/>
-          </p:spPr>
-          <p:txBody>
-            <a:bodyPr wrap="square" rtlCol="0">
-              <a:spAutoFit/>
-            </a:bodyPr>
-            <a:lstStyle/>
-            <a:p>
-              <a:pPr algn="ctr"/>
-              <a:r>
-                <a:rPr lang="en-US" altLang="ko-KR" sz="4400" dirty="0" smtClean="0"/>
-                <a:t>.</a:t>
-              </a:r>
-              <a:endParaRPr lang="ko-KR" altLang="en-US" sz="4400" dirty="0"/>
-            </a:p>
-          </p:txBody>
-        </p:sp>
-        <p:sp>
-          <p:nvSpPr>
-            <p:cNvPr id="247" name="TextBox 246"/>
-            <p:cNvSpPr txBox="1"/>
-            <p:nvPr/>
-          </p:nvSpPr>
-          <p:spPr>
-            <a:xfrm>
-              <a:off x="6282208" y="-479872"/>
-              <a:ext cx="506245" cy="769441"/>
-            </a:xfrm>
-            <a:prstGeom prst="rect">
-              <a:avLst/>
-            </a:prstGeom>
-            <a:noFill/>
-          </p:spPr>
-          <p:txBody>
-            <a:bodyPr wrap="square" rtlCol="0">
-              <a:spAutoFit/>
-            </a:bodyPr>
-            <a:lstStyle/>
-            <a:p>
-              <a:pPr algn="ctr"/>
-              <a:r>
-                <a:rPr lang="en-US" altLang="ko-KR" sz="4400" dirty="0" smtClean="0"/>
-                <a:t>.</a:t>
-              </a:r>
-              <a:endParaRPr lang="ko-KR" altLang="en-US" sz="4400" dirty="0"/>
-            </a:p>
-          </p:txBody>
-        </p:sp>
-        <p:sp>
-          <p:nvSpPr>
-            <p:cNvPr id="248" name="TextBox 247"/>
-            <p:cNvSpPr txBox="1"/>
-            <p:nvPr/>
-          </p:nvSpPr>
-          <p:spPr>
-            <a:xfrm>
-              <a:off x="6281086" y="-126942"/>
-              <a:ext cx="506245" cy="769441"/>
-            </a:xfrm>
-            <a:prstGeom prst="rect">
-              <a:avLst/>
-            </a:prstGeom>
-            <a:noFill/>
-          </p:spPr>
-          <p:txBody>
-            <a:bodyPr wrap="square" rtlCol="0">
-              <a:spAutoFit/>
-            </a:bodyPr>
-            <a:lstStyle/>
-            <a:p>
-              <a:pPr algn="ctr"/>
-              <a:r>
-                <a:rPr lang="en-US" altLang="ko-KR" sz="4400" dirty="0" smtClean="0"/>
-                <a:t>.</a:t>
-              </a:r>
-              <a:endParaRPr lang="ko-KR" altLang="en-US" sz="4400" dirty="0"/>
-            </a:p>
-          </p:txBody>
-        </p:sp>
-      </p:grpSp>
       <p:cxnSp>
         <p:nvCxnSpPr>
           <p:cNvPr id="9" name="직선 화살표 연결선 8"/>
@@ -11570,56 +6563,18 @@
           </a:fontRef>
         </p:style>
       </p:cxnSp>
-      <p:sp>
-        <p:nvSpPr>
-          <p:cNvPr id="16" name="TextBox 15"/>
-          <p:cNvSpPr txBox="1"/>
-          <p:nvPr/>
-        </p:nvSpPr>
-        <p:spPr>
-          <a:xfrm rot="2175363">
-            <a:off x="2727803" y="562935"/>
-            <a:ext cx="675093" cy="1015663"/>
-          </a:xfrm>
-          <a:prstGeom prst="rect">
-            <a:avLst/>
-          </a:prstGeom>
-          <a:noFill/>
-          <a:effectLst>
-            <a:outerShdw blurRad="50800" dist="38100" dir="2700000" algn="tl" rotWithShape="0">
-              <a:prstClr val="black">
-                <a:alpha val="40000"/>
-              </a:prstClr>
-            </a:outerShdw>
-          </a:effectLst>
-        </p:spPr>
-        <p:txBody>
-          <a:bodyPr wrap="square" rtlCol="0">
-            <a:spAutoFit/>
-          </a:bodyPr>
-          <a:lstStyle/>
-          <a:p>
-            <a:pPr algn="ctr"/>
-            <a:r>
-              <a:rPr lang="en-US" altLang="ko-KR" sz="6000" dirty="0" smtClean="0"/>
-              <a:t>}</a:t>
-            </a:r>
-            <a:endParaRPr lang="ko-KR" altLang="en-US" sz="6000" dirty="0"/>
-          </a:p>
-        </p:txBody>
-      </p:sp>
       <p:cxnSp>
         <p:nvCxnSpPr>
-          <p:cNvPr id="250" name="직선 화살표 연결선 249"/>
+          <p:cNvPr id="22" name="직선 화살표 연결선 21"/>
           <p:cNvCxnSpPr>
-            <a:endCxn id="44" idx="2"/>
+            <a:endCxn id="36" idx="0"/>
           </p:cNvCxnSpPr>
           <p:nvPr/>
         </p:nvCxnSpPr>
         <p:spPr>
-          <a:xfrm>
-            <a:off x="3115799" y="1153747"/>
-            <a:ext cx="337540" cy="0"/>
+          <a:xfrm flipV="1">
+            <a:off x="4543566" y="760283"/>
+            <a:ext cx="741875" cy="323591"/>
           </a:xfrm>
           <a:prstGeom prst="straightConnector1">
             <a:avLst/>
@@ -11655,16 +6610,16 @@
       </p:cxnSp>
       <p:cxnSp>
         <p:nvCxnSpPr>
-          <p:cNvPr id="22" name="직선 화살표 연결선 21"/>
+          <p:cNvPr id="25" name="직선 화살표 연결선 24"/>
           <p:cNvCxnSpPr>
-            <a:endCxn id="337" idx="2"/>
+            <a:endCxn id="37" idx="0"/>
           </p:cNvCxnSpPr>
           <p:nvPr/>
         </p:nvCxnSpPr>
         <p:spPr>
-          <a:xfrm flipV="1">
-            <a:off x="4469478" y="1041676"/>
-            <a:ext cx="841935" cy="98346"/>
+          <a:xfrm>
+            <a:off x="4543567" y="1076607"/>
+            <a:ext cx="1190001" cy="373027"/>
           </a:xfrm>
           <a:prstGeom prst="straightConnector1">
             <a:avLst/>
@@ -11700,16 +6655,17 @@
       </p:cxnSp>
       <p:cxnSp>
         <p:nvCxnSpPr>
-          <p:cNvPr id="25" name="직선 화살표 연결선 24"/>
+          <p:cNvPr id="27" name="직선 화살표 연결선 26"/>
           <p:cNvCxnSpPr>
-            <a:endCxn id="338" idx="2"/>
+            <a:stCxn id="41" idx="2"/>
+            <a:endCxn id="92" idx="2"/>
           </p:cNvCxnSpPr>
           <p:nvPr/>
         </p:nvCxnSpPr>
         <p:spPr>
           <a:xfrm>
-            <a:off x="4478639" y="1134572"/>
-            <a:ext cx="1204812" cy="323034"/>
+            <a:off x="5644157" y="760283"/>
+            <a:ext cx="997592" cy="456966"/>
           </a:xfrm>
           <a:prstGeom prst="straightConnector1">
             <a:avLst/>
@@ -11745,17 +6701,17 @@
       </p:cxnSp>
       <p:cxnSp>
         <p:nvCxnSpPr>
-          <p:cNvPr id="27" name="직선 화살표 연결선 26"/>
+          <p:cNvPr id="30" name="직선 화살표 연결선 29"/>
           <p:cNvCxnSpPr>
-            <a:stCxn id="337" idx="6"/>
+            <a:stCxn id="282" idx="2"/>
             <a:endCxn id="92" idx="2"/>
           </p:cNvCxnSpPr>
           <p:nvPr/>
         </p:nvCxnSpPr>
         <p:spPr>
-          <a:xfrm>
-            <a:off x="5711013" y="1041676"/>
-            <a:ext cx="930736" cy="175573"/>
+          <a:xfrm flipV="1">
+            <a:off x="6092284" y="1217249"/>
+            <a:ext cx="549465" cy="232385"/>
           </a:xfrm>
           <a:prstGeom prst="straightConnector1">
             <a:avLst/>
@@ -11789,19 +6745,561 @@
           </a:fontRef>
         </p:style>
       </p:cxnSp>
+      <p:sp>
+        <p:nvSpPr>
+          <p:cNvPr id="251" name="위쪽 화살표 250"/>
+          <p:cNvSpPr/>
+          <p:nvPr/>
+        </p:nvSpPr>
+        <p:spPr>
+          <a:xfrm>
+            <a:off x="2380074" y="2392431"/>
+            <a:ext cx="180000" cy="360000"/>
+          </a:xfrm>
+          <a:prstGeom prst="upArrow">
+            <a:avLst>
+              <a:gd name="adj1" fmla="val 44886"/>
+              <a:gd name="adj2" fmla="val 60228"/>
+            </a:avLst>
+          </a:prstGeom>
+          <a:solidFill>
+            <a:srgbClr val="1B202D"/>
+          </a:solidFill>
+          <a:ln>
+            <a:noFill/>
+          </a:ln>
+          <a:effectLst>
+            <a:outerShdw blurRad="50800" dist="38100" dir="2700000" algn="tl" rotWithShape="0">
+              <a:prstClr val="black">
+                <a:alpha val="40000"/>
+              </a:prstClr>
+            </a:outerShdw>
+          </a:effectLst>
+        </p:spPr>
+        <p:style>
+          <a:lnRef idx="2">
+            <a:schemeClr val="accent1">
+              <a:shade val="50000"/>
+            </a:schemeClr>
+          </a:lnRef>
+          <a:fillRef idx="1">
+            <a:schemeClr val="accent1"/>
+          </a:fillRef>
+          <a:effectRef idx="0">
+            <a:schemeClr val="accent1"/>
+          </a:effectRef>
+          <a:fontRef idx="minor">
+            <a:schemeClr val="lt1"/>
+          </a:fontRef>
+        </p:style>
+        <p:txBody>
+          <a:bodyPr rtlCol="0" anchor="ctr"/>
+          <a:lstStyle/>
+          <a:p>
+            <a:pPr algn="ctr"/>
+            <a:endParaRPr lang="ko-KR" altLang="en-US"/>
+          </a:p>
+        </p:txBody>
+      </p:sp>
+      <p:sp>
+        <p:nvSpPr>
+          <p:cNvPr id="252" name="아래쪽 화살표 251"/>
+          <p:cNvSpPr/>
+          <p:nvPr/>
+        </p:nvSpPr>
+        <p:spPr>
+          <a:xfrm>
+            <a:off x="2752849" y="2808588"/>
+            <a:ext cx="180000" cy="360000"/>
+          </a:xfrm>
+          <a:prstGeom prst="downArrow">
+            <a:avLst/>
+          </a:prstGeom>
+          <a:solidFill>
+            <a:srgbClr val="1B202D"/>
+          </a:solidFill>
+          <a:ln>
+            <a:noFill/>
+          </a:ln>
+          <a:effectLst>
+            <a:outerShdw blurRad="50800" dist="38100" dir="2700000" algn="tl" rotWithShape="0">
+              <a:prstClr val="black">
+                <a:alpha val="40000"/>
+              </a:prstClr>
+            </a:outerShdw>
+          </a:effectLst>
+        </p:spPr>
+        <p:style>
+          <a:lnRef idx="2">
+            <a:schemeClr val="accent1">
+              <a:shade val="50000"/>
+            </a:schemeClr>
+          </a:lnRef>
+          <a:fillRef idx="1">
+            <a:schemeClr val="accent1"/>
+          </a:fillRef>
+          <a:effectRef idx="0">
+            <a:schemeClr val="accent1"/>
+          </a:effectRef>
+          <a:fontRef idx="minor">
+            <a:schemeClr val="lt1"/>
+          </a:fontRef>
+        </p:style>
+        <p:txBody>
+          <a:bodyPr rtlCol="0" anchor="ctr"/>
+          <a:lstStyle/>
+          <a:p>
+            <a:pPr algn="ctr"/>
+            <a:endParaRPr lang="ko-KR" altLang="en-US"/>
+          </a:p>
+        </p:txBody>
+      </p:sp>
+      <p:sp>
+        <p:nvSpPr>
+          <p:cNvPr id="254" name="위쪽 화살표 253"/>
+          <p:cNvSpPr/>
+          <p:nvPr/>
+        </p:nvSpPr>
+        <p:spPr>
+          <a:xfrm>
+            <a:off x="2380090" y="4505225"/>
+            <a:ext cx="180000" cy="360000"/>
+          </a:xfrm>
+          <a:prstGeom prst="upArrow">
+            <a:avLst>
+              <a:gd name="adj1" fmla="val 44886"/>
+              <a:gd name="adj2" fmla="val 60228"/>
+            </a:avLst>
+          </a:prstGeom>
+          <a:solidFill>
+            <a:srgbClr val="1B202D"/>
+          </a:solidFill>
+          <a:ln>
+            <a:noFill/>
+          </a:ln>
+          <a:effectLst>
+            <a:outerShdw blurRad="50800" dist="38100" dir="2700000" algn="tl" rotWithShape="0">
+              <a:prstClr val="black">
+                <a:alpha val="40000"/>
+              </a:prstClr>
+            </a:outerShdw>
+          </a:effectLst>
+        </p:spPr>
+        <p:style>
+          <a:lnRef idx="2">
+            <a:schemeClr val="accent1">
+              <a:shade val="50000"/>
+            </a:schemeClr>
+          </a:lnRef>
+          <a:fillRef idx="1">
+            <a:schemeClr val="accent1"/>
+          </a:fillRef>
+          <a:effectRef idx="0">
+            <a:schemeClr val="accent1"/>
+          </a:effectRef>
+          <a:fontRef idx="minor">
+            <a:schemeClr val="lt1"/>
+          </a:fontRef>
+        </p:style>
+        <p:txBody>
+          <a:bodyPr rtlCol="0" anchor="ctr"/>
+          <a:lstStyle/>
+          <a:p>
+            <a:pPr algn="ctr"/>
+            <a:endParaRPr lang="ko-KR" altLang="en-US"/>
+          </a:p>
+        </p:txBody>
+      </p:sp>
+      <p:sp>
+        <p:nvSpPr>
+          <p:cNvPr id="255" name="아래쪽 화살표 254"/>
+          <p:cNvSpPr/>
+          <p:nvPr/>
+        </p:nvSpPr>
+        <p:spPr>
+          <a:xfrm>
+            <a:off x="2752865" y="4921382"/>
+            <a:ext cx="180000" cy="360000"/>
+          </a:xfrm>
+          <a:prstGeom prst="downArrow">
+            <a:avLst/>
+          </a:prstGeom>
+          <a:solidFill>
+            <a:srgbClr val="1B202D"/>
+          </a:solidFill>
+          <a:ln>
+            <a:noFill/>
+          </a:ln>
+          <a:effectLst>
+            <a:outerShdw blurRad="50800" dist="38100" dir="2700000" algn="tl" rotWithShape="0">
+              <a:prstClr val="black">
+                <a:alpha val="40000"/>
+              </a:prstClr>
+            </a:outerShdw>
+          </a:effectLst>
+        </p:spPr>
+        <p:style>
+          <a:lnRef idx="2">
+            <a:schemeClr val="accent1">
+              <a:shade val="50000"/>
+            </a:schemeClr>
+          </a:lnRef>
+          <a:fillRef idx="1">
+            <a:schemeClr val="accent1"/>
+          </a:fillRef>
+          <a:effectRef idx="0">
+            <a:schemeClr val="accent1"/>
+          </a:effectRef>
+          <a:fontRef idx="minor">
+            <a:schemeClr val="lt1"/>
+          </a:fontRef>
+        </p:style>
+        <p:txBody>
+          <a:bodyPr rtlCol="0" anchor="ctr"/>
+          <a:lstStyle/>
+          <a:p>
+            <a:pPr algn="ctr"/>
+            <a:endParaRPr lang="ko-KR" altLang="en-US"/>
+          </a:p>
+        </p:txBody>
+      </p:sp>
+      <p:sp>
+        <p:nvSpPr>
+          <p:cNvPr id="256" name="위쪽 화살표 255"/>
+          <p:cNvSpPr/>
+          <p:nvPr/>
+        </p:nvSpPr>
+        <p:spPr>
+          <a:xfrm>
+            <a:off x="5365307" y="4061754"/>
+            <a:ext cx="180000" cy="360000"/>
+          </a:xfrm>
+          <a:prstGeom prst="upArrow">
+            <a:avLst>
+              <a:gd name="adj1" fmla="val 44886"/>
+              <a:gd name="adj2" fmla="val 60228"/>
+            </a:avLst>
+          </a:prstGeom>
+          <a:solidFill>
+            <a:srgbClr val="1B202D"/>
+          </a:solidFill>
+          <a:ln>
+            <a:noFill/>
+          </a:ln>
+          <a:effectLst>
+            <a:outerShdw blurRad="50800" dist="38100" dir="2700000" algn="tl" rotWithShape="0">
+              <a:prstClr val="black">
+                <a:alpha val="40000"/>
+              </a:prstClr>
+            </a:outerShdw>
+          </a:effectLst>
+        </p:spPr>
+        <p:style>
+          <a:lnRef idx="2">
+            <a:schemeClr val="accent1">
+              <a:shade val="50000"/>
+            </a:schemeClr>
+          </a:lnRef>
+          <a:fillRef idx="1">
+            <a:schemeClr val="accent1"/>
+          </a:fillRef>
+          <a:effectRef idx="0">
+            <a:schemeClr val="accent1"/>
+          </a:effectRef>
+          <a:fontRef idx="minor">
+            <a:schemeClr val="lt1"/>
+          </a:fontRef>
+        </p:style>
+        <p:txBody>
+          <a:bodyPr rtlCol="0" anchor="ctr"/>
+          <a:lstStyle/>
+          <a:p>
+            <a:pPr algn="ctr"/>
+            <a:endParaRPr lang="ko-KR" altLang="en-US"/>
+          </a:p>
+        </p:txBody>
+      </p:sp>
+      <p:sp>
+        <p:nvSpPr>
+          <p:cNvPr id="257" name="아래쪽 화살표 256"/>
+          <p:cNvSpPr/>
+          <p:nvPr/>
+        </p:nvSpPr>
+        <p:spPr>
+          <a:xfrm>
+            <a:off x="5792460" y="1810230"/>
+            <a:ext cx="180000" cy="360000"/>
+          </a:xfrm>
+          <a:prstGeom prst="downArrow">
+            <a:avLst/>
+          </a:prstGeom>
+          <a:solidFill>
+            <a:srgbClr val="1B202D"/>
+          </a:solidFill>
+          <a:ln>
+            <a:noFill/>
+          </a:ln>
+          <a:effectLst>
+            <a:outerShdw blurRad="50800" dist="38100" dir="2700000" algn="tl" rotWithShape="0">
+              <a:prstClr val="black">
+                <a:alpha val="40000"/>
+              </a:prstClr>
+            </a:outerShdw>
+          </a:effectLst>
+        </p:spPr>
+        <p:style>
+          <a:lnRef idx="2">
+            <a:schemeClr val="accent1">
+              <a:shade val="50000"/>
+            </a:schemeClr>
+          </a:lnRef>
+          <a:fillRef idx="1">
+            <a:schemeClr val="accent1"/>
+          </a:fillRef>
+          <a:effectRef idx="0">
+            <a:schemeClr val="accent1"/>
+          </a:effectRef>
+          <a:fontRef idx="minor">
+            <a:schemeClr val="lt1"/>
+          </a:fontRef>
+        </p:style>
+        <p:txBody>
+          <a:bodyPr rtlCol="0" anchor="ctr"/>
+          <a:lstStyle/>
+          <a:p>
+            <a:pPr algn="ctr"/>
+            <a:endParaRPr lang="ko-KR" altLang="en-US"/>
+          </a:p>
+        </p:txBody>
+      </p:sp>
+      <p:sp>
+        <p:nvSpPr>
+          <p:cNvPr id="261" name="위쪽 화살표 260"/>
+          <p:cNvSpPr/>
+          <p:nvPr/>
+        </p:nvSpPr>
+        <p:spPr>
+          <a:xfrm>
+            <a:off x="5420170" y="2411474"/>
+            <a:ext cx="180000" cy="360000"/>
+          </a:xfrm>
+          <a:prstGeom prst="upArrow">
+            <a:avLst>
+              <a:gd name="adj1" fmla="val 44886"/>
+              <a:gd name="adj2" fmla="val 60228"/>
+            </a:avLst>
+          </a:prstGeom>
+          <a:solidFill>
+            <a:srgbClr val="1B202D"/>
+          </a:solidFill>
+          <a:ln>
+            <a:noFill/>
+          </a:ln>
+          <a:effectLst>
+            <a:outerShdw blurRad="50800" dist="38100" dir="2700000" algn="tl" rotWithShape="0">
+              <a:prstClr val="black">
+                <a:alpha val="40000"/>
+              </a:prstClr>
+            </a:outerShdw>
+          </a:effectLst>
+        </p:spPr>
+        <p:style>
+          <a:lnRef idx="2">
+            <a:schemeClr val="accent1">
+              <a:shade val="50000"/>
+            </a:schemeClr>
+          </a:lnRef>
+          <a:fillRef idx="1">
+            <a:schemeClr val="accent1"/>
+          </a:fillRef>
+          <a:effectRef idx="0">
+            <a:schemeClr val="accent1"/>
+          </a:effectRef>
+          <a:fontRef idx="minor">
+            <a:schemeClr val="lt1"/>
+          </a:fontRef>
+        </p:style>
+        <p:txBody>
+          <a:bodyPr rtlCol="0" anchor="ctr"/>
+          <a:lstStyle/>
+          <a:p>
+            <a:pPr algn="ctr"/>
+            <a:endParaRPr lang="ko-KR" altLang="en-US"/>
+          </a:p>
+        </p:txBody>
+      </p:sp>
+      <p:sp>
+        <p:nvSpPr>
+          <p:cNvPr id="262" name="아래쪽 화살표 261"/>
+          <p:cNvSpPr/>
+          <p:nvPr/>
+        </p:nvSpPr>
+        <p:spPr>
+          <a:xfrm>
+            <a:off x="5792945" y="2827631"/>
+            <a:ext cx="180000" cy="360000"/>
+          </a:xfrm>
+          <a:prstGeom prst="downArrow">
+            <a:avLst/>
+          </a:prstGeom>
+          <a:solidFill>
+            <a:srgbClr val="1B202D"/>
+          </a:solidFill>
+          <a:ln>
+            <a:noFill/>
+          </a:ln>
+          <a:effectLst>
+            <a:outerShdw blurRad="50800" dist="38100" dir="2700000" algn="tl" rotWithShape="0">
+              <a:prstClr val="black">
+                <a:alpha val="40000"/>
+              </a:prstClr>
+            </a:outerShdw>
+          </a:effectLst>
+        </p:spPr>
+        <p:style>
+          <a:lnRef idx="2">
+            <a:schemeClr val="accent1">
+              <a:shade val="50000"/>
+            </a:schemeClr>
+          </a:lnRef>
+          <a:fillRef idx="1">
+            <a:schemeClr val="accent1"/>
+          </a:fillRef>
+          <a:effectRef idx="0">
+            <a:schemeClr val="accent1"/>
+          </a:effectRef>
+          <a:fontRef idx="minor">
+            <a:schemeClr val="lt1"/>
+          </a:fontRef>
+        </p:style>
+        <p:txBody>
+          <a:bodyPr rtlCol="0" anchor="ctr"/>
+          <a:lstStyle/>
+          <a:p>
+            <a:pPr algn="ctr"/>
+            <a:endParaRPr lang="ko-KR" altLang="en-US"/>
+          </a:p>
+        </p:txBody>
+      </p:sp>
+      <p:sp>
+        <p:nvSpPr>
+          <p:cNvPr id="264" name="위쪽 화살표 263"/>
+          <p:cNvSpPr/>
+          <p:nvPr/>
+        </p:nvSpPr>
+        <p:spPr>
+          <a:xfrm>
+            <a:off x="5420186" y="4524268"/>
+            <a:ext cx="180000" cy="360000"/>
+          </a:xfrm>
+          <a:prstGeom prst="upArrow">
+            <a:avLst>
+              <a:gd name="adj1" fmla="val 44886"/>
+              <a:gd name="adj2" fmla="val 60228"/>
+            </a:avLst>
+          </a:prstGeom>
+          <a:solidFill>
+            <a:srgbClr val="1B202D"/>
+          </a:solidFill>
+          <a:ln>
+            <a:noFill/>
+          </a:ln>
+          <a:effectLst>
+            <a:outerShdw blurRad="50800" dist="38100" dir="2700000" algn="tl" rotWithShape="0">
+              <a:prstClr val="black">
+                <a:alpha val="40000"/>
+              </a:prstClr>
+            </a:outerShdw>
+          </a:effectLst>
+        </p:spPr>
+        <p:style>
+          <a:lnRef idx="2">
+            <a:schemeClr val="accent1">
+              <a:shade val="50000"/>
+            </a:schemeClr>
+          </a:lnRef>
+          <a:fillRef idx="1">
+            <a:schemeClr val="accent1"/>
+          </a:fillRef>
+          <a:effectRef idx="0">
+            <a:schemeClr val="accent1"/>
+          </a:effectRef>
+          <a:fontRef idx="minor">
+            <a:schemeClr val="lt1"/>
+          </a:fontRef>
+        </p:style>
+        <p:txBody>
+          <a:bodyPr rtlCol="0" anchor="ctr"/>
+          <a:lstStyle/>
+          <a:p>
+            <a:pPr algn="ctr"/>
+            <a:endParaRPr lang="ko-KR" altLang="en-US"/>
+          </a:p>
+        </p:txBody>
+      </p:sp>
+      <p:sp>
+        <p:nvSpPr>
+          <p:cNvPr id="265" name="아래쪽 화살표 264"/>
+          <p:cNvSpPr/>
+          <p:nvPr/>
+        </p:nvSpPr>
+        <p:spPr>
+          <a:xfrm>
+            <a:off x="5792961" y="4940425"/>
+            <a:ext cx="180000" cy="360000"/>
+          </a:xfrm>
+          <a:prstGeom prst="downArrow">
+            <a:avLst/>
+          </a:prstGeom>
+          <a:solidFill>
+            <a:srgbClr val="1B202D"/>
+          </a:solidFill>
+          <a:ln>
+            <a:noFill/>
+          </a:ln>
+          <a:effectLst>
+            <a:outerShdw blurRad="50800" dist="38100" dir="2700000" algn="tl" rotWithShape="0">
+              <a:prstClr val="black">
+                <a:alpha val="40000"/>
+              </a:prstClr>
+            </a:outerShdw>
+          </a:effectLst>
+        </p:spPr>
+        <p:style>
+          <a:lnRef idx="2">
+            <a:schemeClr val="accent1">
+              <a:shade val="50000"/>
+            </a:schemeClr>
+          </a:lnRef>
+          <a:fillRef idx="1">
+            <a:schemeClr val="accent1"/>
+          </a:fillRef>
+          <a:effectRef idx="0">
+            <a:schemeClr val="accent1"/>
+          </a:effectRef>
+          <a:fontRef idx="minor">
+            <a:schemeClr val="lt1"/>
+          </a:fontRef>
+        </p:style>
+        <p:txBody>
+          <a:bodyPr rtlCol="0" anchor="ctr"/>
+          <a:lstStyle/>
+          <a:p>
+            <a:pPr algn="ctr"/>
+            <a:endParaRPr lang="ko-KR" altLang="en-US"/>
+          </a:p>
+        </p:txBody>
+      </p:sp>
       <p:cxnSp>
         <p:nvCxnSpPr>
-          <p:cNvPr id="30" name="직선 화살표 연결선 29"/>
-          <p:cNvCxnSpPr>
-            <a:stCxn id="338" idx="6"/>
-            <a:endCxn id="92" idx="2"/>
-          </p:cNvCxnSpPr>
+          <p:cNvPr id="303" name="직선 화살표 연결선 302"/>
+          <p:cNvCxnSpPr/>
           <p:nvPr/>
         </p:nvCxnSpPr>
         <p:spPr>
-          <a:xfrm flipV="1">
-            <a:off x="6083051" y="1217249"/>
-            <a:ext cx="558698" cy="240357"/>
+          <a:xfrm>
+            <a:off x="3721616" y="2182013"/>
+            <a:ext cx="288000" cy="0"/>
           </a:xfrm>
           <a:prstGeom prst="straightConnector1">
             <a:avLst/>
@@ -11837,17 +7335,14 @@
       </p:cxnSp>
       <p:cxnSp>
         <p:nvCxnSpPr>
-          <p:cNvPr id="32" name="직선 화살표 연결선 31"/>
-          <p:cNvCxnSpPr>
-            <a:stCxn id="4" idx="4"/>
-            <a:endCxn id="356" idx="2"/>
-          </p:cNvCxnSpPr>
+          <p:cNvPr id="304" name="직선 화살표 연결선 303"/>
+          <p:cNvCxnSpPr/>
           <p:nvPr/>
         </p:nvCxnSpPr>
         <p:spPr>
-          <a:xfrm flipV="1">
-            <a:off x="7444156" y="1040946"/>
-            <a:ext cx="796680" cy="176348"/>
+          <a:xfrm>
+            <a:off x="6906902" y="2245515"/>
+            <a:ext cx="379206" cy="45"/>
           </a:xfrm>
           <a:prstGeom prst="straightConnector1">
             <a:avLst/>
@@ -11883,17 +7378,14 @@
       </p:cxnSp>
       <p:cxnSp>
         <p:nvCxnSpPr>
-          <p:cNvPr id="39" name="직선 화살표 연결선 38"/>
-          <p:cNvCxnSpPr>
-            <a:stCxn id="4" idx="4"/>
-            <a:endCxn id="357" idx="2"/>
-          </p:cNvCxnSpPr>
+          <p:cNvPr id="307" name="직선 화살표 연결선 306"/>
+          <p:cNvCxnSpPr/>
           <p:nvPr/>
         </p:nvCxnSpPr>
         <p:spPr>
-          <a:xfrm>
-            <a:off x="7444156" y="1217294"/>
-            <a:ext cx="1168718" cy="239582"/>
+          <a:xfrm flipV="1">
+            <a:off x="4482631" y="2069942"/>
+            <a:ext cx="841935" cy="98346"/>
           </a:xfrm>
           <a:prstGeom prst="straightConnector1">
             <a:avLst/>
@@ -11927,888 +7419,16 @@
           </a:fontRef>
         </p:style>
       </p:cxnSp>
-      <p:sp>
-        <p:nvSpPr>
-          <p:cNvPr id="251" name="위쪽 화살표 250"/>
-          <p:cNvSpPr/>
-          <p:nvPr/>
-        </p:nvSpPr>
-        <p:spPr>
-          <a:xfrm>
-            <a:off x="1944643" y="2392431"/>
-            <a:ext cx="180000" cy="360000"/>
-          </a:xfrm>
-          <a:prstGeom prst="upArrow">
-            <a:avLst>
-              <a:gd name="adj1" fmla="val 44886"/>
-              <a:gd name="adj2" fmla="val 60228"/>
-            </a:avLst>
-          </a:prstGeom>
-          <a:solidFill>
-            <a:srgbClr val="1B202D"/>
-          </a:solidFill>
-          <a:ln>
-            <a:noFill/>
-          </a:ln>
-          <a:effectLst>
-            <a:outerShdw blurRad="50800" dist="38100" dir="2700000" algn="tl" rotWithShape="0">
-              <a:prstClr val="black">
-                <a:alpha val="40000"/>
-              </a:prstClr>
-            </a:outerShdw>
-          </a:effectLst>
-        </p:spPr>
-        <p:style>
-          <a:lnRef idx="2">
-            <a:schemeClr val="accent1">
-              <a:shade val="50000"/>
-            </a:schemeClr>
-          </a:lnRef>
-          <a:fillRef idx="1">
-            <a:schemeClr val="accent1"/>
-          </a:fillRef>
-          <a:effectRef idx="0">
-            <a:schemeClr val="accent1"/>
-          </a:effectRef>
-          <a:fontRef idx="minor">
-            <a:schemeClr val="lt1"/>
-          </a:fontRef>
-        </p:style>
-        <p:txBody>
-          <a:bodyPr rtlCol="0" anchor="ctr"/>
-          <a:lstStyle/>
-          <a:p>
-            <a:pPr algn="ctr"/>
-            <a:endParaRPr lang="ko-KR" altLang="en-US"/>
-          </a:p>
-        </p:txBody>
-      </p:sp>
-      <p:sp>
-        <p:nvSpPr>
-          <p:cNvPr id="252" name="아래쪽 화살표 251"/>
-          <p:cNvSpPr/>
-          <p:nvPr/>
-        </p:nvSpPr>
-        <p:spPr>
-          <a:xfrm>
-            <a:off x="2317418" y="2808588"/>
-            <a:ext cx="180000" cy="360000"/>
-          </a:xfrm>
-          <a:prstGeom prst="downArrow">
-            <a:avLst/>
-          </a:prstGeom>
-          <a:solidFill>
-            <a:srgbClr val="1B202D"/>
-          </a:solidFill>
-          <a:ln>
-            <a:noFill/>
-          </a:ln>
-          <a:effectLst>
-            <a:outerShdw blurRad="50800" dist="38100" dir="2700000" algn="tl" rotWithShape="0">
-              <a:prstClr val="black">
-                <a:alpha val="40000"/>
-              </a:prstClr>
-            </a:outerShdw>
-          </a:effectLst>
-        </p:spPr>
-        <p:style>
-          <a:lnRef idx="2">
-            <a:schemeClr val="accent1">
-              <a:shade val="50000"/>
-            </a:schemeClr>
-          </a:lnRef>
-          <a:fillRef idx="1">
-            <a:schemeClr val="accent1"/>
-          </a:fillRef>
-          <a:effectRef idx="0">
-            <a:schemeClr val="accent1"/>
-          </a:effectRef>
-          <a:fontRef idx="minor">
-            <a:schemeClr val="lt1"/>
-          </a:fontRef>
-        </p:style>
-        <p:txBody>
-          <a:bodyPr rtlCol="0" anchor="ctr"/>
-          <a:lstStyle/>
-          <a:p>
-            <a:pPr algn="ctr"/>
-            <a:endParaRPr lang="ko-KR" altLang="en-US"/>
-          </a:p>
-        </p:txBody>
-      </p:sp>
-      <p:sp>
-        <p:nvSpPr>
-          <p:cNvPr id="254" name="위쪽 화살표 253"/>
-          <p:cNvSpPr/>
-          <p:nvPr/>
-        </p:nvSpPr>
-        <p:spPr>
-          <a:xfrm>
-            <a:off x="1944659" y="4505225"/>
-            <a:ext cx="180000" cy="360000"/>
-          </a:xfrm>
-          <a:prstGeom prst="upArrow">
-            <a:avLst>
-              <a:gd name="adj1" fmla="val 44886"/>
-              <a:gd name="adj2" fmla="val 60228"/>
-            </a:avLst>
-          </a:prstGeom>
-          <a:solidFill>
-            <a:srgbClr val="1B202D"/>
-          </a:solidFill>
-          <a:ln>
-            <a:noFill/>
-          </a:ln>
-          <a:effectLst>
-            <a:outerShdw blurRad="50800" dist="38100" dir="2700000" algn="tl" rotWithShape="0">
-              <a:prstClr val="black">
-                <a:alpha val="40000"/>
-              </a:prstClr>
-            </a:outerShdw>
-          </a:effectLst>
-        </p:spPr>
-        <p:style>
-          <a:lnRef idx="2">
-            <a:schemeClr val="accent1">
-              <a:shade val="50000"/>
-            </a:schemeClr>
-          </a:lnRef>
-          <a:fillRef idx="1">
-            <a:schemeClr val="accent1"/>
-          </a:fillRef>
-          <a:effectRef idx="0">
-            <a:schemeClr val="accent1"/>
-          </a:effectRef>
-          <a:fontRef idx="minor">
-            <a:schemeClr val="lt1"/>
-          </a:fontRef>
-        </p:style>
-        <p:txBody>
-          <a:bodyPr rtlCol="0" anchor="ctr"/>
-          <a:lstStyle/>
-          <a:p>
-            <a:pPr algn="ctr"/>
-            <a:endParaRPr lang="ko-KR" altLang="en-US"/>
-          </a:p>
-        </p:txBody>
-      </p:sp>
-      <p:sp>
-        <p:nvSpPr>
-          <p:cNvPr id="255" name="아래쪽 화살표 254"/>
-          <p:cNvSpPr/>
-          <p:nvPr/>
-        </p:nvSpPr>
-        <p:spPr>
-          <a:xfrm>
-            <a:off x="2317434" y="4921382"/>
-            <a:ext cx="180000" cy="360000"/>
-          </a:xfrm>
-          <a:prstGeom prst="downArrow">
-            <a:avLst/>
-          </a:prstGeom>
-          <a:solidFill>
-            <a:srgbClr val="1B202D"/>
-          </a:solidFill>
-          <a:ln>
-            <a:noFill/>
-          </a:ln>
-          <a:effectLst>
-            <a:outerShdw blurRad="50800" dist="38100" dir="2700000" algn="tl" rotWithShape="0">
-              <a:prstClr val="black">
-                <a:alpha val="40000"/>
-              </a:prstClr>
-            </a:outerShdw>
-          </a:effectLst>
-        </p:spPr>
-        <p:style>
-          <a:lnRef idx="2">
-            <a:schemeClr val="accent1">
-              <a:shade val="50000"/>
-            </a:schemeClr>
-          </a:lnRef>
-          <a:fillRef idx="1">
-            <a:schemeClr val="accent1"/>
-          </a:fillRef>
-          <a:effectRef idx="0">
-            <a:schemeClr val="accent1"/>
-          </a:effectRef>
-          <a:fontRef idx="minor">
-            <a:schemeClr val="lt1"/>
-          </a:fontRef>
-        </p:style>
-        <p:txBody>
-          <a:bodyPr rtlCol="0" anchor="ctr"/>
-          <a:lstStyle/>
-          <a:p>
-            <a:pPr algn="ctr"/>
-            <a:endParaRPr lang="ko-KR" altLang="en-US"/>
-          </a:p>
-        </p:txBody>
-      </p:sp>
-      <p:sp>
-        <p:nvSpPr>
-          <p:cNvPr id="256" name="위쪽 화살표 255"/>
-          <p:cNvSpPr/>
-          <p:nvPr/>
-        </p:nvSpPr>
-        <p:spPr>
-          <a:xfrm>
-            <a:off x="5419685" y="1394073"/>
-            <a:ext cx="180000" cy="360000"/>
-          </a:xfrm>
-          <a:prstGeom prst="upArrow">
-            <a:avLst>
-              <a:gd name="adj1" fmla="val 44886"/>
-              <a:gd name="adj2" fmla="val 60228"/>
-            </a:avLst>
-          </a:prstGeom>
-          <a:solidFill>
-            <a:srgbClr val="1B202D"/>
-          </a:solidFill>
-          <a:ln>
-            <a:noFill/>
-          </a:ln>
-          <a:effectLst>
-            <a:outerShdw blurRad="50800" dist="38100" dir="2700000" algn="tl" rotWithShape="0">
-              <a:prstClr val="black">
-                <a:alpha val="40000"/>
-              </a:prstClr>
-            </a:outerShdw>
-          </a:effectLst>
-        </p:spPr>
-        <p:style>
-          <a:lnRef idx="2">
-            <a:schemeClr val="accent1">
-              <a:shade val="50000"/>
-            </a:schemeClr>
-          </a:lnRef>
-          <a:fillRef idx="1">
-            <a:schemeClr val="accent1"/>
-          </a:fillRef>
-          <a:effectRef idx="0">
-            <a:schemeClr val="accent1"/>
-          </a:effectRef>
-          <a:fontRef idx="minor">
-            <a:schemeClr val="lt1"/>
-          </a:fontRef>
-        </p:style>
-        <p:txBody>
-          <a:bodyPr rtlCol="0" anchor="ctr"/>
-          <a:lstStyle/>
-          <a:p>
-            <a:pPr algn="ctr"/>
-            <a:endParaRPr lang="ko-KR" altLang="en-US"/>
-          </a:p>
-        </p:txBody>
-      </p:sp>
-      <p:sp>
-        <p:nvSpPr>
-          <p:cNvPr id="257" name="아래쪽 화살표 256"/>
-          <p:cNvSpPr/>
-          <p:nvPr/>
-        </p:nvSpPr>
-        <p:spPr>
-          <a:xfrm>
-            <a:off x="5792460" y="1810230"/>
-            <a:ext cx="180000" cy="360000"/>
-          </a:xfrm>
-          <a:prstGeom prst="downArrow">
-            <a:avLst/>
-          </a:prstGeom>
-          <a:solidFill>
-            <a:srgbClr val="1B202D"/>
-          </a:solidFill>
-          <a:ln>
-            <a:noFill/>
-          </a:ln>
-          <a:effectLst>
-            <a:outerShdw blurRad="50800" dist="38100" dir="2700000" algn="tl" rotWithShape="0">
-              <a:prstClr val="black">
-                <a:alpha val="40000"/>
-              </a:prstClr>
-            </a:outerShdw>
-          </a:effectLst>
-        </p:spPr>
-        <p:style>
-          <a:lnRef idx="2">
-            <a:schemeClr val="accent1">
-              <a:shade val="50000"/>
-            </a:schemeClr>
-          </a:lnRef>
-          <a:fillRef idx="1">
-            <a:schemeClr val="accent1"/>
-          </a:fillRef>
-          <a:effectRef idx="0">
-            <a:schemeClr val="accent1"/>
-          </a:effectRef>
-          <a:fontRef idx="minor">
-            <a:schemeClr val="lt1"/>
-          </a:fontRef>
-        </p:style>
-        <p:txBody>
-          <a:bodyPr rtlCol="0" anchor="ctr"/>
-          <a:lstStyle/>
-          <a:p>
-            <a:pPr algn="ctr"/>
-            <a:endParaRPr lang="ko-KR" altLang="en-US"/>
-          </a:p>
-        </p:txBody>
-      </p:sp>
-      <p:sp>
-        <p:nvSpPr>
-          <p:cNvPr id="261" name="위쪽 화살표 260"/>
-          <p:cNvSpPr/>
-          <p:nvPr/>
-        </p:nvSpPr>
-        <p:spPr>
-          <a:xfrm>
-            <a:off x="5420170" y="2411474"/>
-            <a:ext cx="180000" cy="360000"/>
-          </a:xfrm>
-          <a:prstGeom prst="upArrow">
-            <a:avLst>
-              <a:gd name="adj1" fmla="val 44886"/>
-              <a:gd name="adj2" fmla="val 60228"/>
-            </a:avLst>
-          </a:prstGeom>
-          <a:solidFill>
-            <a:srgbClr val="1B202D"/>
-          </a:solidFill>
-          <a:ln>
-            <a:noFill/>
-          </a:ln>
-          <a:effectLst>
-            <a:outerShdw blurRad="50800" dist="38100" dir="2700000" algn="tl" rotWithShape="0">
-              <a:prstClr val="black">
-                <a:alpha val="40000"/>
-              </a:prstClr>
-            </a:outerShdw>
-          </a:effectLst>
-        </p:spPr>
-        <p:style>
-          <a:lnRef idx="2">
-            <a:schemeClr val="accent1">
-              <a:shade val="50000"/>
-            </a:schemeClr>
-          </a:lnRef>
-          <a:fillRef idx="1">
-            <a:schemeClr val="accent1"/>
-          </a:fillRef>
-          <a:effectRef idx="0">
-            <a:schemeClr val="accent1"/>
-          </a:effectRef>
-          <a:fontRef idx="minor">
-            <a:schemeClr val="lt1"/>
-          </a:fontRef>
-        </p:style>
-        <p:txBody>
-          <a:bodyPr rtlCol="0" anchor="ctr"/>
-          <a:lstStyle/>
-          <a:p>
-            <a:pPr algn="ctr"/>
-            <a:endParaRPr lang="ko-KR" altLang="en-US"/>
-          </a:p>
-        </p:txBody>
-      </p:sp>
-      <p:sp>
-        <p:nvSpPr>
-          <p:cNvPr id="262" name="아래쪽 화살표 261"/>
-          <p:cNvSpPr/>
-          <p:nvPr/>
-        </p:nvSpPr>
-        <p:spPr>
-          <a:xfrm>
-            <a:off x="5792945" y="2827631"/>
-            <a:ext cx="180000" cy="360000"/>
-          </a:xfrm>
-          <a:prstGeom prst="downArrow">
-            <a:avLst/>
-          </a:prstGeom>
-          <a:solidFill>
-            <a:srgbClr val="1B202D"/>
-          </a:solidFill>
-          <a:ln>
-            <a:noFill/>
-          </a:ln>
-          <a:effectLst>
-            <a:outerShdw blurRad="50800" dist="38100" dir="2700000" algn="tl" rotWithShape="0">
-              <a:prstClr val="black">
-                <a:alpha val="40000"/>
-              </a:prstClr>
-            </a:outerShdw>
-          </a:effectLst>
-        </p:spPr>
-        <p:style>
-          <a:lnRef idx="2">
-            <a:schemeClr val="accent1">
-              <a:shade val="50000"/>
-            </a:schemeClr>
-          </a:lnRef>
-          <a:fillRef idx="1">
-            <a:schemeClr val="accent1"/>
-          </a:fillRef>
-          <a:effectRef idx="0">
-            <a:schemeClr val="accent1"/>
-          </a:effectRef>
-          <a:fontRef idx="minor">
-            <a:schemeClr val="lt1"/>
-          </a:fontRef>
-        </p:style>
-        <p:txBody>
-          <a:bodyPr rtlCol="0" anchor="ctr"/>
-          <a:lstStyle/>
-          <a:p>
-            <a:pPr algn="ctr"/>
-            <a:endParaRPr lang="ko-KR" altLang="en-US"/>
-          </a:p>
-        </p:txBody>
-      </p:sp>
-      <p:sp>
-        <p:nvSpPr>
-          <p:cNvPr id="264" name="위쪽 화살표 263"/>
-          <p:cNvSpPr/>
-          <p:nvPr/>
-        </p:nvSpPr>
-        <p:spPr>
-          <a:xfrm>
-            <a:off x="5420186" y="4524268"/>
-            <a:ext cx="180000" cy="360000"/>
-          </a:xfrm>
-          <a:prstGeom prst="upArrow">
-            <a:avLst>
-              <a:gd name="adj1" fmla="val 44886"/>
-              <a:gd name="adj2" fmla="val 60228"/>
-            </a:avLst>
-          </a:prstGeom>
-          <a:solidFill>
-            <a:srgbClr val="1B202D"/>
-          </a:solidFill>
-          <a:ln>
-            <a:noFill/>
-          </a:ln>
-          <a:effectLst>
-            <a:outerShdw blurRad="50800" dist="38100" dir="2700000" algn="tl" rotWithShape="0">
-              <a:prstClr val="black">
-                <a:alpha val="40000"/>
-              </a:prstClr>
-            </a:outerShdw>
-          </a:effectLst>
-        </p:spPr>
-        <p:style>
-          <a:lnRef idx="2">
-            <a:schemeClr val="accent1">
-              <a:shade val="50000"/>
-            </a:schemeClr>
-          </a:lnRef>
-          <a:fillRef idx="1">
-            <a:schemeClr val="accent1"/>
-          </a:fillRef>
-          <a:effectRef idx="0">
-            <a:schemeClr val="accent1"/>
-          </a:effectRef>
-          <a:fontRef idx="minor">
-            <a:schemeClr val="lt1"/>
-          </a:fontRef>
-        </p:style>
-        <p:txBody>
-          <a:bodyPr rtlCol="0" anchor="ctr"/>
-          <a:lstStyle/>
-          <a:p>
-            <a:pPr algn="ctr"/>
-            <a:endParaRPr lang="ko-KR" altLang="en-US"/>
-          </a:p>
-        </p:txBody>
-      </p:sp>
-      <p:sp>
-        <p:nvSpPr>
-          <p:cNvPr id="265" name="아래쪽 화살표 264"/>
-          <p:cNvSpPr/>
-          <p:nvPr/>
-        </p:nvSpPr>
-        <p:spPr>
-          <a:xfrm>
-            <a:off x="5792961" y="4940425"/>
-            <a:ext cx="180000" cy="360000"/>
-          </a:xfrm>
-          <a:prstGeom prst="downArrow">
-            <a:avLst/>
-          </a:prstGeom>
-          <a:solidFill>
-            <a:srgbClr val="1B202D"/>
-          </a:solidFill>
-          <a:ln>
-            <a:noFill/>
-          </a:ln>
-          <a:effectLst>
-            <a:outerShdw blurRad="50800" dist="38100" dir="2700000" algn="tl" rotWithShape="0">
-              <a:prstClr val="black">
-                <a:alpha val="40000"/>
-              </a:prstClr>
-            </a:outerShdw>
-          </a:effectLst>
-        </p:spPr>
-        <p:style>
-          <a:lnRef idx="2">
-            <a:schemeClr val="accent1">
-              <a:shade val="50000"/>
-            </a:schemeClr>
-          </a:lnRef>
-          <a:fillRef idx="1">
-            <a:schemeClr val="accent1"/>
-          </a:fillRef>
-          <a:effectRef idx="0">
-            <a:schemeClr val="accent1"/>
-          </a:effectRef>
-          <a:fontRef idx="minor">
-            <a:schemeClr val="lt1"/>
-          </a:fontRef>
-        </p:style>
-        <p:txBody>
-          <a:bodyPr rtlCol="0" anchor="ctr"/>
-          <a:lstStyle/>
-          <a:p>
-            <a:pPr algn="ctr"/>
-            <a:endParaRPr lang="ko-KR" altLang="en-US"/>
-          </a:p>
-        </p:txBody>
-      </p:sp>
-      <p:sp>
-        <p:nvSpPr>
-          <p:cNvPr id="266" name="위쪽 화살표 265"/>
-          <p:cNvSpPr/>
-          <p:nvPr/>
-        </p:nvSpPr>
-        <p:spPr>
-          <a:xfrm>
-            <a:off x="8354778" y="1375030"/>
-            <a:ext cx="180000" cy="360000"/>
-          </a:xfrm>
-          <a:prstGeom prst="upArrow">
-            <a:avLst>
-              <a:gd name="adj1" fmla="val 44886"/>
-              <a:gd name="adj2" fmla="val 60228"/>
-            </a:avLst>
-          </a:prstGeom>
-          <a:solidFill>
-            <a:srgbClr val="1B202D"/>
-          </a:solidFill>
-          <a:ln>
-            <a:noFill/>
-          </a:ln>
-          <a:effectLst>
-            <a:outerShdw blurRad="50800" dist="38100" dir="2700000" algn="tl" rotWithShape="0">
-              <a:prstClr val="black">
-                <a:alpha val="40000"/>
-              </a:prstClr>
-            </a:outerShdw>
-          </a:effectLst>
-        </p:spPr>
-        <p:style>
-          <a:lnRef idx="2">
-            <a:schemeClr val="accent1">
-              <a:shade val="50000"/>
-            </a:schemeClr>
-          </a:lnRef>
-          <a:fillRef idx="1">
-            <a:schemeClr val="accent1"/>
-          </a:fillRef>
-          <a:effectRef idx="0">
-            <a:schemeClr val="accent1"/>
-          </a:effectRef>
-          <a:fontRef idx="minor">
-            <a:schemeClr val="lt1"/>
-          </a:fontRef>
-        </p:style>
-        <p:txBody>
-          <a:bodyPr rtlCol="0" anchor="ctr"/>
-          <a:lstStyle/>
-          <a:p>
-            <a:pPr algn="ctr"/>
-            <a:endParaRPr lang="ko-KR" altLang="en-US"/>
-          </a:p>
-        </p:txBody>
-      </p:sp>
-      <p:sp>
-        <p:nvSpPr>
-          <p:cNvPr id="267" name="아래쪽 화살표 266"/>
-          <p:cNvSpPr/>
-          <p:nvPr/>
-        </p:nvSpPr>
-        <p:spPr>
-          <a:xfrm>
-            <a:off x="8727553" y="1791187"/>
-            <a:ext cx="180000" cy="360000"/>
-          </a:xfrm>
-          <a:prstGeom prst="downArrow">
-            <a:avLst/>
-          </a:prstGeom>
-          <a:solidFill>
-            <a:srgbClr val="1B202D"/>
-          </a:solidFill>
-          <a:ln>
-            <a:noFill/>
-          </a:ln>
-          <a:effectLst>
-            <a:outerShdw blurRad="50800" dist="38100" dir="2700000" algn="tl" rotWithShape="0">
-              <a:prstClr val="black">
-                <a:alpha val="40000"/>
-              </a:prstClr>
-            </a:outerShdw>
-          </a:effectLst>
-        </p:spPr>
-        <p:style>
-          <a:lnRef idx="2">
-            <a:schemeClr val="accent1">
-              <a:shade val="50000"/>
-            </a:schemeClr>
-          </a:lnRef>
-          <a:fillRef idx="1">
-            <a:schemeClr val="accent1"/>
-          </a:fillRef>
-          <a:effectRef idx="0">
-            <a:schemeClr val="accent1"/>
-          </a:effectRef>
-          <a:fontRef idx="minor">
-            <a:schemeClr val="lt1"/>
-          </a:fontRef>
-        </p:style>
-        <p:txBody>
-          <a:bodyPr rtlCol="0" anchor="ctr"/>
-          <a:lstStyle/>
-          <a:p>
-            <a:pPr algn="ctr"/>
-            <a:endParaRPr lang="ko-KR" altLang="en-US"/>
-          </a:p>
-        </p:txBody>
-      </p:sp>
-      <p:sp>
-        <p:nvSpPr>
-          <p:cNvPr id="271" name="위쪽 화살표 270"/>
-          <p:cNvSpPr/>
-          <p:nvPr/>
-        </p:nvSpPr>
-        <p:spPr>
-          <a:xfrm>
-            <a:off x="8355263" y="2392431"/>
-            <a:ext cx="180000" cy="360000"/>
-          </a:xfrm>
-          <a:prstGeom prst="upArrow">
-            <a:avLst>
-              <a:gd name="adj1" fmla="val 44886"/>
-              <a:gd name="adj2" fmla="val 60228"/>
-            </a:avLst>
-          </a:prstGeom>
-          <a:solidFill>
-            <a:srgbClr val="1B202D"/>
-          </a:solidFill>
-          <a:ln>
-            <a:noFill/>
-          </a:ln>
-          <a:effectLst>
-            <a:outerShdw blurRad="50800" dist="38100" dir="2700000" algn="tl" rotWithShape="0">
-              <a:prstClr val="black">
-                <a:alpha val="40000"/>
-              </a:prstClr>
-            </a:outerShdw>
-          </a:effectLst>
-        </p:spPr>
-        <p:style>
-          <a:lnRef idx="2">
-            <a:schemeClr val="accent1">
-              <a:shade val="50000"/>
-            </a:schemeClr>
-          </a:lnRef>
-          <a:fillRef idx="1">
-            <a:schemeClr val="accent1"/>
-          </a:fillRef>
-          <a:effectRef idx="0">
-            <a:schemeClr val="accent1"/>
-          </a:effectRef>
-          <a:fontRef idx="minor">
-            <a:schemeClr val="lt1"/>
-          </a:fontRef>
-        </p:style>
-        <p:txBody>
-          <a:bodyPr rtlCol="0" anchor="ctr"/>
-          <a:lstStyle/>
-          <a:p>
-            <a:pPr algn="ctr"/>
-            <a:endParaRPr lang="ko-KR" altLang="en-US"/>
-          </a:p>
-        </p:txBody>
-      </p:sp>
-      <p:sp>
-        <p:nvSpPr>
-          <p:cNvPr id="272" name="아래쪽 화살표 271"/>
-          <p:cNvSpPr/>
-          <p:nvPr/>
-        </p:nvSpPr>
-        <p:spPr>
-          <a:xfrm>
-            <a:off x="8728038" y="2808588"/>
-            <a:ext cx="180000" cy="360000"/>
-          </a:xfrm>
-          <a:prstGeom prst="downArrow">
-            <a:avLst/>
-          </a:prstGeom>
-          <a:solidFill>
-            <a:srgbClr val="1B202D"/>
-          </a:solidFill>
-          <a:ln>
-            <a:noFill/>
-          </a:ln>
-          <a:effectLst>
-            <a:outerShdw blurRad="50800" dist="38100" dir="2700000" algn="tl" rotWithShape="0">
-              <a:prstClr val="black">
-                <a:alpha val="40000"/>
-              </a:prstClr>
-            </a:outerShdw>
-          </a:effectLst>
-        </p:spPr>
-        <p:style>
-          <a:lnRef idx="2">
-            <a:schemeClr val="accent1">
-              <a:shade val="50000"/>
-            </a:schemeClr>
-          </a:lnRef>
-          <a:fillRef idx="1">
-            <a:schemeClr val="accent1"/>
-          </a:fillRef>
-          <a:effectRef idx="0">
-            <a:schemeClr val="accent1"/>
-          </a:effectRef>
-          <a:fontRef idx="minor">
-            <a:schemeClr val="lt1"/>
-          </a:fontRef>
-        </p:style>
-        <p:txBody>
-          <a:bodyPr rtlCol="0" anchor="ctr"/>
-          <a:lstStyle/>
-          <a:p>
-            <a:pPr algn="ctr"/>
-            <a:endParaRPr lang="ko-KR" altLang="en-US"/>
-          </a:p>
-        </p:txBody>
-      </p:sp>
-      <p:sp>
-        <p:nvSpPr>
-          <p:cNvPr id="274" name="위쪽 화살표 273"/>
-          <p:cNvSpPr/>
-          <p:nvPr/>
-        </p:nvSpPr>
-        <p:spPr>
-          <a:xfrm>
-            <a:off x="8355279" y="4505225"/>
-            <a:ext cx="180000" cy="360000"/>
-          </a:xfrm>
-          <a:prstGeom prst="upArrow">
-            <a:avLst>
-              <a:gd name="adj1" fmla="val 44886"/>
-              <a:gd name="adj2" fmla="val 60228"/>
-            </a:avLst>
-          </a:prstGeom>
-          <a:solidFill>
-            <a:srgbClr val="1B202D"/>
-          </a:solidFill>
-          <a:ln>
-            <a:noFill/>
-          </a:ln>
-          <a:effectLst>
-            <a:outerShdw blurRad="50800" dist="38100" dir="2700000" algn="tl" rotWithShape="0">
-              <a:prstClr val="black">
-                <a:alpha val="40000"/>
-              </a:prstClr>
-            </a:outerShdw>
-          </a:effectLst>
-        </p:spPr>
-        <p:style>
-          <a:lnRef idx="2">
-            <a:schemeClr val="accent1">
-              <a:shade val="50000"/>
-            </a:schemeClr>
-          </a:lnRef>
-          <a:fillRef idx="1">
-            <a:schemeClr val="accent1"/>
-          </a:fillRef>
-          <a:effectRef idx="0">
-            <a:schemeClr val="accent1"/>
-          </a:effectRef>
-          <a:fontRef idx="minor">
-            <a:schemeClr val="lt1"/>
-          </a:fontRef>
-        </p:style>
-        <p:txBody>
-          <a:bodyPr rtlCol="0" anchor="ctr"/>
-          <a:lstStyle/>
-          <a:p>
-            <a:pPr algn="ctr"/>
-            <a:endParaRPr lang="ko-KR" altLang="en-US"/>
-          </a:p>
-        </p:txBody>
-      </p:sp>
-      <p:sp>
-        <p:nvSpPr>
-          <p:cNvPr id="275" name="아래쪽 화살표 274"/>
-          <p:cNvSpPr/>
-          <p:nvPr/>
-        </p:nvSpPr>
-        <p:spPr>
-          <a:xfrm>
-            <a:off x="8728054" y="4921382"/>
-            <a:ext cx="180000" cy="360000"/>
-          </a:xfrm>
-          <a:prstGeom prst="downArrow">
-            <a:avLst/>
-          </a:prstGeom>
-          <a:solidFill>
-            <a:srgbClr val="1B202D"/>
-          </a:solidFill>
-          <a:ln>
-            <a:noFill/>
-          </a:ln>
-          <a:effectLst>
-            <a:outerShdw blurRad="50800" dist="38100" dir="2700000" algn="tl" rotWithShape="0">
-              <a:prstClr val="black">
-                <a:alpha val="40000"/>
-              </a:prstClr>
-            </a:outerShdw>
-          </a:effectLst>
-        </p:spPr>
-        <p:style>
-          <a:lnRef idx="2">
-            <a:schemeClr val="accent1">
-              <a:shade val="50000"/>
-            </a:schemeClr>
-          </a:lnRef>
-          <a:fillRef idx="1">
-            <a:schemeClr val="accent1"/>
-          </a:fillRef>
-          <a:effectRef idx="0">
-            <a:schemeClr val="accent1"/>
-          </a:effectRef>
-          <a:fontRef idx="minor">
-            <a:schemeClr val="lt1"/>
-          </a:fontRef>
-        </p:style>
-        <p:txBody>
-          <a:bodyPr rtlCol="0" anchor="ctr"/>
-          <a:lstStyle/>
-          <a:p>
-            <a:pPr algn="ctr"/>
-            <a:endParaRPr lang="ko-KR" altLang="en-US"/>
-          </a:p>
-        </p:txBody>
-      </p:sp>
       <p:cxnSp>
         <p:nvCxnSpPr>
-          <p:cNvPr id="303" name="직선 화살표 연결선 302"/>
+          <p:cNvPr id="308" name="직선 화살표 연결선 307"/>
           <p:cNvCxnSpPr/>
           <p:nvPr/>
         </p:nvCxnSpPr>
         <p:spPr>
           <a:xfrm>
-            <a:off x="3721616" y="2182013"/>
-            <a:ext cx="288000" cy="0"/>
+            <a:off x="4491792" y="2162838"/>
+            <a:ext cx="1204812" cy="323034"/>
           </a:xfrm>
           <a:prstGeom prst="straightConnector1">
             <a:avLst/>
@@ -12844,14 +7464,14 @@
       </p:cxnSp>
       <p:cxnSp>
         <p:nvCxnSpPr>
-          <p:cNvPr id="304" name="직선 화살표 연결선 303"/>
+          <p:cNvPr id="310" name="직선 화살표 연결선 309"/>
           <p:cNvCxnSpPr/>
           <p:nvPr/>
         </p:nvCxnSpPr>
         <p:spPr>
-          <a:xfrm>
-            <a:off x="6906902" y="2245515"/>
-            <a:ext cx="379206" cy="45"/>
+          <a:xfrm flipV="1">
+            <a:off x="6096204" y="2245515"/>
+            <a:ext cx="558698" cy="240357"/>
           </a:xfrm>
           <a:prstGeom prst="straightConnector1">
             <a:avLst/>
@@ -12885,54 +7505,16 @@
           </a:fontRef>
         </p:style>
       </p:cxnSp>
-      <p:sp>
-        <p:nvSpPr>
-          <p:cNvPr id="305" name="TextBox 304"/>
-          <p:cNvSpPr txBox="1"/>
-          <p:nvPr/>
-        </p:nvSpPr>
-        <p:spPr>
-          <a:xfrm rot="2175363">
-            <a:off x="2740956" y="1591201"/>
-            <a:ext cx="675093" cy="1015663"/>
-          </a:xfrm>
-          <a:prstGeom prst="rect">
-            <a:avLst/>
-          </a:prstGeom>
-          <a:noFill/>
-          <a:effectLst>
-            <a:outerShdw blurRad="50800" dist="38100" dir="2700000" algn="tl" rotWithShape="0">
-              <a:prstClr val="black">
-                <a:alpha val="40000"/>
-              </a:prstClr>
-            </a:outerShdw>
-          </a:effectLst>
-        </p:spPr>
-        <p:txBody>
-          <a:bodyPr wrap="square" rtlCol="0">
-            <a:spAutoFit/>
-          </a:bodyPr>
-          <a:lstStyle/>
-          <a:p>
-            <a:pPr algn="ctr"/>
-            <a:r>
-              <a:rPr lang="en-US" altLang="ko-KR" sz="6000" dirty="0" smtClean="0"/>
-              <a:t>}</a:t>
-            </a:r>
-            <a:endParaRPr lang="ko-KR" altLang="en-US" sz="6000" dirty="0"/>
-          </a:p>
-        </p:txBody>
-      </p:sp>
       <p:cxnSp>
         <p:nvCxnSpPr>
-          <p:cNvPr id="306" name="직선 화살표 연결선 305"/>
+          <p:cNvPr id="313" name="직선 화살표 연결선 312"/>
           <p:cNvCxnSpPr/>
           <p:nvPr/>
         </p:nvCxnSpPr>
         <p:spPr>
           <a:xfrm>
-            <a:off x="3128952" y="2182013"/>
-            <a:ext cx="337540" cy="0"/>
+            <a:off x="3708463" y="5269419"/>
+            <a:ext cx="288000" cy="0"/>
           </a:xfrm>
           <a:prstGeom prst="straightConnector1">
             <a:avLst/>
@@ -12968,14 +7550,14 @@
       </p:cxnSp>
       <p:cxnSp>
         <p:nvCxnSpPr>
-          <p:cNvPr id="307" name="직선 화살표 연결선 306"/>
+          <p:cNvPr id="314" name="직선 화살표 연결선 313"/>
           <p:cNvCxnSpPr/>
           <p:nvPr/>
         </p:nvCxnSpPr>
         <p:spPr>
-          <a:xfrm flipV="1">
-            <a:off x="4482631" y="2069942"/>
-            <a:ext cx="841935" cy="98346"/>
+          <a:xfrm>
+            <a:off x="6893749" y="5332921"/>
+            <a:ext cx="379206" cy="45"/>
           </a:xfrm>
           <a:prstGeom prst="straightConnector1">
             <a:avLst/>
@@ -13011,14 +7593,14 @@
       </p:cxnSp>
       <p:cxnSp>
         <p:nvCxnSpPr>
-          <p:cNvPr id="308" name="직선 화살표 연결선 307"/>
+          <p:cNvPr id="317" name="직선 화살표 연결선 316"/>
           <p:cNvCxnSpPr/>
           <p:nvPr/>
         </p:nvCxnSpPr>
         <p:spPr>
-          <a:xfrm>
-            <a:off x="4491792" y="2162838"/>
-            <a:ext cx="1204812" cy="323034"/>
+          <a:xfrm flipV="1">
+            <a:off x="4469478" y="5157348"/>
+            <a:ext cx="841935" cy="98346"/>
           </a:xfrm>
           <a:prstGeom prst="straightConnector1">
             <a:avLst/>
@@ -13054,14 +7636,14 @@
       </p:cxnSp>
       <p:cxnSp>
         <p:nvCxnSpPr>
-          <p:cNvPr id="309" name="직선 화살표 연결선 308"/>
+          <p:cNvPr id="318" name="직선 화살표 연결선 317"/>
           <p:cNvCxnSpPr/>
           <p:nvPr/>
         </p:nvCxnSpPr>
         <p:spPr>
           <a:xfrm>
-            <a:off x="5724166" y="2069942"/>
-            <a:ext cx="930736" cy="175573"/>
+            <a:off x="4478639" y="5250244"/>
+            <a:ext cx="1204812" cy="323034"/>
           </a:xfrm>
           <a:prstGeom prst="straightConnector1">
             <a:avLst/>
@@ -13097,14 +7679,14 @@
       </p:cxnSp>
       <p:cxnSp>
         <p:nvCxnSpPr>
-          <p:cNvPr id="310" name="직선 화살표 연결선 309"/>
+          <p:cNvPr id="319" name="직선 화살표 연결선 318"/>
           <p:cNvCxnSpPr/>
           <p:nvPr/>
         </p:nvCxnSpPr>
         <p:spPr>
-          <a:xfrm flipV="1">
-            <a:off x="6096204" y="2245515"/>
-            <a:ext cx="558698" cy="240357"/>
+          <a:xfrm>
+            <a:off x="5711013" y="5157348"/>
+            <a:ext cx="930736" cy="175573"/>
           </a:xfrm>
           <a:prstGeom prst="straightConnector1">
             <a:avLst/>
@@ -13140,388 +7722,6 @@
       </p:cxnSp>
       <p:cxnSp>
         <p:nvCxnSpPr>
-          <p:cNvPr id="311" name="직선 화살표 연결선 310"/>
-          <p:cNvCxnSpPr/>
-          <p:nvPr/>
-        </p:nvCxnSpPr>
-        <p:spPr>
-          <a:xfrm flipV="1">
-            <a:off x="7457309" y="2069212"/>
-            <a:ext cx="796680" cy="176348"/>
-          </a:xfrm>
-          <a:prstGeom prst="straightConnector1">
-            <a:avLst/>
-          </a:prstGeom>
-          <a:ln w="19050">
-            <a:solidFill>
-              <a:schemeClr val="tx1"/>
-            </a:solidFill>
-            <a:tailEnd type="triangle"/>
-          </a:ln>
-          <a:effectLst>
-            <a:outerShdw blurRad="50800" dist="38100" dir="2700000" algn="tl" rotWithShape="0">
-              <a:prstClr val="black">
-                <a:alpha val="40000"/>
-              </a:prstClr>
-            </a:outerShdw>
-          </a:effectLst>
-        </p:spPr>
-        <p:style>
-          <a:lnRef idx="1">
-            <a:schemeClr val="accent1"/>
-          </a:lnRef>
-          <a:fillRef idx="0">
-            <a:schemeClr val="accent1"/>
-          </a:fillRef>
-          <a:effectRef idx="0">
-            <a:schemeClr val="accent1"/>
-          </a:effectRef>
-          <a:fontRef idx="minor">
-            <a:schemeClr val="tx1"/>
-          </a:fontRef>
-        </p:style>
-      </p:cxnSp>
-      <p:cxnSp>
-        <p:nvCxnSpPr>
-          <p:cNvPr id="312" name="직선 화살표 연결선 311"/>
-          <p:cNvCxnSpPr/>
-          <p:nvPr/>
-        </p:nvCxnSpPr>
-        <p:spPr>
-          <a:xfrm>
-            <a:off x="7457309" y="2245560"/>
-            <a:ext cx="1168718" cy="239582"/>
-          </a:xfrm>
-          <a:prstGeom prst="straightConnector1">
-            <a:avLst/>
-          </a:prstGeom>
-          <a:ln w="19050">
-            <a:solidFill>
-              <a:schemeClr val="tx1"/>
-            </a:solidFill>
-            <a:tailEnd type="triangle"/>
-          </a:ln>
-          <a:effectLst>
-            <a:outerShdw blurRad="50800" dist="38100" dir="2700000" algn="tl" rotWithShape="0">
-              <a:prstClr val="black">
-                <a:alpha val="40000"/>
-              </a:prstClr>
-            </a:outerShdw>
-          </a:effectLst>
-        </p:spPr>
-        <p:style>
-          <a:lnRef idx="1">
-            <a:schemeClr val="accent1"/>
-          </a:lnRef>
-          <a:fillRef idx="0">
-            <a:schemeClr val="accent1"/>
-          </a:fillRef>
-          <a:effectRef idx="0">
-            <a:schemeClr val="accent1"/>
-          </a:effectRef>
-          <a:fontRef idx="minor">
-            <a:schemeClr val="tx1"/>
-          </a:fontRef>
-        </p:style>
-      </p:cxnSp>
-      <p:cxnSp>
-        <p:nvCxnSpPr>
-          <p:cNvPr id="313" name="직선 화살표 연결선 312"/>
-          <p:cNvCxnSpPr/>
-          <p:nvPr/>
-        </p:nvCxnSpPr>
-        <p:spPr>
-          <a:xfrm>
-            <a:off x="3708463" y="5269419"/>
-            <a:ext cx="288000" cy="0"/>
-          </a:xfrm>
-          <a:prstGeom prst="straightConnector1">
-            <a:avLst/>
-          </a:prstGeom>
-          <a:ln w="19050">
-            <a:solidFill>
-              <a:schemeClr val="tx1"/>
-            </a:solidFill>
-            <a:tailEnd type="triangle"/>
-          </a:ln>
-          <a:effectLst>
-            <a:outerShdw blurRad="50800" dist="38100" dir="2700000" algn="tl" rotWithShape="0">
-              <a:prstClr val="black">
-                <a:alpha val="40000"/>
-              </a:prstClr>
-            </a:outerShdw>
-          </a:effectLst>
-        </p:spPr>
-        <p:style>
-          <a:lnRef idx="1">
-            <a:schemeClr val="accent1"/>
-          </a:lnRef>
-          <a:fillRef idx="0">
-            <a:schemeClr val="accent1"/>
-          </a:fillRef>
-          <a:effectRef idx="0">
-            <a:schemeClr val="accent1"/>
-          </a:effectRef>
-          <a:fontRef idx="minor">
-            <a:schemeClr val="tx1"/>
-          </a:fontRef>
-        </p:style>
-      </p:cxnSp>
-      <p:cxnSp>
-        <p:nvCxnSpPr>
-          <p:cNvPr id="314" name="직선 화살표 연결선 313"/>
-          <p:cNvCxnSpPr/>
-          <p:nvPr/>
-        </p:nvCxnSpPr>
-        <p:spPr>
-          <a:xfrm>
-            <a:off x="6893749" y="5332921"/>
-            <a:ext cx="379206" cy="45"/>
-          </a:xfrm>
-          <a:prstGeom prst="straightConnector1">
-            <a:avLst/>
-          </a:prstGeom>
-          <a:ln w="19050">
-            <a:solidFill>
-              <a:schemeClr val="tx1"/>
-            </a:solidFill>
-            <a:tailEnd type="triangle"/>
-          </a:ln>
-          <a:effectLst>
-            <a:outerShdw blurRad="50800" dist="38100" dir="2700000" algn="tl" rotWithShape="0">
-              <a:prstClr val="black">
-                <a:alpha val="40000"/>
-              </a:prstClr>
-            </a:outerShdw>
-          </a:effectLst>
-        </p:spPr>
-        <p:style>
-          <a:lnRef idx="1">
-            <a:schemeClr val="accent1"/>
-          </a:lnRef>
-          <a:fillRef idx="0">
-            <a:schemeClr val="accent1"/>
-          </a:fillRef>
-          <a:effectRef idx="0">
-            <a:schemeClr val="accent1"/>
-          </a:effectRef>
-          <a:fontRef idx="minor">
-            <a:schemeClr val="tx1"/>
-          </a:fontRef>
-        </p:style>
-      </p:cxnSp>
-      <p:sp>
-        <p:nvSpPr>
-          <p:cNvPr id="315" name="TextBox 314"/>
-          <p:cNvSpPr txBox="1"/>
-          <p:nvPr/>
-        </p:nvSpPr>
-        <p:spPr>
-          <a:xfrm rot="2175363">
-            <a:off x="2727803" y="4678607"/>
-            <a:ext cx="675093" cy="1015663"/>
-          </a:xfrm>
-          <a:prstGeom prst="rect">
-            <a:avLst/>
-          </a:prstGeom>
-          <a:noFill/>
-          <a:effectLst>
-            <a:outerShdw blurRad="50800" dist="38100" dir="2700000" algn="tl" rotWithShape="0">
-              <a:prstClr val="black">
-                <a:alpha val="40000"/>
-              </a:prstClr>
-            </a:outerShdw>
-          </a:effectLst>
-        </p:spPr>
-        <p:txBody>
-          <a:bodyPr wrap="square" rtlCol="0">
-            <a:spAutoFit/>
-          </a:bodyPr>
-          <a:lstStyle/>
-          <a:p>
-            <a:pPr algn="ctr"/>
-            <a:r>
-              <a:rPr lang="en-US" altLang="ko-KR" sz="6000" dirty="0" smtClean="0"/>
-              <a:t>}</a:t>
-            </a:r>
-            <a:endParaRPr lang="ko-KR" altLang="en-US" sz="6000" dirty="0"/>
-          </a:p>
-        </p:txBody>
-      </p:sp>
-      <p:cxnSp>
-        <p:nvCxnSpPr>
-          <p:cNvPr id="316" name="직선 화살표 연결선 315"/>
-          <p:cNvCxnSpPr/>
-          <p:nvPr/>
-        </p:nvCxnSpPr>
-        <p:spPr>
-          <a:xfrm>
-            <a:off x="3115799" y="5269419"/>
-            <a:ext cx="337540" cy="0"/>
-          </a:xfrm>
-          <a:prstGeom prst="straightConnector1">
-            <a:avLst/>
-          </a:prstGeom>
-          <a:ln w="19050">
-            <a:solidFill>
-              <a:schemeClr val="tx1"/>
-            </a:solidFill>
-            <a:tailEnd type="triangle"/>
-          </a:ln>
-          <a:effectLst>
-            <a:outerShdw blurRad="50800" dist="38100" dir="2700000" algn="tl" rotWithShape="0">
-              <a:prstClr val="black">
-                <a:alpha val="40000"/>
-              </a:prstClr>
-            </a:outerShdw>
-          </a:effectLst>
-        </p:spPr>
-        <p:style>
-          <a:lnRef idx="1">
-            <a:schemeClr val="accent1"/>
-          </a:lnRef>
-          <a:fillRef idx="0">
-            <a:schemeClr val="accent1"/>
-          </a:fillRef>
-          <a:effectRef idx="0">
-            <a:schemeClr val="accent1"/>
-          </a:effectRef>
-          <a:fontRef idx="minor">
-            <a:schemeClr val="tx1"/>
-          </a:fontRef>
-        </p:style>
-      </p:cxnSp>
-      <p:cxnSp>
-        <p:nvCxnSpPr>
-          <p:cNvPr id="317" name="직선 화살표 연결선 316"/>
-          <p:cNvCxnSpPr/>
-          <p:nvPr/>
-        </p:nvCxnSpPr>
-        <p:spPr>
-          <a:xfrm flipV="1">
-            <a:off x="4469478" y="5157348"/>
-            <a:ext cx="841935" cy="98346"/>
-          </a:xfrm>
-          <a:prstGeom prst="straightConnector1">
-            <a:avLst/>
-          </a:prstGeom>
-          <a:ln w="19050">
-            <a:solidFill>
-              <a:schemeClr val="tx1"/>
-            </a:solidFill>
-            <a:tailEnd type="triangle"/>
-          </a:ln>
-          <a:effectLst>
-            <a:outerShdw blurRad="50800" dist="38100" dir="2700000" algn="tl" rotWithShape="0">
-              <a:prstClr val="black">
-                <a:alpha val="40000"/>
-              </a:prstClr>
-            </a:outerShdw>
-          </a:effectLst>
-        </p:spPr>
-        <p:style>
-          <a:lnRef idx="1">
-            <a:schemeClr val="accent1"/>
-          </a:lnRef>
-          <a:fillRef idx="0">
-            <a:schemeClr val="accent1"/>
-          </a:fillRef>
-          <a:effectRef idx="0">
-            <a:schemeClr val="accent1"/>
-          </a:effectRef>
-          <a:fontRef idx="minor">
-            <a:schemeClr val="tx1"/>
-          </a:fontRef>
-        </p:style>
-      </p:cxnSp>
-      <p:cxnSp>
-        <p:nvCxnSpPr>
-          <p:cNvPr id="318" name="직선 화살표 연결선 317"/>
-          <p:cNvCxnSpPr/>
-          <p:nvPr/>
-        </p:nvCxnSpPr>
-        <p:spPr>
-          <a:xfrm>
-            <a:off x="4478639" y="5250244"/>
-            <a:ext cx="1204812" cy="323034"/>
-          </a:xfrm>
-          <a:prstGeom prst="straightConnector1">
-            <a:avLst/>
-          </a:prstGeom>
-          <a:ln w="19050">
-            <a:solidFill>
-              <a:schemeClr val="tx1"/>
-            </a:solidFill>
-            <a:tailEnd type="triangle"/>
-          </a:ln>
-          <a:effectLst>
-            <a:outerShdw blurRad="50800" dist="38100" dir="2700000" algn="tl" rotWithShape="0">
-              <a:prstClr val="black">
-                <a:alpha val="40000"/>
-              </a:prstClr>
-            </a:outerShdw>
-          </a:effectLst>
-        </p:spPr>
-        <p:style>
-          <a:lnRef idx="1">
-            <a:schemeClr val="accent1"/>
-          </a:lnRef>
-          <a:fillRef idx="0">
-            <a:schemeClr val="accent1"/>
-          </a:fillRef>
-          <a:effectRef idx="0">
-            <a:schemeClr val="accent1"/>
-          </a:effectRef>
-          <a:fontRef idx="minor">
-            <a:schemeClr val="tx1"/>
-          </a:fontRef>
-        </p:style>
-      </p:cxnSp>
-      <p:cxnSp>
-        <p:nvCxnSpPr>
-          <p:cNvPr id="319" name="직선 화살표 연결선 318"/>
-          <p:cNvCxnSpPr/>
-          <p:nvPr/>
-        </p:nvCxnSpPr>
-        <p:spPr>
-          <a:xfrm>
-            <a:off x="5711013" y="5157348"/>
-            <a:ext cx="930736" cy="175573"/>
-          </a:xfrm>
-          <a:prstGeom prst="straightConnector1">
-            <a:avLst/>
-          </a:prstGeom>
-          <a:ln w="19050">
-            <a:solidFill>
-              <a:schemeClr val="tx1"/>
-            </a:solidFill>
-            <a:tailEnd type="triangle"/>
-          </a:ln>
-          <a:effectLst>
-            <a:outerShdw blurRad="50800" dist="38100" dir="2700000" algn="tl" rotWithShape="0">
-              <a:prstClr val="black">
-                <a:alpha val="40000"/>
-              </a:prstClr>
-            </a:outerShdw>
-          </a:effectLst>
-        </p:spPr>
-        <p:style>
-          <a:lnRef idx="1">
-            <a:schemeClr val="accent1"/>
-          </a:lnRef>
-          <a:fillRef idx="0">
-            <a:schemeClr val="accent1"/>
-          </a:fillRef>
-          <a:effectRef idx="0">
-            <a:schemeClr val="accent1"/>
-          </a:effectRef>
-          <a:fontRef idx="minor">
-            <a:schemeClr val="tx1"/>
-          </a:fontRef>
-        </p:style>
-      </p:cxnSp>
-      <p:cxnSp>
-        <p:nvCxnSpPr>
           <p:cNvPr id="320" name="직선 화살표 연결선 319"/>
           <p:cNvCxnSpPr/>
           <p:nvPr/>
@@ -13530,92 +7730,6 @@
           <a:xfrm flipV="1">
             <a:off x="6083051" y="5332921"/>
             <a:ext cx="558698" cy="240357"/>
-          </a:xfrm>
-          <a:prstGeom prst="straightConnector1">
-            <a:avLst/>
-          </a:prstGeom>
-          <a:ln w="19050">
-            <a:solidFill>
-              <a:schemeClr val="tx1"/>
-            </a:solidFill>
-            <a:tailEnd type="triangle"/>
-          </a:ln>
-          <a:effectLst>
-            <a:outerShdw blurRad="50800" dist="38100" dir="2700000" algn="tl" rotWithShape="0">
-              <a:prstClr val="black">
-                <a:alpha val="40000"/>
-              </a:prstClr>
-            </a:outerShdw>
-          </a:effectLst>
-        </p:spPr>
-        <p:style>
-          <a:lnRef idx="1">
-            <a:schemeClr val="accent1"/>
-          </a:lnRef>
-          <a:fillRef idx="0">
-            <a:schemeClr val="accent1"/>
-          </a:fillRef>
-          <a:effectRef idx="0">
-            <a:schemeClr val="accent1"/>
-          </a:effectRef>
-          <a:fontRef idx="minor">
-            <a:schemeClr val="tx1"/>
-          </a:fontRef>
-        </p:style>
-      </p:cxnSp>
-      <p:cxnSp>
-        <p:nvCxnSpPr>
-          <p:cNvPr id="321" name="직선 화살표 연결선 320"/>
-          <p:cNvCxnSpPr/>
-          <p:nvPr/>
-        </p:nvCxnSpPr>
-        <p:spPr>
-          <a:xfrm flipV="1">
-            <a:off x="7444156" y="5156618"/>
-            <a:ext cx="796680" cy="176348"/>
-          </a:xfrm>
-          <a:prstGeom prst="straightConnector1">
-            <a:avLst/>
-          </a:prstGeom>
-          <a:ln w="19050">
-            <a:solidFill>
-              <a:schemeClr val="tx1"/>
-            </a:solidFill>
-            <a:tailEnd type="triangle"/>
-          </a:ln>
-          <a:effectLst>
-            <a:outerShdw blurRad="50800" dist="38100" dir="2700000" algn="tl" rotWithShape="0">
-              <a:prstClr val="black">
-                <a:alpha val="40000"/>
-              </a:prstClr>
-            </a:outerShdw>
-          </a:effectLst>
-        </p:spPr>
-        <p:style>
-          <a:lnRef idx="1">
-            <a:schemeClr val="accent1"/>
-          </a:lnRef>
-          <a:fillRef idx="0">
-            <a:schemeClr val="accent1"/>
-          </a:fillRef>
-          <a:effectRef idx="0">
-            <a:schemeClr val="accent1"/>
-          </a:effectRef>
-          <a:fontRef idx="minor">
-            <a:schemeClr val="tx1"/>
-          </a:fontRef>
-        </p:style>
-      </p:cxnSp>
-      <p:cxnSp>
-        <p:nvCxnSpPr>
-          <p:cNvPr id="328" name="직선 화살표 연결선 327"/>
-          <p:cNvCxnSpPr/>
-          <p:nvPr/>
-        </p:nvCxnSpPr>
-        <p:spPr>
-          <a:xfrm>
-            <a:off x="7444156" y="5332966"/>
-            <a:ext cx="1168718" cy="239582"/>
           </a:xfrm>
           <a:prstGeom prst="straightConnector1">
             <a:avLst/>
@@ -13879,59 +7993,6 @@
           </p:txBody>
         </p:sp>
       </p:grpSp>
-      <p:sp>
-        <p:nvSpPr>
-          <p:cNvPr id="82" name="오른쪽 중괄호 81"/>
-          <p:cNvSpPr/>
-          <p:nvPr/>
-        </p:nvSpPr>
-        <p:spPr>
-          <a:xfrm>
-            <a:off x="9272975" y="733837"/>
-            <a:ext cx="458156" cy="5240820"/>
-          </a:xfrm>
-          <a:prstGeom prst="rightBrace">
-            <a:avLst>
-              <a:gd name="adj1" fmla="val 8333"/>
-              <a:gd name="adj2" fmla="val 45405"/>
-            </a:avLst>
-          </a:prstGeom>
-          <a:ln w="19050">
-            <a:solidFill>
-              <a:schemeClr val="tx1"/>
-            </a:solidFill>
-          </a:ln>
-          <a:effectLst>
-            <a:outerShdw blurRad="50800" dist="38100" dir="2700000" algn="tl" rotWithShape="0">
-              <a:prstClr val="black">
-                <a:alpha val="40000"/>
-              </a:prstClr>
-            </a:outerShdw>
-          </a:effectLst>
-        </p:spPr>
-        <p:style>
-          <a:lnRef idx="1">
-            <a:schemeClr val="accent1"/>
-          </a:lnRef>
-          <a:fillRef idx="0">
-            <a:schemeClr val="accent1"/>
-          </a:fillRef>
-          <a:effectRef idx="0">
-            <a:schemeClr val="accent1"/>
-          </a:effectRef>
-          <a:fontRef idx="minor">
-            <a:schemeClr val="tx1"/>
-          </a:fontRef>
-        </p:style>
-        <p:txBody>
-          <a:bodyPr rtlCol="0" anchor="ctr"/>
-          <a:lstStyle/>
-          <a:p>
-            <a:pPr algn="ctr"/>
-            <a:endParaRPr lang="ko-KR" altLang="en-US"/>
-          </a:p>
-        </p:txBody>
-      </p:sp>
       <p:cxnSp>
         <p:nvCxnSpPr>
           <p:cNvPr id="84" name="직선 화살표 연결선 83"/>
@@ -13985,7 +8046,7 @@
         </p:nvSpPr>
         <p:spPr>
           <a:xfrm>
-            <a:off x="10165154" y="4249632"/>
+            <a:off x="8372684" y="6122207"/>
             <a:ext cx="307790" cy="431799"/>
           </a:xfrm>
           <a:prstGeom prst="roundRect">
@@ -14041,7 +8102,7 @@
         </p:nvSpPr>
         <p:spPr>
           <a:xfrm>
-            <a:off x="10057776" y="4124024"/>
+            <a:off x="8265306" y="5996599"/>
             <a:ext cx="534234" cy="632799"/>
           </a:xfrm>
           <a:prstGeom prst="rect">
@@ -14087,7 +8148,7 @@
         </p:nvSpPr>
         <p:spPr>
           <a:xfrm>
-            <a:off x="10592010" y="4124024"/>
+            <a:off x="8799540" y="5996599"/>
             <a:ext cx="1180266" cy="632799"/>
           </a:xfrm>
           <a:prstGeom prst="rect">
@@ -14225,7 +8286,7 @@
         </p:nvSpPr>
         <p:spPr>
           <a:xfrm>
-            <a:off x="10144489" y="4297321"/>
+            <a:off x="8352019" y="6169896"/>
             <a:ext cx="2043112" cy="276999"/>
           </a:xfrm>
           <a:prstGeom prst="rect">
@@ -14830,6 +8891,612 @@
           </a:p>
         </p:txBody>
       </p:sp>
+      <p:grpSp>
+        <p:nvGrpSpPr>
+          <p:cNvPr id="269" name="그룹 268"/>
+          <p:cNvGrpSpPr/>
+          <p:nvPr/>
+        </p:nvGrpSpPr>
+        <p:grpSpPr>
+          <a:xfrm rot="2433725">
+            <a:off x="820901" y="1495566"/>
+            <a:ext cx="530163" cy="737929"/>
+            <a:chOff x="6283585" y="-191591"/>
+            <a:chExt cx="530163" cy="737929"/>
+          </a:xfrm>
+          <a:effectLst>
+            <a:outerShdw blurRad="50800" dist="38100" dir="2700000" algn="tl" rotWithShape="0">
+              <a:prstClr val="black">
+                <a:alpha val="40000"/>
+              </a:prstClr>
+            </a:outerShdw>
+          </a:effectLst>
+        </p:grpSpPr>
+        <p:sp>
+          <p:nvSpPr>
+            <p:cNvPr id="270" name="TextBox 269"/>
+            <p:cNvSpPr txBox="1"/>
+            <p:nvPr/>
+          </p:nvSpPr>
+          <p:spPr>
+            <a:xfrm>
+              <a:off x="6307503" y="-38437"/>
+              <a:ext cx="506245" cy="584775"/>
+            </a:xfrm>
+            <a:prstGeom prst="rect">
+              <a:avLst/>
+            </a:prstGeom>
+            <a:noFill/>
+          </p:spPr>
+          <p:txBody>
+            <a:bodyPr wrap="square" rtlCol="0">
+              <a:spAutoFit/>
+            </a:bodyPr>
+            <a:lstStyle/>
+            <a:p>
+              <a:pPr algn="ctr"/>
+              <a:r>
+                <a:rPr lang="en-US" altLang="ko-KR" sz="3200" dirty="0" smtClean="0"/>
+                <a:t>.</a:t>
+              </a:r>
+              <a:endParaRPr lang="ko-KR" altLang="en-US" sz="3200" dirty="0"/>
+            </a:p>
+          </p:txBody>
+        </p:sp>
+        <p:sp>
+          <p:nvSpPr>
+            <p:cNvPr id="273" name="TextBox 272"/>
+            <p:cNvSpPr txBox="1"/>
+            <p:nvPr/>
+          </p:nvSpPr>
+          <p:spPr>
+            <a:xfrm>
+              <a:off x="6283585" y="-191591"/>
+              <a:ext cx="506245" cy="584775"/>
+            </a:xfrm>
+            <a:prstGeom prst="rect">
+              <a:avLst/>
+            </a:prstGeom>
+            <a:noFill/>
+          </p:spPr>
+          <p:txBody>
+            <a:bodyPr wrap="square" rtlCol="0">
+              <a:spAutoFit/>
+            </a:bodyPr>
+            <a:lstStyle/>
+            <a:p>
+              <a:pPr algn="ctr"/>
+              <a:r>
+                <a:rPr lang="en-US" altLang="ko-KR" sz="3200" dirty="0" smtClean="0"/>
+                <a:t>.</a:t>
+              </a:r>
+              <a:endParaRPr lang="ko-KR" altLang="en-US" sz="3200" dirty="0"/>
+            </a:p>
+          </p:txBody>
+        </p:sp>
+        <p:sp>
+          <p:nvSpPr>
+            <p:cNvPr id="276" name="TextBox 275"/>
+            <p:cNvSpPr txBox="1"/>
+            <p:nvPr/>
+          </p:nvSpPr>
+          <p:spPr>
+            <a:xfrm>
+              <a:off x="6291836" y="-114498"/>
+              <a:ext cx="506245" cy="584775"/>
+            </a:xfrm>
+            <a:prstGeom prst="rect">
+              <a:avLst/>
+            </a:prstGeom>
+            <a:noFill/>
+          </p:spPr>
+          <p:txBody>
+            <a:bodyPr wrap="square" rtlCol="0">
+              <a:spAutoFit/>
+            </a:bodyPr>
+            <a:lstStyle/>
+            <a:p>
+              <a:pPr algn="ctr"/>
+              <a:r>
+                <a:rPr lang="en-US" altLang="ko-KR" sz="3200" dirty="0" smtClean="0"/>
+                <a:t>.</a:t>
+              </a:r>
+              <a:endParaRPr lang="ko-KR" altLang="en-US" sz="3200" dirty="0"/>
+            </a:p>
+          </p:txBody>
+        </p:sp>
+      </p:grpSp>
+      <p:sp>
+        <p:nvSpPr>
+          <p:cNvPr id="277" name="TextBox 276"/>
+          <p:cNvSpPr txBox="1"/>
+          <p:nvPr/>
+        </p:nvSpPr>
+        <p:spPr>
+          <a:xfrm rot="2175363">
+            <a:off x="870374" y="3708918"/>
+            <a:ext cx="675093" cy="1015663"/>
+          </a:xfrm>
+          <a:prstGeom prst="rect">
+            <a:avLst/>
+          </a:prstGeom>
+          <a:noFill/>
+          <a:effectLst>
+            <a:outerShdw blurRad="50800" dist="38100" dir="2700000" algn="tl" rotWithShape="0">
+              <a:prstClr val="black">
+                <a:alpha val="40000"/>
+              </a:prstClr>
+            </a:outerShdw>
+          </a:effectLst>
+        </p:spPr>
+        <p:txBody>
+          <a:bodyPr wrap="square" rtlCol="0">
+            <a:spAutoFit/>
+          </a:bodyPr>
+          <a:lstStyle/>
+          <a:p>
+            <a:pPr algn="ctr"/>
+            <a:r>
+              <a:rPr lang="en-US" altLang="ko-KR" sz="6000" dirty="0" smtClean="0"/>
+              <a:t>}</a:t>
+            </a:r>
+            <a:endParaRPr lang="ko-KR" altLang="en-US" sz="6000" dirty="0"/>
+          </a:p>
+        </p:txBody>
+      </p:sp>
+      <p:sp>
+        <p:nvSpPr>
+          <p:cNvPr id="279" name="TextBox 278"/>
+          <p:cNvSpPr txBox="1"/>
+          <p:nvPr/>
+        </p:nvSpPr>
+        <p:spPr>
+          <a:xfrm rot="2175363">
+            <a:off x="870372" y="1660018"/>
+            <a:ext cx="675093" cy="1015663"/>
+          </a:xfrm>
+          <a:prstGeom prst="rect">
+            <a:avLst/>
+          </a:prstGeom>
+          <a:noFill/>
+          <a:effectLst>
+            <a:outerShdw blurRad="50800" dist="38100" dir="2700000" algn="tl" rotWithShape="0">
+              <a:prstClr val="black">
+                <a:alpha val="40000"/>
+              </a:prstClr>
+            </a:outerShdw>
+          </a:effectLst>
+        </p:spPr>
+        <p:txBody>
+          <a:bodyPr wrap="square" rtlCol="0">
+            <a:spAutoFit/>
+          </a:bodyPr>
+          <a:lstStyle/>
+          <a:p>
+            <a:pPr algn="ctr"/>
+            <a:r>
+              <a:rPr lang="en-US" altLang="ko-KR" sz="6000" dirty="0" smtClean="0"/>
+              <a:t>}</a:t>
+            </a:r>
+            <a:endParaRPr lang="ko-KR" altLang="en-US" sz="6000" dirty="0"/>
+          </a:p>
+        </p:txBody>
+      </p:sp>
+      <p:sp>
+        <p:nvSpPr>
+          <p:cNvPr id="280" name="TextBox 279"/>
+          <p:cNvSpPr txBox="1"/>
+          <p:nvPr/>
+        </p:nvSpPr>
+        <p:spPr>
+          <a:xfrm rot="2175363">
+            <a:off x="877576" y="2164792"/>
+            <a:ext cx="675093" cy="1015663"/>
+          </a:xfrm>
+          <a:prstGeom prst="rect">
+            <a:avLst/>
+          </a:prstGeom>
+          <a:noFill/>
+          <a:effectLst>
+            <a:outerShdw blurRad="50800" dist="38100" dir="2700000" algn="tl" rotWithShape="0">
+              <a:prstClr val="black">
+                <a:alpha val="40000"/>
+              </a:prstClr>
+            </a:outerShdw>
+          </a:effectLst>
+        </p:spPr>
+        <p:txBody>
+          <a:bodyPr wrap="square" rtlCol="0">
+            <a:spAutoFit/>
+          </a:bodyPr>
+          <a:lstStyle/>
+          <a:p>
+            <a:pPr algn="ctr"/>
+            <a:r>
+              <a:rPr lang="en-US" altLang="ko-KR" sz="6000" dirty="0" smtClean="0"/>
+              <a:t>}</a:t>
+            </a:r>
+            <a:endParaRPr lang="ko-KR" altLang="en-US" sz="6000" dirty="0"/>
+          </a:p>
+        </p:txBody>
+      </p:sp>
+      <p:cxnSp>
+        <p:nvCxnSpPr>
+          <p:cNvPr id="33" name="꺾인 연결선 32"/>
+          <p:cNvCxnSpPr>
+            <a:endCxn id="172" idx="2"/>
+          </p:cNvCxnSpPr>
+          <p:nvPr/>
+        </p:nvCxnSpPr>
+        <p:spPr>
+          <a:xfrm rot="5400000" flipH="1" flipV="1">
+            <a:off x="1136405" y="1120394"/>
+            <a:ext cx="1203839" cy="1046404"/>
+          </a:xfrm>
+          <a:prstGeom prst="bentConnector2">
+            <a:avLst/>
+          </a:prstGeom>
+          <a:ln w="19050">
+            <a:solidFill>
+              <a:schemeClr val="tx1"/>
+            </a:solidFill>
+            <a:tailEnd type="triangle"/>
+          </a:ln>
+          <a:effectLst>
+            <a:outerShdw blurRad="50800" dist="38100" dir="2700000" algn="tl" rotWithShape="0">
+              <a:prstClr val="black">
+                <a:alpha val="40000"/>
+              </a:prstClr>
+            </a:outerShdw>
+          </a:effectLst>
+        </p:spPr>
+        <p:style>
+          <a:lnRef idx="1">
+            <a:schemeClr val="accent1"/>
+          </a:lnRef>
+          <a:fillRef idx="0">
+            <a:schemeClr val="accent1"/>
+          </a:fillRef>
+          <a:effectRef idx="0">
+            <a:schemeClr val="accent1"/>
+          </a:effectRef>
+          <a:fontRef idx="minor">
+            <a:schemeClr val="tx1"/>
+          </a:fontRef>
+        </p:style>
+      </p:cxnSp>
+      <p:grpSp>
+        <p:nvGrpSpPr>
+          <p:cNvPr id="50" name="그룹 49"/>
+          <p:cNvGrpSpPr/>
+          <p:nvPr/>
+        </p:nvGrpSpPr>
+        <p:grpSpPr>
+          <a:xfrm rot="16200000">
+            <a:off x="5047557" y="575139"/>
+            <a:ext cx="822912" cy="370288"/>
+            <a:chOff x="3126492" y="6456554"/>
+            <a:chExt cx="822912" cy="370288"/>
+          </a:xfrm>
+        </p:grpSpPr>
+        <p:sp>
+          <p:nvSpPr>
+            <p:cNvPr id="41" name="직사각형 40"/>
+            <p:cNvSpPr/>
+            <p:nvPr/>
+          </p:nvSpPr>
+          <p:spPr>
+            <a:xfrm>
+              <a:off x="3126492" y="6456554"/>
+              <a:ext cx="822912" cy="370288"/>
+            </a:xfrm>
+            <a:prstGeom prst="rect">
+              <a:avLst/>
+            </a:prstGeom>
+            <a:solidFill>
+              <a:srgbClr val="F1F0E2"/>
+            </a:solidFill>
+            <a:ln w="15875">
+              <a:solidFill>
+                <a:schemeClr val="tx1"/>
+              </a:solidFill>
+            </a:ln>
+            <a:effectLst>
+              <a:outerShdw blurRad="50800" dist="38100" dir="2700000" algn="tl" rotWithShape="0">
+                <a:prstClr val="black">
+                  <a:alpha val="40000"/>
+                </a:prstClr>
+              </a:outerShdw>
+            </a:effectLst>
+          </p:spPr>
+          <p:style>
+            <a:lnRef idx="2">
+              <a:schemeClr val="accent1">
+                <a:shade val="50000"/>
+              </a:schemeClr>
+            </a:lnRef>
+            <a:fillRef idx="1">
+              <a:schemeClr val="accent1"/>
+            </a:fillRef>
+            <a:effectRef idx="0">
+              <a:schemeClr val="accent1"/>
+            </a:effectRef>
+            <a:fontRef idx="minor">
+              <a:schemeClr val="lt1"/>
+            </a:fontRef>
+          </p:style>
+          <p:txBody>
+            <a:bodyPr rtlCol="0" anchor="ctr"/>
+            <a:lstStyle/>
+            <a:p>
+              <a:pPr algn="ctr"/>
+              <a:endParaRPr lang="ko-KR" altLang="en-US"/>
+            </a:p>
+          </p:txBody>
+        </p:sp>
+        <mc:AlternateContent xmlns:mc="http://schemas.openxmlformats.org/markup-compatibility/2006">
+          <mc:Choice xmlns:a14="http://schemas.microsoft.com/office/drawing/2010/main" Requires="a14">
+            <p:sp>
+              <p:nvSpPr>
+                <p:cNvPr id="36" name="TextBox 35"/>
+                <p:cNvSpPr txBox="1"/>
+                <p:nvPr/>
+              </p:nvSpPr>
+              <p:spPr>
+                <a:xfrm>
+                  <a:off x="3168520" y="6468125"/>
+                  <a:ext cx="738857" cy="347146"/>
+                </a:xfrm>
+                <a:prstGeom prst="rect">
+                  <a:avLst/>
+                </a:prstGeom>
+                <a:noFill/>
+                <a:effectLst/>
+              </p:spPr>
+              <p:txBody>
+                <a:bodyPr wrap="none" lIns="0" tIns="0" rIns="0" bIns="0" rtlCol="0">
+                  <a:spAutoFit/>
+                </a:bodyPr>
+                <a:lstStyle/>
+                <a:p>
+                  <a14:m>
+                    <m:oMathPara xmlns:m="http://schemas.openxmlformats.org/officeDocument/2006/math">
+                      <m:oMathParaPr>
+                        <m:jc m:val="centerGroup"/>
+                      </m:oMathParaPr>
+                      <m:oMath xmlns:m="http://schemas.openxmlformats.org/officeDocument/2006/math">
+                        <m:acc>
+                          <m:accPr>
+                            <m:chr m:val="⃗"/>
+                            <m:ctrlPr>
+                              <a:rPr lang="en-US" altLang="ko-KR" sz="2000" i="1" smtClean="0">
+                                <a:latin typeface="Cambria Math" panose="02040503050406030204" pitchFamily="18" charset="0"/>
+                              </a:rPr>
+                            </m:ctrlPr>
+                          </m:accPr>
+                          <m:e>
+                            <m:r>
+                              <a:rPr lang="en-US" altLang="ko-KR" sz="2000" b="0" i="1">
+                                <a:latin typeface="Cambria Math" panose="02040503050406030204" pitchFamily="18" charset="0"/>
+                              </a:rPr>
+                              <m:t>𝐿𝑆𝑇𝑀</m:t>
+                            </m:r>
+                          </m:e>
+                        </m:acc>
+                      </m:oMath>
+                    </m:oMathPara>
+                  </a14:m>
+                  <a:endParaRPr lang="ko-KR" altLang="en-US" sz="2000" dirty="0"/>
+                </a:p>
+              </p:txBody>
+            </p:sp>
+          </mc:Choice>
+          <mc:Fallback>
+            <p:sp>
+              <p:nvSpPr>
+                <p:cNvPr id="36" name="TextBox 35"/>
+                <p:cNvSpPr txBox="1">
+                  <a:spLocks noRot="1" noChangeAspect="1" noMove="1" noResize="1" noEditPoints="1" noAdjustHandles="1" noChangeArrowheads="1" noChangeShapeType="1" noTextEdit="1"/>
+                </p:cNvSpPr>
+                <p:nvPr/>
+              </p:nvSpPr>
+              <p:spPr>
+                <a:xfrm>
+                  <a:off x="3168520" y="6468125"/>
+                  <a:ext cx="738857" cy="347146"/>
+                </a:xfrm>
+                <a:prstGeom prst="rect">
+                  <a:avLst/>
+                </a:prstGeom>
+                <a:blipFill>
+                  <a:blip r:embed="rId2"/>
+                  <a:stretch>
+                    <a:fillRect t="-4959" r="-8772" b="-5785"/>
+                  </a:stretch>
+                </a:blipFill>
+                <a:effectLst/>
+              </p:spPr>
+              <p:txBody>
+                <a:bodyPr/>
+                <a:lstStyle/>
+                <a:p>
+                  <a:r>
+                    <a:rPr lang="ko-KR" altLang="en-US">
+                      <a:noFill/>
+                    </a:rPr>
+                    <a:t> </a:t>
+                  </a:r>
+                </a:p>
+              </p:txBody>
+            </p:sp>
+          </mc:Fallback>
+        </mc:AlternateContent>
+      </p:grpSp>
+      <p:grpSp>
+        <p:nvGrpSpPr>
+          <p:cNvPr id="52" name="그룹 51"/>
+          <p:cNvGrpSpPr/>
+          <p:nvPr/>
+        </p:nvGrpSpPr>
+        <p:grpSpPr>
+          <a:xfrm rot="16200000">
+            <a:off x="5495684" y="1264490"/>
+            <a:ext cx="822912" cy="370288"/>
+            <a:chOff x="5912147" y="6406438"/>
+            <a:chExt cx="822912" cy="370288"/>
+          </a:xfrm>
+        </p:grpSpPr>
+        <p:sp>
+          <p:nvSpPr>
+            <p:cNvPr id="282" name="직사각형 281"/>
+            <p:cNvSpPr/>
+            <p:nvPr/>
+          </p:nvSpPr>
+          <p:spPr>
+            <a:xfrm>
+              <a:off x="5912147" y="6406438"/>
+              <a:ext cx="822912" cy="370288"/>
+            </a:xfrm>
+            <a:prstGeom prst="rect">
+              <a:avLst/>
+            </a:prstGeom>
+            <a:solidFill>
+              <a:srgbClr val="F1F0E2"/>
+            </a:solidFill>
+            <a:ln w="15875">
+              <a:solidFill>
+                <a:schemeClr val="tx1"/>
+              </a:solidFill>
+            </a:ln>
+            <a:effectLst>
+              <a:outerShdw blurRad="50800" dist="38100" dir="2700000" algn="tl" rotWithShape="0">
+                <a:prstClr val="black">
+                  <a:alpha val="40000"/>
+                </a:prstClr>
+              </a:outerShdw>
+            </a:effectLst>
+          </p:spPr>
+          <p:style>
+            <a:lnRef idx="2">
+              <a:schemeClr val="accent1">
+                <a:shade val="50000"/>
+              </a:schemeClr>
+            </a:lnRef>
+            <a:fillRef idx="1">
+              <a:schemeClr val="accent1"/>
+            </a:fillRef>
+            <a:effectRef idx="0">
+              <a:schemeClr val="accent1"/>
+            </a:effectRef>
+            <a:fontRef idx="minor">
+              <a:schemeClr val="lt1"/>
+            </a:fontRef>
+          </p:style>
+          <p:txBody>
+            <a:bodyPr rtlCol="0" anchor="ctr"/>
+            <a:lstStyle/>
+            <a:p>
+              <a:pPr algn="ctr"/>
+              <a:endParaRPr lang="ko-KR" altLang="en-US"/>
+            </a:p>
+          </p:txBody>
+        </p:sp>
+        <mc:AlternateContent xmlns:mc="http://schemas.openxmlformats.org/markup-compatibility/2006">
+          <mc:Choice xmlns:a14="http://schemas.microsoft.com/office/drawing/2010/main" Requires="a14">
+            <p:sp>
+              <p:nvSpPr>
+                <p:cNvPr id="37" name="TextBox 36"/>
+                <p:cNvSpPr txBox="1"/>
+                <p:nvPr/>
+              </p:nvSpPr>
+              <p:spPr>
+                <a:xfrm>
+                  <a:off x="5954175" y="6418009"/>
+                  <a:ext cx="738857" cy="347146"/>
+                </a:xfrm>
+                <a:prstGeom prst="rect">
+                  <a:avLst/>
+                </a:prstGeom>
+                <a:noFill/>
+              </p:spPr>
+              <p:txBody>
+                <a:bodyPr wrap="none" lIns="0" tIns="0" rIns="0" bIns="0" rtlCol="0">
+                  <a:spAutoFit/>
+                </a:bodyPr>
+                <a:lstStyle/>
+                <a:p>
+                  <a14:m>
+                    <m:oMathPara xmlns:m="http://schemas.openxmlformats.org/officeDocument/2006/math">
+                      <m:oMathParaPr>
+                        <m:jc m:val="centerGroup"/>
+                      </m:oMathParaPr>
+                      <m:oMath xmlns:m="http://schemas.openxmlformats.org/officeDocument/2006/math">
+                        <m:acc>
+                          <m:accPr>
+                            <m:chr m:val="⃐"/>
+                            <m:ctrlPr>
+                              <a:rPr lang="ko-KR" altLang="en-US" sz="2000" i="1" smtClean="0">
+                                <a:latin typeface="Cambria Math" panose="02040503050406030204" pitchFamily="18" charset="0"/>
+                              </a:rPr>
+                            </m:ctrlPr>
+                          </m:accPr>
+                          <m:e>
+                            <m:r>
+                              <a:rPr lang="en-US" altLang="ko-KR" sz="2000" b="0" i="1">
+                                <a:latin typeface="Cambria Math" panose="02040503050406030204" pitchFamily="18" charset="0"/>
+                              </a:rPr>
+                              <m:t>𝐿𝑆𝑇𝑀</m:t>
+                            </m:r>
+                          </m:e>
+                        </m:acc>
+                      </m:oMath>
+                    </m:oMathPara>
+                  </a14:m>
+                  <a:endParaRPr lang="ko-KR" altLang="en-US" sz="2000" dirty="0"/>
+                </a:p>
+              </p:txBody>
+            </p:sp>
+          </mc:Choice>
+          <mc:Fallback>
+            <p:sp>
+              <p:nvSpPr>
+                <p:cNvPr id="37" name="TextBox 36"/>
+                <p:cNvSpPr txBox="1">
+                  <a:spLocks noRot="1" noChangeAspect="1" noMove="1" noResize="1" noEditPoints="1" noAdjustHandles="1" noChangeArrowheads="1" noChangeShapeType="1" noTextEdit="1"/>
+                </p:cNvSpPr>
+                <p:nvPr/>
+              </p:nvSpPr>
+              <p:spPr>
+                <a:xfrm>
+                  <a:off x="5954175" y="6418009"/>
+                  <a:ext cx="738857" cy="347146"/>
+                </a:xfrm>
+                <a:prstGeom prst="rect">
+                  <a:avLst/>
+                </a:prstGeom>
+                <a:blipFill>
+                  <a:blip r:embed="rId3"/>
+                  <a:stretch>
+                    <a:fillRect t="-4959" r="-8929" b="-5785"/>
+                  </a:stretch>
+                </a:blipFill>
+              </p:spPr>
+              <p:txBody>
+                <a:bodyPr/>
+                <a:lstStyle/>
+                <a:p>
+                  <a:r>
+                    <a:rPr lang="ko-KR" altLang="en-US">
+                      <a:noFill/>
+                    </a:rPr>
+                    <a:t> </a:t>
+                  </a:r>
+                </a:p>
+              </p:txBody>
+            </p:sp>
+          </mc:Fallback>
+        </mc:AlternateContent>
+      </p:grpSp>
     </p:spTree>
     <p:extLst>
       <p:ext uri="{BB962C8B-B14F-4D97-AF65-F5344CB8AC3E}">

--- a/changgyu_참고자료/networks.pptx
+++ b/changgyu_참고자료/networks.pptx
@@ -208,7 +208,7 @@
           <a:p>
             <a:fld id="{0FC3CEB9-D30E-4ED6-B8B4-6AAB7A515EE9}" type="datetimeFigureOut">
               <a:rPr lang="ko-KR" altLang="en-US" smtClean="0"/>
-              <a:t>2019-01-03</a:t>
+              <a:t>2019-01-04</a:t>
             </a:fld>
             <a:endParaRPr lang="ko-KR" altLang="en-US"/>
           </a:p>
@@ -691,7 +691,7 @@
           <a:p>
             <a:fld id="{A9B2214B-C433-4996-9B6C-9DD3E164BB43}" type="datetimeFigureOut">
               <a:rPr lang="ko-KR" altLang="en-US" smtClean="0"/>
-              <a:t>2019-01-03</a:t>
+              <a:t>2019-01-04</a:t>
             </a:fld>
             <a:endParaRPr lang="ko-KR" altLang="en-US"/>
           </a:p>
@@ -873,7 +873,7 @@
           <a:p>
             <a:fld id="{A9B2214B-C433-4996-9B6C-9DD3E164BB43}" type="datetimeFigureOut">
               <a:rPr lang="ko-KR" altLang="en-US" smtClean="0"/>
-              <a:t>2019-01-03</a:t>
+              <a:t>2019-01-04</a:t>
             </a:fld>
             <a:endParaRPr lang="ko-KR" altLang="en-US"/>
           </a:p>
@@ -1065,7 +1065,7 @@
           <a:p>
             <a:fld id="{A9B2214B-C433-4996-9B6C-9DD3E164BB43}" type="datetimeFigureOut">
               <a:rPr lang="ko-KR" altLang="en-US" smtClean="0"/>
-              <a:t>2019-01-03</a:t>
+              <a:t>2019-01-04</a:t>
             </a:fld>
             <a:endParaRPr lang="ko-KR" altLang="en-US"/>
           </a:p>
@@ -1247,7 +1247,7 @@
           <a:p>
             <a:fld id="{A9B2214B-C433-4996-9B6C-9DD3E164BB43}" type="datetimeFigureOut">
               <a:rPr lang="ko-KR" altLang="en-US" smtClean="0"/>
-              <a:t>2019-01-03</a:t>
+              <a:t>2019-01-04</a:t>
             </a:fld>
             <a:endParaRPr lang="ko-KR" altLang="en-US"/>
           </a:p>
@@ -1505,7 +1505,7 @@
           <a:p>
             <a:fld id="{A9B2214B-C433-4996-9B6C-9DD3E164BB43}" type="datetimeFigureOut">
               <a:rPr lang="ko-KR" altLang="en-US" smtClean="0"/>
-              <a:t>2019-01-03</a:t>
+              <a:t>2019-01-04</a:t>
             </a:fld>
             <a:endParaRPr lang="ko-KR" altLang="en-US"/>
           </a:p>
@@ -1749,7 +1749,7 @@
           <a:p>
             <a:fld id="{A9B2214B-C433-4996-9B6C-9DD3E164BB43}" type="datetimeFigureOut">
               <a:rPr lang="ko-KR" altLang="en-US" smtClean="0"/>
-              <a:t>2019-01-03</a:t>
+              <a:t>2019-01-04</a:t>
             </a:fld>
             <a:endParaRPr lang="ko-KR" altLang="en-US"/>
           </a:p>
@@ -2128,7 +2128,7 @@
           <a:p>
             <a:fld id="{A9B2214B-C433-4996-9B6C-9DD3E164BB43}" type="datetimeFigureOut">
               <a:rPr lang="ko-KR" altLang="en-US" smtClean="0"/>
-              <a:t>2019-01-03</a:t>
+              <a:t>2019-01-04</a:t>
             </a:fld>
             <a:endParaRPr lang="ko-KR" altLang="en-US"/>
           </a:p>
@@ -2258,7 +2258,7 @@
           <a:p>
             <a:fld id="{A9B2214B-C433-4996-9B6C-9DD3E164BB43}" type="datetimeFigureOut">
               <a:rPr lang="ko-KR" altLang="en-US" smtClean="0"/>
-              <a:t>2019-01-03</a:t>
+              <a:t>2019-01-04</a:t>
             </a:fld>
             <a:endParaRPr lang="ko-KR" altLang="en-US"/>
           </a:p>
@@ -2365,7 +2365,7 @@
           <a:p>
             <a:fld id="{A9B2214B-C433-4996-9B6C-9DD3E164BB43}" type="datetimeFigureOut">
               <a:rPr lang="ko-KR" altLang="en-US" smtClean="0"/>
-              <a:t>2019-01-03</a:t>
+              <a:t>2019-01-04</a:t>
             </a:fld>
             <a:endParaRPr lang="ko-KR" altLang="en-US"/>
           </a:p>
@@ -2654,7 +2654,7 @@
           <a:p>
             <a:fld id="{A9B2214B-C433-4996-9B6C-9DD3E164BB43}" type="datetimeFigureOut">
               <a:rPr lang="ko-KR" altLang="en-US" smtClean="0"/>
-              <a:t>2019-01-03</a:t>
+              <a:t>2019-01-04</a:t>
             </a:fld>
             <a:endParaRPr lang="ko-KR" altLang="en-US"/>
           </a:p>
@@ -2919,7 +2919,7 @@
           <a:p>
             <a:fld id="{A9B2214B-C433-4996-9B6C-9DD3E164BB43}" type="datetimeFigureOut">
               <a:rPr lang="ko-KR" altLang="en-US" smtClean="0"/>
-              <a:t>2019-01-03</a:t>
+              <a:t>2019-01-04</a:t>
             </a:fld>
             <a:endParaRPr lang="ko-KR" altLang="en-US"/>
           </a:p>
@@ -3147,7 +3147,7 @@
           <a:p>
             <a:fld id="{A9B2214B-C433-4996-9B6C-9DD3E164BB43}" type="datetimeFigureOut">
               <a:rPr lang="ko-KR" altLang="en-US" smtClean="0"/>
-              <a:t>2019-01-03</a:t>
+              <a:t>2019-01-04</a:t>
             </a:fld>
             <a:endParaRPr lang="ko-KR" altLang="en-US"/>
           </a:p>
@@ -3602,9 +3602,6 @@
               </a:rPr>
               <a:t>Attention</a:t>
             </a:r>
-            <a:endParaRPr lang="en-US" altLang="ko-KR" sz="1000" dirty="0" smtClean="0">
-              <a:latin typeface="Constantia" panose="02030602050306030303" pitchFamily="18" charset="0"/>
-            </a:endParaRPr>
           </a:p>
         </p:txBody>
       </p:sp>
@@ -6612,8 +6609,8 @@
               </a:p>
             </p:txBody>
           </p:sp>
-          <mc:AlternateContent xmlns:mc="http://schemas.openxmlformats.org/markup-compatibility/2006">
-            <mc:Choice xmlns:a14="http://schemas.microsoft.com/office/drawing/2010/main" Requires="a14">
+          <mc:AlternateContent xmlns:mc="http://schemas.openxmlformats.org/markup-compatibility/2006" xmlns:a14="http://schemas.microsoft.com/office/drawing/2010/main">
+            <mc:Choice Requires="a14">
               <p:sp>
                 <p:nvSpPr>
                   <p:cNvPr id="37" name="TextBox 36"/>
@@ -6657,7 +6654,7 @@
                 </p:txBody>
               </p:sp>
             </mc:Choice>
-            <mc:Fallback>
+            <mc:Fallback xmlns="">
               <p:sp>
                 <p:nvSpPr>
                   <p:cNvPr id="37" name="TextBox 36"/>
@@ -6697,8 +6694,8 @@
             </mc:Fallback>
           </mc:AlternateContent>
         </p:grpSp>
-        <mc:AlternateContent xmlns:mc="http://schemas.openxmlformats.org/markup-compatibility/2006">
-          <mc:Choice xmlns:a14="http://schemas.microsoft.com/office/drawing/2010/main" Requires="a14">
+        <mc:AlternateContent xmlns:mc="http://schemas.openxmlformats.org/markup-compatibility/2006" xmlns:a14="http://schemas.microsoft.com/office/drawing/2010/main">
+          <mc:Choice Requires="a14">
             <p:sp>
               <p:nvSpPr>
                 <p:cNvPr id="8" name="TextBox 7"/>
@@ -6754,7 +6751,7 @@
               </p:txBody>
             </p:sp>
           </mc:Choice>
-          <mc:Fallback>
+          <mc:Fallback xmlns="">
             <p:sp>
               <p:nvSpPr>
                 <p:cNvPr id="8" name="TextBox 7"/>
@@ -6863,8 +6860,8 @@
             </a:p>
           </p:txBody>
         </p:sp>
-        <mc:AlternateContent xmlns:mc="http://schemas.openxmlformats.org/markup-compatibility/2006">
-          <mc:Choice xmlns:a14="http://schemas.microsoft.com/office/drawing/2010/main" Requires="a14">
+        <mc:AlternateContent xmlns:mc="http://schemas.openxmlformats.org/markup-compatibility/2006" xmlns:a14="http://schemas.microsoft.com/office/drawing/2010/main">
+          <mc:Choice Requires="a14">
             <p:sp>
               <p:nvSpPr>
                 <p:cNvPr id="139" name="TextBox 138"/>
@@ -6921,7 +6918,7 @@
               </p:txBody>
             </p:sp>
           </mc:Choice>
-          <mc:Fallback>
+          <mc:Fallback xmlns="">
             <p:sp>
               <p:nvSpPr>
                 <p:cNvPr id="139" name="TextBox 138"/>
@@ -7748,8 +7745,8 @@
               </a:p>
             </p:txBody>
           </p:sp>
-          <mc:AlternateContent xmlns:mc="http://schemas.openxmlformats.org/markup-compatibility/2006">
-            <mc:Choice xmlns:a14="http://schemas.microsoft.com/office/drawing/2010/main" Requires="a14">
+          <mc:AlternateContent xmlns:mc="http://schemas.openxmlformats.org/markup-compatibility/2006" xmlns:a14="http://schemas.microsoft.com/office/drawing/2010/main">
+            <mc:Choice Requires="a14">
               <p:sp>
                 <p:nvSpPr>
                   <p:cNvPr id="211" name="TextBox 210"/>
@@ -7793,7 +7790,7 @@
                 </p:txBody>
               </p:sp>
             </mc:Choice>
-            <mc:Fallback>
+            <mc:Fallback xmlns="">
               <p:sp>
                 <p:nvSpPr>
                   <p:cNvPr id="211" name="TextBox 210"/>
@@ -7833,8 +7830,8 @@
             </mc:Fallback>
           </mc:AlternateContent>
         </p:grpSp>
-        <mc:AlternateContent xmlns:mc="http://schemas.openxmlformats.org/markup-compatibility/2006">
-          <mc:Choice xmlns:a14="http://schemas.microsoft.com/office/drawing/2010/main" Requires="a14">
+        <mc:AlternateContent xmlns:mc="http://schemas.openxmlformats.org/markup-compatibility/2006" xmlns:a14="http://schemas.microsoft.com/office/drawing/2010/main">
+          <mc:Choice Requires="a14">
             <p:sp>
               <p:nvSpPr>
                 <p:cNvPr id="209" name="TextBox 208"/>
@@ -7890,7 +7887,7 @@
               </p:txBody>
             </p:sp>
           </mc:Choice>
-          <mc:Fallback>
+          <mc:Fallback xmlns="">
             <p:sp>
               <p:nvSpPr>
                 <p:cNvPr id="209" name="TextBox 208"/>
@@ -7999,8 +7996,8 @@
             </a:p>
           </p:txBody>
         </p:sp>
-        <mc:AlternateContent xmlns:mc="http://schemas.openxmlformats.org/markup-compatibility/2006">
-          <mc:Choice xmlns:a14="http://schemas.microsoft.com/office/drawing/2010/main" Requires="a14">
+        <mc:AlternateContent xmlns:mc="http://schemas.openxmlformats.org/markup-compatibility/2006" xmlns:a14="http://schemas.microsoft.com/office/drawing/2010/main">
+          <mc:Choice Requires="a14">
             <p:sp>
               <p:nvSpPr>
                 <p:cNvPr id="214" name="TextBox 213"/>
@@ -8057,7 +8054,7 @@
               </p:txBody>
             </p:sp>
           </mc:Choice>
-          <mc:Fallback>
+          <mc:Fallback xmlns="">
             <p:sp>
               <p:nvSpPr>
                 <p:cNvPr id="214" name="TextBox 213"/>
@@ -8181,8 +8178,8 @@
               </a:p>
             </p:txBody>
           </p:sp>
-          <mc:AlternateContent xmlns:mc="http://schemas.openxmlformats.org/markup-compatibility/2006">
-            <mc:Choice xmlns:a14="http://schemas.microsoft.com/office/drawing/2010/main" Requires="a14">
+          <mc:AlternateContent xmlns:mc="http://schemas.openxmlformats.org/markup-compatibility/2006" xmlns:a14="http://schemas.microsoft.com/office/drawing/2010/main">
+            <mc:Choice Requires="a14">
               <p:sp>
                 <p:nvSpPr>
                   <p:cNvPr id="441" name="TextBox 440"/>
@@ -8226,7 +8223,7 @@
                 </p:txBody>
               </p:sp>
             </mc:Choice>
-            <mc:Fallback>
+            <mc:Fallback xmlns="">
               <p:sp>
                 <p:nvSpPr>
                   <p:cNvPr id="441" name="TextBox 440"/>
@@ -8266,8 +8263,8 @@
             </mc:Fallback>
           </mc:AlternateContent>
         </p:grpSp>
-        <mc:AlternateContent xmlns:mc="http://schemas.openxmlformats.org/markup-compatibility/2006">
-          <mc:Choice xmlns:a14="http://schemas.microsoft.com/office/drawing/2010/main" Requires="a14">
+        <mc:AlternateContent xmlns:mc="http://schemas.openxmlformats.org/markup-compatibility/2006" xmlns:a14="http://schemas.microsoft.com/office/drawing/2010/main">
+          <mc:Choice Requires="a14">
             <p:sp>
               <p:nvSpPr>
                 <p:cNvPr id="439" name="TextBox 438"/>
@@ -8323,7 +8320,7 @@
               </p:txBody>
             </p:sp>
           </mc:Choice>
-          <mc:Fallback>
+          <mc:Fallback xmlns="">
             <p:sp>
               <p:nvSpPr>
                 <p:cNvPr id="439" name="TextBox 438"/>
@@ -8432,8 +8429,8 @@
             </a:p>
           </p:txBody>
         </p:sp>
-        <mc:AlternateContent xmlns:mc="http://schemas.openxmlformats.org/markup-compatibility/2006">
-          <mc:Choice xmlns:a14="http://schemas.microsoft.com/office/drawing/2010/main" Requires="a14">
+        <mc:AlternateContent xmlns:mc="http://schemas.openxmlformats.org/markup-compatibility/2006" xmlns:a14="http://schemas.microsoft.com/office/drawing/2010/main">
+          <mc:Choice Requires="a14">
             <p:sp>
               <p:nvSpPr>
                 <p:cNvPr id="444" name="TextBox 443"/>
@@ -8490,7 +8487,7 @@
               </p:txBody>
             </p:sp>
           </mc:Choice>
-          <mc:Fallback>
+          <mc:Fallback xmlns="">
             <p:sp>
               <p:nvSpPr>
                 <p:cNvPr id="444" name="TextBox 443"/>
@@ -10132,8 +10129,8 @@
               </a:p>
             </p:txBody>
           </p:sp>
-          <mc:AlternateContent xmlns:mc="http://schemas.openxmlformats.org/markup-compatibility/2006">
-            <mc:Choice xmlns:a14="http://schemas.microsoft.com/office/drawing/2010/main" Requires="a14">
+          <mc:AlternateContent xmlns:mc="http://schemas.openxmlformats.org/markup-compatibility/2006" xmlns:a14="http://schemas.microsoft.com/office/drawing/2010/main">
+            <mc:Choice Requires="a14">
               <p:sp>
                 <p:nvSpPr>
                   <p:cNvPr id="491" name="TextBox 490"/>
@@ -10177,7 +10174,7 @@
                 </p:txBody>
               </p:sp>
             </mc:Choice>
-            <mc:Fallback>
+            <mc:Fallback xmlns="">
               <p:sp>
                 <p:nvSpPr>
                   <p:cNvPr id="491" name="TextBox 490"/>
@@ -10217,8 +10214,8 @@
             </mc:Fallback>
           </mc:AlternateContent>
         </p:grpSp>
-        <mc:AlternateContent xmlns:mc="http://schemas.openxmlformats.org/markup-compatibility/2006">
-          <mc:Choice xmlns:a14="http://schemas.microsoft.com/office/drawing/2010/main" Requires="a14">
+        <mc:AlternateContent xmlns:mc="http://schemas.openxmlformats.org/markup-compatibility/2006" xmlns:a14="http://schemas.microsoft.com/office/drawing/2010/main">
+          <mc:Choice Requires="a14">
             <p:sp>
               <p:nvSpPr>
                 <p:cNvPr id="489" name="TextBox 488"/>
@@ -10274,7 +10271,7 @@
               </p:txBody>
             </p:sp>
           </mc:Choice>
-          <mc:Fallback>
+          <mc:Fallback xmlns="">
             <p:sp>
               <p:nvSpPr>
                 <p:cNvPr id="489" name="TextBox 488"/>
@@ -10383,8 +10380,8 @@
             </a:p>
           </p:txBody>
         </p:sp>
-        <mc:AlternateContent xmlns:mc="http://schemas.openxmlformats.org/markup-compatibility/2006">
-          <mc:Choice xmlns:a14="http://schemas.microsoft.com/office/drawing/2010/main" Requires="a14">
+        <mc:AlternateContent xmlns:mc="http://schemas.openxmlformats.org/markup-compatibility/2006" xmlns:a14="http://schemas.microsoft.com/office/drawing/2010/main">
+          <mc:Choice Requires="a14">
             <p:sp>
               <p:nvSpPr>
                 <p:cNvPr id="494" name="TextBox 493"/>
@@ -10441,7 +10438,7 @@
               </p:txBody>
             </p:sp>
           </mc:Choice>
-          <mc:Fallback>
+          <mc:Fallback xmlns="">
             <p:sp>
               <p:nvSpPr>
                 <p:cNvPr id="494" name="TextBox 493"/>
@@ -10565,8 +10562,8 @@
               </a:p>
             </p:txBody>
           </p:sp>
-          <mc:AlternateContent xmlns:mc="http://schemas.openxmlformats.org/markup-compatibility/2006">
-            <mc:Choice xmlns:a14="http://schemas.microsoft.com/office/drawing/2010/main" Requires="a14">
+          <mc:AlternateContent xmlns:mc="http://schemas.openxmlformats.org/markup-compatibility/2006" xmlns:a14="http://schemas.microsoft.com/office/drawing/2010/main">
+            <mc:Choice Requires="a14">
               <p:sp>
                 <p:nvSpPr>
                   <p:cNvPr id="499" name="TextBox 498"/>
@@ -10610,7 +10607,7 @@
                 </p:txBody>
               </p:sp>
             </mc:Choice>
-            <mc:Fallback>
+            <mc:Fallback xmlns="">
               <p:sp>
                 <p:nvSpPr>
                   <p:cNvPr id="499" name="TextBox 498"/>
@@ -10650,8 +10647,8 @@
             </mc:Fallback>
           </mc:AlternateContent>
         </p:grpSp>
-        <mc:AlternateContent xmlns:mc="http://schemas.openxmlformats.org/markup-compatibility/2006">
-          <mc:Choice xmlns:a14="http://schemas.microsoft.com/office/drawing/2010/main" Requires="a14">
+        <mc:AlternateContent xmlns:mc="http://schemas.openxmlformats.org/markup-compatibility/2006" xmlns:a14="http://schemas.microsoft.com/office/drawing/2010/main">
+          <mc:Choice Requires="a14">
             <p:sp>
               <p:nvSpPr>
                 <p:cNvPr id="497" name="TextBox 496"/>
@@ -10707,7 +10704,7 @@
               </p:txBody>
             </p:sp>
           </mc:Choice>
-          <mc:Fallback>
+          <mc:Fallback xmlns="">
             <p:sp>
               <p:nvSpPr>
                 <p:cNvPr id="497" name="TextBox 496"/>
@@ -10816,8 +10813,8 @@
             </a:p>
           </p:txBody>
         </p:sp>
-        <mc:AlternateContent xmlns:mc="http://schemas.openxmlformats.org/markup-compatibility/2006">
-          <mc:Choice xmlns:a14="http://schemas.microsoft.com/office/drawing/2010/main" Requires="a14">
+        <mc:AlternateContent xmlns:mc="http://schemas.openxmlformats.org/markup-compatibility/2006" xmlns:a14="http://schemas.microsoft.com/office/drawing/2010/main">
+          <mc:Choice Requires="a14">
             <p:sp>
               <p:nvSpPr>
                 <p:cNvPr id="502" name="TextBox 501"/>
@@ -10874,7 +10871,7 @@
               </p:txBody>
             </p:sp>
           </mc:Choice>
-          <mc:Fallback>
+          <mc:Fallback xmlns="">
             <p:sp>
               <p:nvSpPr>
                 <p:cNvPr id="502" name="TextBox 501"/>
@@ -10998,8 +10995,8 @@
               </a:p>
             </p:txBody>
           </p:sp>
-          <mc:AlternateContent xmlns:mc="http://schemas.openxmlformats.org/markup-compatibility/2006">
-            <mc:Choice xmlns:a14="http://schemas.microsoft.com/office/drawing/2010/main" Requires="a14">
+          <mc:AlternateContent xmlns:mc="http://schemas.openxmlformats.org/markup-compatibility/2006" xmlns:a14="http://schemas.microsoft.com/office/drawing/2010/main">
+            <mc:Choice Requires="a14">
               <p:sp>
                 <p:nvSpPr>
                   <p:cNvPr id="507" name="TextBox 506"/>
@@ -11043,7 +11040,7 @@
                 </p:txBody>
               </p:sp>
             </mc:Choice>
-            <mc:Fallback>
+            <mc:Fallback xmlns="">
               <p:sp>
                 <p:nvSpPr>
                   <p:cNvPr id="507" name="TextBox 506"/>
@@ -11083,8 +11080,8 @@
             </mc:Fallback>
           </mc:AlternateContent>
         </p:grpSp>
-        <mc:AlternateContent xmlns:mc="http://schemas.openxmlformats.org/markup-compatibility/2006">
-          <mc:Choice xmlns:a14="http://schemas.microsoft.com/office/drawing/2010/main" Requires="a14">
+        <mc:AlternateContent xmlns:mc="http://schemas.openxmlformats.org/markup-compatibility/2006" xmlns:a14="http://schemas.microsoft.com/office/drawing/2010/main">
+          <mc:Choice Requires="a14">
             <p:sp>
               <p:nvSpPr>
                 <p:cNvPr id="505" name="TextBox 504"/>
@@ -11140,7 +11137,7 @@
               </p:txBody>
             </p:sp>
           </mc:Choice>
-          <mc:Fallback>
+          <mc:Fallback xmlns="">
             <p:sp>
               <p:nvSpPr>
                 <p:cNvPr id="505" name="TextBox 504"/>
@@ -11249,8 +11246,8 @@
             </a:p>
           </p:txBody>
         </p:sp>
-        <mc:AlternateContent xmlns:mc="http://schemas.openxmlformats.org/markup-compatibility/2006">
-          <mc:Choice xmlns:a14="http://schemas.microsoft.com/office/drawing/2010/main" Requires="a14">
+        <mc:AlternateContent xmlns:mc="http://schemas.openxmlformats.org/markup-compatibility/2006" xmlns:a14="http://schemas.microsoft.com/office/drawing/2010/main">
+          <mc:Choice Requires="a14">
             <p:sp>
               <p:nvSpPr>
                 <p:cNvPr id="510" name="TextBox 509"/>
@@ -11307,7 +11304,7 @@
               </p:txBody>
             </p:sp>
           </mc:Choice>
-          <mc:Fallback>
+          <mc:Fallback xmlns="">
             <p:sp>
               <p:nvSpPr>
                 <p:cNvPr id="510" name="TextBox 509"/>
@@ -13918,8 +13915,8 @@
           </a:fontRef>
         </p:style>
       </p:cxnSp>
-      <mc:AlternateContent xmlns:mc="http://schemas.openxmlformats.org/markup-compatibility/2006">
-        <mc:Choice xmlns:a14="http://schemas.microsoft.com/office/drawing/2010/main" Requires="a14">
+      <mc:AlternateContent xmlns:mc="http://schemas.openxmlformats.org/markup-compatibility/2006" xmlns:a14="http://schemas.microsoft.com/office/drawing/2010/main">
+        <mc:Choice Requires="a14">
           <p:sp>
             <p:nvSpPr>
               <p:cNvPr id="150" name="TextBox 149"/>
@@ -13942,6 +13939,7 @@
               </a:bodyPr>
               <a:lstStyle/>
               <a:p>
+                <a:pPr/>
                 <a14:m>
                   <m:oMathPara xmlns:m="http://schemas.openxmlformats.org/officeDocument/2006/math">
                     <m:oMathParaPr>
@@ -14097,7 +14095,7 @@
             </p:txBody>
           </p:sp>
         </mc:Choice>
-        <mc:Fallback>
+        <mc:Fallback xmlns="">
           <p:sp>
             <p:nvSpPr>
               <p:cNvPr id="150" name="TextBox 149"/>
@@ -14136,8 +14134,8 @@
           </p:sp>
         </mc:Fallback>
       </mc:AlternateContent>
-      <mc:AlternateContent xmlns:mc="http://schemas.openxmlformats.org/markup-compatibility/2006">
-        <mc:Choice xmlns:a14="http://schemas.microsoft.com/office/drawing/2010/main" Requires="a14">
+      <mc:AlternateContent xmlns:mc="http://schemas.openxmlformats.org/markup-compatibility/2006" xmlns:a14="http://schemas.microsoft.com/office/drawing/2010/main">
+        <mc:Choice Requires="a14">
           <p:sp>
             <p:nvSpPr>
               <p:cNvPr id="583" name="TextBox 582"/>
@@ -14160,6 +14158,7 @@
               </a:bodyPr>
               <a:lstStyle/>
               <a:p>
+                <a:pPr/>
                 <a14:m>
                   <m:oMathPara xmlns:m="http://schemas.openxmlformats.org/officeDocument/2006/math">
                     <m:oMathParaPr>
@@ -14315,7 +14314,7 @@
             </p:txBody>
           </p:sp>
         </mc:Choice>
-        <mc:Fallback>
+        <mc:Fallback xmlns="">
           <p:sp>
             <p:nvSpPr>
               <p:cNvPr id="583" name="TextBox 582"/>
@@ -14354,8 +14353,8 @@
           </p:sp>
         </mc:Fallback>
       </mc:AlternateContent>
-      <mc:AlternateContent xmlns:mc="http://schemas.openxmlformats.org/markup-compatibility/2006">
-        <mc:Choice xmlns:a14="http://schemas.microsoft.com/office/drawing/2010/main" Requires="a14">
+      <mc:AlternateContent xmlns:mc="http://schemas.openxmlformats.org/markup-compatibility/2006" xmlns:a14="http://schemas.microsoft.com/office/drawing/2010/main">
+        <mc:Choice Requires="a14">
           <p:sp>
             <p:nvSpPr>
               <p:cNvPr id="584" name="TextBox 583"/>
@@ -14378,6 +14377,7 @@
               </a:bodyPr>
               <a:lstStyle/>
               <a:p>
+                <a:pPr/>
                 <a14:m>
                   <m:oMathPara xmlns:m="http://schemas.openxmlformats.org/officeDocument/2006/math">
                     <m:oMathParaPr>
@@ -14497,7 +14497,7 @@
             </p:txBody>
           </p:sp>
         </mc:Choice>
-        <mc:Fallback>
+        <mc:Fallback xmlns="">
           <p:sp>
             <p:nvSpPr>
               <p:cNvPr id="584" name="TextBox 583"/>
